--- a/Chapitre1.pptx
+++ b/Chapitre1.pptx
@@ -5,10 +5,10 @@
     <p:sldMasterId id="2147483648" r:id="rId4"/>
   </p:sldMasterIdLst>
   <p:notesMasterIdLst>
-    <p:notesMasterId r:id="rId62"/>
+    <p:notesMasterId r:id="rId91"/>
   </p:notesMasterIdLst>
   <p:handoutMasterIdLst>
-    <p:handoutMasterId r:id="rId63"/>
+    <p:handoutMasterId r:id="rId92"/>
   </p:handoutMasterIdLst>
   <p:sldIdLst>
     <p:sldId id="370" r:id="rId5"/>
@@ -60,14 +60,43 @@
     <p:sldId id="438" r:id="rId51"/>
     <p:sldId id="440" r:id="rId52"/>
     <p:sldId id="441" r:id="rId53"/>
-    <p:sldId id="442" r:id="rId54"/>
-    <p:sldId id="443" r:id="rId55"/>
-    <p:sldId id="444" r:id="rId56"/>
-    <p:sldId id="446" r:id="rId57"/>
-    <p:sldId id="445" r:id="rId58"/>
-    <p:sldId id="448" r:id="rId59"/>
-    <p:sldId id="436" r:id="rId60"/>
-    <p:sldId id="447" r:id="rId61"/>
+    <p:sldId id="466" r:id="rId54"/>
+    <p:sldId id="442" r:id="rId55"/>
+    <p:sldId id="443" r:id="rId56"/>
+    <p:sldId id="444" r:id="rId57"/>
+    <p:sldId id="446" r:id="rId58"/>
+    <p:sldId id="445" r:id="rId59"/>
+    <p:sldId id="448" r:id="rId60"/>
+    <p:sldId id="449" r:id="rId61"/>
+    <p:sldId id="450" r:id="rId62"/>
+    <p:sldId id="451" r:id="rId63"/>
+    <p:sldId id="452" r:id="rId64"/>
+    <p:sldId id="454" r:id="rId65"/>
+    <p:sldId id="456" r:id="rId66"/>
+    <p:sldId id="457" r:id="rId67"/>
+    <p:sldId id="458" r:id="rId68"/>
+    <p:sldId id="462" r:id="rId69"/>
+    <p:sldId id="463" r:id="rId70"/>
+    <p:sldId id="464" r:id="rId71"/>
+    <p:sldId id="465" r:id="rId72"/>
+    <p:sldId id="467" r:id="rId73"/>
+    <p:sldId id="468" r:id="rId74"/>
+    <p:sldId id="469" r:id="rId75"/>
+    <p:sldId id="470" r:id="rId76"/>
+    <p:sldId id="471" r:id="rId77"/>
+    <p:sldId id="472" r:id="rId78"/>
+    <p:sldId id="473" r:id="rId79"/>
+    <p:sldId id="474" r:id="rId80"/>
+    <p:sldId id="475" r:id="rId81"/>
+    <p:sldId id="476" r:id="rId82"/>
+    <p:sldId id="436" r:id="rId83"/>
+    <p:sldId id="477" r:id="rId84"/>
+    <p:sldId id="478" r:id="rId85"/>
+    <p:sldId id="479" r:id="rId86"/>
+    <p:sldId id="455" r:id="rId87"/>
+    <p:sldId id="461" r:id="rId88"/>
+    <p:sldId id="459" r:id="rId89"/>
+    <p:sldId id="460" r:id="rId90"/>
   </p:sldIdLst>
   <p:sldSz cx="9144000" cy="6858000" type="screen4x3"/>
   <p:notesSz cx="6797675" cy="9926638"/>
@@ -258,14 +287,47 @@
             <p14:sldId id="438"/>
             <p14:sldId id="440"/>
             <p14:sldId id="441"/>
+            <p14:sldId id="466"/>
             <p14:sldId id="442"/>
             <p14:sldId id="443"/>
             <p14:sldId id="444"/>
             <p14:sldId id="446"/>
             <p14:sldId id="445"/>
             <p14:sldId id="448"/>
+            <p14:sldId id="449"/>
+            <p14:sldId id="450"/>
+            <p14:sldId id="451"/>
+            <p14:sldId id="452"/>
+            <p14:sldId id="454"/>
+            <p14:sldId id="456"/>
+            <p14:sldId id="457"/>
+            <p14:sldId id="458"/>
+            <p14:sldId id="462"/>
+            <p14:sldId id="463"/>
+            <p14:sldId id="464"/>
+            <p14:sldId id="465"/>
+            <p14:sldId id="467"/>
+            <p14:sldId id="468"/>
+            <p14:sldId id="469"/>
+            <p14:sldId id="470"/>
+            <p14:sldId id="471"/>
+            <p14:sldId id="472"/>
+            <p14:sldId id="473"/>
+            <p14:sldId id="474"/>
+            <p14:sldId id="475"/>
+            <p14:sldId id="476"/>
             <p14:sldId id="436"/>
-            <p14:sldId id="447"/>
+            <p14:sldId id="477"/>
+            <p14:sldId id="478"/>
+            <p14:sldId id="479"/>
+          </p14:sldIdLst>
+        </p14:section>
+        <p14:section name="Erxercice" id="{98AA3F20-57C4-4DAD-823B-FF91ADDEECD5}">
+          <p14:sldIdLst>
+            <p14:sldId id="455"/>
+            <p14:sldId id="461"/>
+            <p14:sldId id="459"/>
+            <p14:sldId id="460"/>
           </p14:sldIdLst>
         </p14:section>
       </p14:sectionLst>
@@ -1396,7 +1458,7 @@
               <a:pPr>
                 <a:defRPr/>
               </a:pPr>
-              <a:t>51</a:t>
+              <a:t>52</a:t>
             </a:fld>
             <a:endParaRPr lang="fr-FR"/>
           </a:p>
@@ -1406,6 +1468,99 @@
     <p:extLst>
       <p:ext uri="{BB962C8B-B14F-4D97-AF65-F5344CB8AC3E}">
         <p14:creationId xmlns:p14="http://schemas.microsoft.com/office/powerpoint/2010/main" val="4208408080"/>
+      </p:ext>
+    </p:extLst>
+  </p:cSld>
+  <p:clrMapOvr>
+    <a:masterClrMapping/>
+  </p:clrMapOvr>
+</p:notes>
+</file>
+
+<file path=ppt/notesSlides/notesSlide5.xml><?xml version="1.0" encoding="utf-8"?>
+<p:notes xmlns:a="http://schemas.openxmlformats.org/drawingml/2006/main" xmlns:r="http://schemas.openxmlformats.org/officeDocument/2006/relationships" xmlns:p="http://schemas.openxmlformats.org/presentationml/2006/main">
+  <p:cSld>
+    <p:spTree>
+      <p:nvGrpSpPr>
+        <p:cNvPr id="1" name=""/>
+        <p:cNvGrpSpPr/>
+        <p:nvPr/>
+      </p:nvGrpSpPr>
+      <p:grpSpPr>
+        <a:xfrm>
+          <a:off x="0" y="0"/>
+          <a:ext cx="0" cy="0"/>
+          <a:chOff x="0" y="0"/>
+          <a:chExt cx="0" cy="0"/>
+        </a:xfrm>
+      </p:grpSpPr>
+      <p:sp>
+        <p:nvSpPr>
+          <p:cNvPr id="2" name="Espace réservé de l'image des diapositives 1"/>
+          <p:cNvSpPr>
+            <a:spLocks noGrp="1" noRot="1" noChangeAspect="1"/>
+          </p:cNvSpPr>
+          <p:nvPr>
+            <p:ph type="sldImg"/>
+          </p:nvPr>
+        </p:nvSpPr>
+        <p:spPr/>
+      </p:sp>
+      <p:sp>
+        <p:nvSpPr>
+          <p:cNvPr id="3" name="Espace réservé des notes 2"/>
+          <p:cNvSpPr>
+            <a:spLocks noGrp="1"/>
+          </p:cNvSpPr>
+          <p:nvPr>
+            <p:ph type="body" idx="1"/>
+          </p:nvPr>
+        </p:nvSpPr>
+        <p:spPr/>
+        <p:txBody>
+          <a:bodyPr/>
+          <a:lstStyle/>
+          <a:p>
+            <a:r>
+              <a:rPr lang="fr-BE" dirty="0"/>
+              <a:t>https://youtu.be/JhqpF-5E10I</a:t>
+            </a:r>
+          </a:p>
+        </p:txBody>
+      </p:sp>
+      <p:sp>
+        <p:nvSpPr>
+          <p:cNvPr id="4" name="Espace réservé du numéro de diapositive 3"/>
+          <p:cNvSpPr>
+            <a:spLocks noGrp="1"/>
+          </p:cNvSpPr>
+          <p:nvPr>
+            <p:ph type="sldNum" sz="quarter" idx="5"/>
+          </p:nvPr>
+        </p:nvSpPr>
+        <p:spPr/>
+        <p:txBody>
+          <a:bodyPr/>
+          <a:lstStyle/>
+          <a:p>
+            <a:pPr>
+              <a:defRPr/>
+            </a:pPr>
+            <a:fld id="{B1C68B7C-8F32-CC48-8184-E12CEE3A74EA}" type="slidenum">
+              <a:rPr lang="fr-FR" smtClean="0"/>
+              <a:pPr>
+                <a:defRPr/>
+              </a:pPr>
+              <a:t>53</a:t>
+            </a:fld>
+            <a:endParaRPr lang="fr-FR"/>
+          </a:p>
+        </p:txBody>
+      </p:sp>
+    </p:spTree>
+    <p:extLst>
+      <p:ext uri="{BB962C8B-B14F-4D97-AF65-F5344CB8AC3E}">
+        <p14:creationId xmlns:p14="http://schemas.microsoft.com/office/powerpoint/2010/main" val="1795678988"/>
       </p:ext>
     </p:extLst>
   </p:cSld>
@@ -7051,8 +7206,8 @@
         </p:nvSpPr>
         <p:spPr>
           <a:xfrm>
-            <a:off x="3352800" y="3886200"/>
-            <a:ext cx="5105400" cy="1752600"/>
+            <a:off x="502617" y="3886199"/>
+            <a:ext cx="7955583" cy="2883994"/>
           </a:xfrm>
         </p:spPr>
         <p:txBody>
@@ -7060,10 +7215,30 @@
           <a:lstStyle/>
           <a:p>
             <a:r>
-              <a:rPr lang="fr-FR" sz="2400" dirty="0"/>
+              <a:rPr lang="fr-FR" sz="2800" dirty="0"/>
               <a:t>Outils de productivités et d'organisation du travail </a:t>
             </a:r>
-            <a:endParaRPr lang="fr-FR" sz="2400" i="1" dirty="0">
+          </a:p>
+          <a:p>
+            <a:endParaRPr lang="fr-FR" sz="2800" dirty="0"/>
+          </a:p>
+          <a:p>
+            <a:endParaRPr lang="fr-FR" sz="2800" dirty="0"/>
+          </a:p>
+          <a:p>
+            <a:endParaRPr lang="fr-FR" sz="2800" dirty="0"/>
+          </a:p>
+          <a:p>
+            <a:pPr algn="r"/>
+            <a:r>
+              <a:rPr lang="fr-FR" dirty="0">
+                <a:latin typeface="Arial" charset="0"/>
+                <a:ea typeface="ＭＳ Ｐゴシック" charset="0"/>
+                <a:cs typeface="ＭＳ Ｐゴシック" charset="0"/>
+              </a:rPr>
+              <a:t>Adrien Huygens</a:t>
+            </a:r>
+            <a:endParaRPr lang="fr-FR" i="1" dirty="0">
               <a:latin typeface="Arial" charset="0"/>
               <a:ea typeface="ＭＳ Ｐゴシック" charset="0"/>
               <a:cs typeface="ＭＳ Ｐゴシック" charset="0"/>
@@ -19610,10 +19785,10 @@
       </p:grpSpPr>
       <p:sp>
         <p:nvSpPr>
-          <p:cNvPr id="6" name="Titre 5">
-            <a:extLst>
-              <a:ext uri="{FF2B5EF4-FFF2-40B4-BE49-F238E27FC236}">
-                <a16:creationId xmlns:a16="http://schemas.microsoft.com/office/drawing/2014/main" id="{7D4F2070-C927-44D1-9CF4-8637E99E7A98}"/>
+          <p:cNvPr id="2" name="Titre 1">
+            <a:extLst>
+              <a:ext uri="{FF2B5EF4-FFF2-40B4-BE49-F238E27FC236}">
+                <a16:creationId xmlns:a16="http://schemas.microsoft.com/office/drawing/2014/main" id="{BA82F8B3-59E1-48CA-A931-BA131A1C4E8D}"/>
               </a:ext>
             </a:extLst>
           </p:cNvPr>
@@ -19631,21 +19806,440 @@
           <a:p>
             <a:r>
               <a:rPr lang="fr-BE" dirty="0"/>
-              <a:t>Azure DevOps</a:t>
-            </a:r>
-            <a:br>
-              <a:rPr lang="fr-BE" dirty="0"/>
-            </a:br>
-            <a:endParaRPr lang="fr-BE" dirty="0"/>
-          </a:p>
-        </p:txBody>
-      </p:sp>
+              <a:t>Comparatif</a:t>
+            </a:r>
+          </a:p>
+        </p:txBody>
+      </p:sp>
+      <p:graphicFrame>
+        <p:nvGraphicFramePr>
+          <p:cNvPr id="6" name="Tableau 6">
+            <a:extLst>
+              <a:ext uri="{FF2B5EF4-FFF2-40B4-BE49-F238E27FC236}">
+                <a16:creationId xmlns:a16="http://schemas.microsoft.com/office/drawing/2014/main" id="{661F54F2-D67D-46B9-9F6D-F128219ADFC5}"/>
+              </a:ext>
+            </a:extLst>
+          </p:cNvPr>
+          <p:cNvGraphicFramePr>
+            <a:graphicFrameLocks noGrp="1"/>
+          </p:cNvGraphicFramePr>
+          <p:nvPr>
+            <p:ph idx="1"/>
+            <p:extLst>
+              <p:ext uri="{D42A27DB-BD31-4B8C-83A1-F6EECF244321}">
+                <p14:modId xmlns:p14="http://schemas.microsoft.com/office/powerpoint/2010/main" val="1155841279"/>
+              </p:ext>
+            </p:extLst>
+          </p:nvPr>
+        </p:nvGraphicFramePr>
+        <p:xfrm>
+          <a:off x="457200" y="1306513"/>
+          <a:ext cx="8229600" cy="4582160"/>
+        </p:xfrm>
+        <a:graphic>
+          <a:graphicData uri="http://schemas.openxmlformats.org/drawingml/2006/table">
+            <a:tbl>
+              <a:tblPr firstRow="1" bandRow="1">
+                <a:tableStyleId>{5C22544A-7EE6-4342-B048-85BDC9FD1C3A}</a:tableStyleId>
+              </a:tblPr>
+              <a:tblGrid>
+                <a:gridCol w="2743200">
+                  <a:extLst>
+                    <a:ext uri="{9D8B030D-6E8A-4147-A177-3AD203B41FA5}">
+                      <a16:colId xmlns:a16="http://schemas.microsoft.com/office/drawing/2014/main" val="1344075493"/>
+                    </a:ext>
+                  </a:extLst>
+                </a:gridCol>
+                <a:gridCol w="2743200">
+                  <a:extLst>
+                    <a:ext uri="{9D8B030D-6E8A-4147-A177-3AD203B41FA5}">
+                      <a16:colId xmlns:a16="http://schemas.microsoft.com/office/drawing/2014/main" val="560672053"/>
+                    </a:ext>
+                  </a:extLst>
+                </a:gridCol>
+                <a:gridCol w="2743200">
+                  <a:extLst>
+                    <a:ext uri="{9D8B030D-6E8A-4147-A177-3AD203B41FA5}">
+                      <a16:colId xmlns:a16="http://schemas.microsoft.com/office/drawing/2014/main" val="1225184309"/>
+                    </a:ext>
+                  </a:extLst>
+                </a:gridCol>
+              </a:tblGrid>
+              <a:tr h="370840">
+                <a:tc>
+                  <a:txBody>
+                    <a:bodyPr/>
+                    <a:lstStyle/>
+                    <a:p>
+                      <a:endParaRPr lang="fr-BE" dirty="0"/>
+                    </a:p>
+                  </a:txBody>
+                  <a:tcPr/>
+                </a:tc>
+                <a:tc>
+                  <a:txBody>
+                    <a:bodyPr/>
+                    <a:lstStyle/>
+                    <a:p>
+                      <a:r>
+                        <a:rPr lang="fr-BE" dirty="0"/>
+                        <a:t>GitHub</a:t>
+                      </a:r>
+                    </a:p>
+                  </a:txBody>
+                  <a:tcPr/>
+                </a:tc>
+                <a:tc>
+                  <a:txBody>
+                    <a:bodyPr/>
+                    <a:lstStyle/>
+                    <a:p>
+                      <a:r>
+                        <a:rPr lang="fr-BE" dirty="0" err="1"/>
+                        <a:t>GitLab</a:t>
+                      </a:r>
+                      <a:endParaRPr lang="fr-BE" dirty="0"/>
+                    </a:p>
+                  </a:txBody>
+                  <a:tcPr/>
+                </a:tc>
+                <a:extLst>
+                  <a:ext uri="{0D108BD9-81ED-4DB2-BD59-A6C34878D82A}">
+                    <a16:rowId xmlns:a16="http://schemas.microsoft.com/office/drawing/2014/main" val="324341462"/>
+                  </a:ext>
+                </a:extLst>
+              </a:tr>
+              <a:tr h="370840">
+                <a:tc>
+                  <a:txBody>
+                    <a:bodyPr/>
+                    <a:lstStyle/>
+                    <a:p>
+                      <a:r>
+                        <a:rPr lang="fr-BE" dirty="0"/>
+                        <a:t>Prix</a:t>
+                      </a:r>
+                    </a:p>
+                  </a:txBody>
+                  <a:tcPr/>
+                </a:tc>
+                <a:tc>
+                  <a:txBody>
+                    <a:bodyPr/>
+                    <a:lstStyle/>
+                    <a:p>
+                      <a:r>
+                        <a:rPr lang="fr-BE" dirty="0"/>
+                        <a:t>4€\utilisateur\mois</a:t>
+                      </a:r>
+                    </a:p>
+                  </a:txBody>
+                  <a:tcPr/>
+                </a:tc>
+                <a:tc>
+                  <a:txBody>
+                    <a:bodyPr/>
+                    <a:lstStyle/>
+                    <a:p>
+                      <a:pPr marL="0" marR="0" lvl="0" indent="0" algn="l" defTabSz="914400" rtl="0" eaLnBrk="1" fontAlgn="auto" latinLnBrk="0" hangingPunct="1">
+                        <a:lnSpc>
+                          <a:spcPct val="100000"/>
+                        </a:lnSpc>
+                        <a:spcBef>
+                          <a:spcPts val="0"/>
+                        </a:spcBef>
+                        <a:spcAft>
+                          <a:spcPts val="0"/>
+                        </a:spcAft>
+                        <a:buClrTx/>
+                        <a:buSzTx/>
+                        <a:buFontTx/>
+                        <a:buNone/>
+                        <a:tabLst/>
+                        <a:defRPr/>
+                      </a:pPr>
+                      <a:r>
+                        <a:rPr lang="fr-BE" dirty="0"/>
+                        <a:t>4€\utilisateur\mois</a:t>
+                      </a:r>
+                    </a:p>
+                  </a:txBody>
+                  <a:tcPr/>
+                </a:tc>
+                <a:extLst>
+                  <a:ext uri="{0D108BD9-81ED-4DB2-BD59-A6C34878D82A}">
+                    <a16:rowId xmlns:a16="http://schemas.microsoft.com/office/drawing/2014/main" val="3944392012"/>
+                  </a:ext>
+                </a:extLst>
+              </a:tr>
+              <a:tr h="370840">
+                <a:tc>
+                  <a:txBody>
+                    <a:bodyPr/>
+                    <a:lstStyle/>
+                    <a:p>
+                      <a:r>
+                        <a:rPr lang="fr-BE" dirty="0"/>
+                        <a:t>Bon pour</a:t>
+                      </a:r>
+                    </a:p>
+                  </a:txBody>
+                  <a:tcPr/>
+                </a:tc>
+                <a:tc>
+                  <a:txBody>
+                    <a:bodyPr/>
+                    <a:lstStyle/>
+                    <a:p>
+                      <a:r>
+                        <a:rPr lang="fr-BE" dirty="0"/>
+                        <a:t>Entreprise de petite à grand taille</a:t>
+                      </a:r>
+                    </a:p>
+                  </a:txBody>
+                  <a:tcPr/>
+                </a:tc>
+                <a:tc>
+                  <a:txBody>
+                    <a:bodyPr/>
+                    <a:lstStyle/>
+                    <a:p>
+                      <a:r>
+                        <a:rPr lang="fr-BE" dirty="0"/>
+                        <a:t>Entreprise de petite à grande taille, possibilité de s’</a:t>
+                      </a:r>
+                      <a:r>
+                        <a:rPr lang="fr-BE" dirty="0" err="1"/>
+                        <a:t>auto-heberger</a:t>
+                      </a:r>
+                      <a:endParaRPr lang="fr-BE" dirty="0"/>
+                    </a:p>
+                  </a:txBody>
+                  <a:tcPr/>
+                </a:tc>
+                <a:extLst>
+                  <a:ext uri="{0D108BD9-81ED-4DB2-BD59-A6C34878D82A}">
+                    <a16:rowId xmlns:a16="http://schemas.microsoft.com/office/drawing/2014/main" val="1090056312"/>
+                  </a:ext>
+                </a:extLst>
+              </a:tr>
+              <a:tr h="370840">
+                <a:tc>
+                  <a:txBody>
+                    <a:bodyPr/>
+                    <a:lstStyle/>
+                    <a:p>
+                      <a:r>
+                        <a:rPr lang="fr-BE" dirty="0"/>
+                        <a:t>Fonctionnalité</a:t>
+                      </a:r>
+                    </a:p>
+                  </a:txBody>
+                  <a:tcPr/>
+                </a:tc>
+                <a:tc>
+                  <a:txBody>
+                    <a:bodyPr/>
+                    <a:lstStyle/>
+                    <a:p>
+                      <a:r>
+                        <a:rPr lang="fr-BE" dirty="0"/>
+                        <a:t>Gestion des permissions</a:t>
+                      </a:r>
+                    </a:p>
+                    <a:p>
+                      <a:endParaRPr lang="fr-BE" dirty="0"/>
+                    </a:p>
+                    <a:p>
+                      <a:endParaRPr lang="fr-BE" dirty="0"/>
+                    </a:p>
+                    <a:p>
+                      <a:endParaRPr lang="fr-BE" dirty="0"/>
+                    </a:p>
+                    <a:p>
+                      <a:r>
+                        <a:rPr lang="fr-BE" dirty="0" err="1"/>
+                        <a:t>Reporting</a:t>
+                      </a:r>
+                      <a:r>
+                        <a:rPr lang="fr-BE" dirty="0"/>
+                        <a:t>/Analytics</a:t>
+                      </a:r>
+                    </a:p>
+                    <a:p>
+                      <a:endParaRPr lang="fr-BE" dirty="0"/>
+                    </a:p>
+                    <a:p>
+                      <a:pPr marL="0" marR="0" lvl="0" indent="0" algn="l" defTabSz="914400" rtl="0" eaLnBrk="1" fontAlgn="auto" latinLnBrk="0" hangingPunct="1">
+                        <a:lnSpc>
+                          <a:spcPct val="100000"/>
+                        </a:lnSpc>
+                        <a:spcBef>
+                          <a:spcPts val="0"/>
+                        </a:spcBef>
+                        <a:spcAft>
+                          <a:spcPts val="0"/>
+                        </a:spcAft>
+                        <a:buClrTx/>
+                        <a:buSzTx/>
+                        <a:buFontTx/>
+                        <a:buNone/>
+                        <a:tabLst/>
+                        <a:defRPr/>
+                      </a:pPr>
+                      <a:r>
+                        <a:rPr lang="fr-BE" dirty="0"/>
+                        <a:t>Source control</a:t>
+                      </a:r>
+                    </a:p>
+                    <a:p>
+                      <a:endParaRPr lang="fr-BE" dirty="0"/>
+                    </a:p>
+                  </a:txBody>
+                  <a:tcPr/>
+                </a:tc>
+                <a:tc>
+                  <a:txBody>
+                    <a:bodyPr/>
+                    <a:lstStyle/>
+                    <a:p>
+                      <a:r>
+                        <a:rPr lang="fr-BE" dirty="0"/>
+                        <a:t>Gestion des permissions</a:t>
+                      </a:r>
+                    </a:p>
+                    <a:p>
+                      <a:r>
+                        <a:rPr lang="fr-BE" dirty="0"/>
+                        <a:t>Code </a:t>
+                      </a:r>
+                      <a:r>
+                        <a:rPr lang="fr-BE" dirty="0" err="1"/>
+                        <a:t>Refactoring</a:t>
+                      </a:r>
+                      <a:endParaRPr lang="fr-BE" dirty="0"/>
+                    </a:p>
+                    <a:p>
+                      <a:r>
+                        <a:rPr lang="fr-BE" dirty="0"/>
+                        <a:t>Collaboration </a:t>
+                      </a:r>
+                      <a:r>
+                        <a:rPr lang="fr-BE" dirty="0" err="1"/>
+                        <a:t>tools</a:t>
+                      </a:r>
+                      <a:endParaRPr lang="fr-BE" dirty="0"/>
+                    </a:p>
+                    <a:p>
+                      <a:r>
+                        <a:rPr lang="fr-BE" dirty="0" err="1"/>
+                        <a:t>Debuging</a:t>
+                      </a:r>
+                      <a:endParaRPr lang="fr-BE" dirty="0"/>
+                    </a:p>
+                    <a:p>
+                      <a:r>
+                        <a:rPr lang="fr-BE" dirty="0" err="1"/>
+                        <a:t>Reporting</a:t>
+                      </a:r>
+                      <a:r>
+                        <a:rPr lang="fr-BE" dirty="0"/>
+                        <a:t>/</a:t>
+                      </a:r>
+                      <a:r>
+                        <a:rPr lang="fr-BE" dirty="0" err="1"/>
+                        <a:t>analytics</a:t>
+                      </a:r>
+                      <a:endParaRPr lang="fr-BE" dirty="0"/>
+                    </a:p>
+                    <a:p>
+                      <a:r>
+                        <a:rPr lang="fr-BE" dirty="0"/>
+                        <a:t>Software </a:t>
+                      </a:r>
+                      <a:r>
+                        <a:rPr lang="fr-BE" dirty="0" err="1"/>
+                        <a:t>development</a:t>
+                      </a:r>
+                      <a:endParaRPr lang="fr-BE" dirty="0"/>
+                    </a:p>
+                    <a:p>
+                      <a:r>
+                        <a:rPr lang="fr-BE" dirty="0"/>
+                        <a:t>Source control</a:t>
+                      </a:r>
+                    </a:p>
+                    <a:p>
+                      <a:endParaRPr lang="fr-BE" dirty="0"/>
+                    </a:p>
+                  </a:txBody>
+                  <a:tcPr/>
+                </a:tc>
+                <a:extLst>
+                  <a:ext uri="{0D108BD9-81ED-4DB2-BD59-A6C34878D82A}">
+                    <a16:rowId xmlns:a16="http://schemas.microsoft.com/office/drawing/2014/main" val="3645884192"/>
+                  </a:ext>
+                </a:extLst>
+              </a:tr>
+              <a:tr h="370840">
+                <a:tc>
+                  <a:txBody>
+                    <a:bodyPr/>
+                    <a:lstStyle/>
+                    <a:p>
+                      <a:r>
+                        <a:rPr lang="fr-BE" dirty="0"/>
+                        <a:t>Note</a:t>
+                      </a:r>
+                    </a:p>
+                  </a:txBody>
+                  <a:tcPr/>
+                </a:tc>
+                <a:tc>
+                  <a:txBody>
+                    <a:bodyPr/>
+                    <a:lstStyle/>
+                    <a:p>
+                      <a:r>
+                        <a:rPr lang="fr-BE" dirty="0"/>
+                        <a:t>4,8/5 </a:t>
+                      </a:r>
+                    </a:p>
+                    <a:p>
+                      <a:endParaRPr lang="fr-BE" dirty="0"/>
+                    </a:p>
+                  </a:txBody>
+                  <a:tcPr/>
+                </a:tc>
+                <a:tc>
+                  <a:txBody>
+                    <a:bodyPr/>
+                    <a:lstStyle/>
+                    <a:p>
+                      <a:r>
+                        <a:rPr lang="fr-BE" dirty="0"/>
+                        <a:t>4,6/5</a:t>
+                      </a:r>
+                    </a:p>
+                  </a:txBody>
+                  <a:tcPr/>
+                </a:tc>
+                <a:extLst>
+                  <a:ext uri="{0D108BD9-81ED-4DB2-BD59-A6C34878D82A}">
+                    <a16:rowId xmlns:a16="http://schemas.microsoft.com/office/drawing/2014/main" val="4196438586"/>
+                  </a:ext>
+                </a:extLst>
+              </a:tr>
+            </a:tbl>
+          </a:graphicData>
+        </a:graphic>
+      </p:graphicFrame>
       <p:sp>
         <p:nvSpPr>
           <p:cNvPr id="4" name="Espace réservé du pied de page 3">
             <a:extLst>
               <a:ext uri="{FF2B5EF4-FFF2-40B4-BE49-F238E27FC236}">
-                <a16:creationId xmlns:a16="http://schemas.microsoft.com/office/drawing/2014/main" id="{CFFFF662-2993-46BF-AD85-91157852D8DC}"/>
+                <a16:creationId xmlns:a16="http://schemas.microsoft.com/office/drawing/2014/main" id="{6E867073-B570-43E4-80BF-6473CE4669DB}"/>
               </a:ext>
             </a:extLst>
           </p:cNvPr>
@@ -19677,7 +20271,7 @@
           <p:cNvPr id="5" name="Espace réservé du numéro de diapositive 4">
             <a:extLst>
               <a:ext uri="{FF2B5EF4-FFF2-40B4-BE49-F238E27FC236}">
-                <a16:creationId xmlns:a16="http://schemas.microsoft.com/office/drawing/2014/main" id="{3DABB7D3-F8A5-458E-B5EA-0EC6D8A7DB17}"/>
+                <a16:creationId xmlns:a16="http://schemas.microsoft.com/office/drawing/2014/main" id="{4467224C-703A-4222-BB45-5C39EF9C3336}"/>
               </a:ext>
             </a:extLst>
           </p:cNvPr>
@@ -19710,7 +20304,7 @@
     </p:spTree>
     <p:extLst>
       <p:ext uri="{BB962C8B-B14F-4D97-AF65-F5344CB8AC3E}">
-        <p14:creationId xmlns:p14="http://schemas.microsoft.com/office/powerpoint/2010/main" val="2025780406"/>
+        <p14:creationId xmlns:p14="http://schemas.microsoft.com/office/powerpoint/2010/main" val="1490069059"/>
       </p:ext>
     </p:extLst>
   </p:cSld>
@@ -19745,7 +20339,7 @@
           <p:cNvPr id="6" name="Titre 5">
             <a:extLst>
               <a:ext uri="{FF2B5EF4-FFF2-40B4-BE49-F238E27FC236}">
-                <a16:creationId xmlns:a16="http://schemas.microsoft.com/office/drawing/2014/main" id="{E5F4B796-3CC3-46D0-AA84-3B07E77F70C4}"/>
+                <a16:creationId xmlns:a16="http://schemas.microsoft.com/office/drawing/2014/main" id="{7D4F2070-C927-44D1-9CF4-8637E99E7A98}"/>
               </a:ext>
             </a:extLst>
           </p:cNvPr>
@@ -19765,80 +20359,10 @@
               <a:rPr lang="fr-BE" dirty="0"/>
               <a:t>Azure DevOps</a:t>
             </a:r>
-          </a:p>
-        </p:txBody>
-      </p:sp>
-      <p:sp>
-        <p:nvSpPr>
-          <p:cNvPr id="7" name="Espace réservé du contenu 6">
-            <a:extLst>
-              <a:ext uri="{FF2B5EF4-FFF2-40B4-BE49-F238E27FC236}">
-                <a16:creationId xmlns:a16="http://schemas.microsoft.com/office/drawing/2014/main" id="{DA8770ED-BAD6-4661-A992-037595AC4DE3}"/>
-              </a:ext>
-            </a:extLst>
-          </p:cNvPr>
-          <p:cNvSpPr>
-            <a:spLocks noGrp="1"/>
-          </p:cNvSpPr>
-          <p:nvPr>
-            <p:ph idx="1"/>
-          </p:nvPr>
-        </p:nvSpPr>
-        <p:spPr/>
-        <p:txBody>
-          <a:bodyPr/>
-          <a:lstStyle/>
-          <a:p>
-            <a:r>
-              <a:rPr lang="fr-FR" dirty="0"/>
-              <a:t>Provient de TFS (Microsoft team </a:t>
-            </a:r>
-            <a:r>
-              <a:rPr lang="fr-FR" dirty="0" err="1"/>
-              <a:t>Foundation</a:t>
-            </a:r>
-            <a:r>
-              <a:rPr lang="fr-FR" dirty="0"/>
-              <a:t> Server) </a:t>
-            </a:r>
-          </a:p>
-          <a:p>
-            <a:r>
-              <a:rPr lang="fr-FR" dirty="0"/>
-              <a:t> lancé en 2005</a:t>
-            </a:r>
-          </a:p>
-          <a:p>
-            <a:r>
-              <a:rPr lang="fr-FR" dirty="0"/>
-              <a:t>Microsoft </a:t>
-            </a:r>
-          </a:p>
-          <a:p>
-            <a:r>
-              <a:rPr lang="fr-FR" dirty="0"/>
-              <a:t>S’</a:t>
-            </a:r>
-            <a:r>
-              <a:rPr lang="fr-FR" dirty="0" err="1"/>
-              <a:t>integre</a:t>
-            </a:r>
-            <a:r>
-              <a:rPr lang="fr-FR" dirty="0"/>
-              <a:t> facilement à Visual studio ou Eclipse</a:t>
-            </a:r>
-          </a:p>
-          <a:p>
-            <a:r>
-              <a:rPr lang="fr-FR" dirty="0"/>
-              <a:t>Changement de nom en 2018</a:t>
-            </a:r>
-          </a:p>
-          <a:p>
-            <a:endParaRPr lang="fr-FR" dirty="0"/>
-          </a:p>
-          <a:p>
-            <a:endParaRPr lang="fr-FR" dirty="0"/>
+            <a:br>
+              <a:rPr lang="fr-BE" dirty="0"/>
+            </a:br>
+            <a:endParaRPr lang="fr-BE" dirty="0"/>
           </a:p>
         </p:txBody>
       </p:sp>
@@ -19847,7 +20371,7 @@
           <p:cNvPr id="4" name="Espace réservé du pied de page 3">
             <a:extLst>
               <a:ext uri="{FF2B5EF4-FFF2-40B4-BE49-F238E27FC236}">
-                <a16:creationId xmlns:a16="http://schemas.microsoft.com/office/drawing/2014/main" id="{74F596AD-4F30-4671-AEDC-FA5AFD866D6B}"/>
+                <a16:creationId xmlns:a16="http://schemas.microsoft.com/office/drawing/2014/main" id="{CFFFF662-2993-46BF-AD85-91157852D8DC}"/>
               </a:ext>
             </a:extLst>
           </p:cNvPr>
@@ -19866,7 +20390,11 @@
             <a:pPr>
               <a:defRPr/>
             </a:pPr>
-            <a:endParaRPr lang="fr-FR"/>
+            <a:r>
+              <a:rPr lang="fr-FR"/>
+              <a:t>Adrien Huygens</a:t>
+            </a:r>
+            <a:endParaRPr lang="fr-FR" dirty="0"/>
           </a:p>
         </p:txBody>
       </p:sp>
@@ -19875,7 +20403,7 @@
           <p:cNvPr id="5" name="Espace réservé du numéro de diapositive 4">
             <a:extLst>
               <a:ext uri="{FF2B5EF4-FFF2-40B4-BE49-F238E27FC236}">
-                <a16:creationId xmlns:a16="http://schemas.microsoft.com/office/drawing/2014/main" id="{A9C9D014-BB15-4A4E-939F-C7E50304E0B6}"/>
+                <a16:creationId xmlns:a16="http://schemas.microsoft.com/office/drawing/2014/main" id="{3DABB7D3-F8A5-458E-B5EA-0EC6D8A7DB17}"/>
               </a:ext>
             </a:extLst>
           </p:cNvPr>
@@ -19894,7 +20422,7 @@
             <a:pPr>
               <a:defRPr/>
             </a:pPr>
-            <a:fld id="{B4174E2D-55EB-1646-8534-505E491D1059}" type="slidenum">
+            <a:fld id="{37E4E265-2F72-DF4D-B77D-D3249BA76B9F}" type="slidenum">
               <a:rPr lang="fr-FR" smtClean="0"/>
               <a:pPr>
                 <a:defRPr/>
@@ -19908,7 +20436,7 @@
     </p:spTree>
     <p:extLst>
       <p:ext uri="{BB962C8B-B14F-4D97-AF65-F5344CB8AC3E}">
-        <p14:creationId xmlns:p14="http://schemas.microsoft.com/office/powerpoint/2010/main" val="1583214635"/>
+        <p14:creationId xmlns:p14="http://schemas.microsoft.com/office/powerpoint/2010/main" val="2025780406"/>
       </p:ext>
     </p:extLst>
   </p:cSld>
@@ -19940,10 +20468,10 @@
       </p:grpSpPr>
       <p:sp>
         <p:nvSpPr>
-          <p:cNvPr id="2" name="Titre 1">
-            <a:extLst>
-              <a:ext uri="{FF2B5EF4-FFF2-40B4-BE49-F238E27FC236}">
-                <a16:creationId xmlns:a16="http://schemas.microsoft.com/office/drawing/2014/main" id="{6A039F07-485E-4C7F-AC0C-F66B5BA58CA6}"/>
+          <p:cNvPr id="6" name="Titre 5">
+            <a:extLst>
+              <a:ext uri="{FF2B5EF4-FFF2-40B4-BE49-F238E27FC236}">
+                <a16:creationId xmlns:a16="http://schemas.microsoft.com/office/drawing/2014/main" id="{E5F4B796-3CC3-46D0-AA84-3B07E77F70C4}"/>
               </a:ext>
             </a:extLst>
           </p:cNvPr>
@@ -19968,10 +20496,10 @@
       </p:sp>
       <p:sp>
         <p:nvSpPr>
-          <p:cNvPr id="3" name="Espace réservé du contenu 2">
-            <a:extLst>
-              <a:ext uri="{FF2B5EF4-FFF2-40B4-BE49-F238E27FC236}">
-                <a16:creationId xmlns:a16="http://schemas.microsoft.com/office/drawing/2014/main" id="{B67297CA-D135-494C-A385-B41940F45930}"/>
+          <p:cNvPr id="7" name="Espace réservé du contenu 6">
+            <a:extLst>
+              <a:ext uri="{FF2B5EF4-FFF2-40B4-BE49-F238E27FC236}">
+                <a16:creationId xmlns:a16="http://schemas.microsoft.com/office/drawing/2014/main" id="{DA8770ED-BAD6-4661-A992-037595AC4DE3}"/>
               </a:ext>
             </a:extLst>
           </p:cNvPr>
@@ -19988,69 +20516,55 @@
           <a:lstStyle/>
           <a:p>
             <a:r>
-              <a:rPr lang="fr-BE" dirty="0"/>
-              <a:t>Fonctionnalités:</a:t>
-            </a:r>
-          </a:p>
-          <a:p>
-            <a:pPr lvl="1"/>
-            <a:r>
-              <a:rPr lang="fr-BE" dirty="0"/>
-              <a:t>Gestion du code source</a:t>
-            </a:r>
-          </a:p>
-          <a:p>
-            <a:pPr lvl="1"/>
-            <a:r>
-              <a:rPr lang="fr-BE" dirty="0"/>
-              <a:t>Gestion des exigences</a:t>
-            </a:r>
-          </a:p>
-          <a:p>
-            <a:pPr lvl="1"/>
-            <a:r>
-              <a:rPr lang="fr-BE" dirty="0"/>
-              <a:t>Gestion de projet</a:t>
-            </a:r>
-          </a:p>
-          <a:p>
-            <a:pPr lvl="1"/>
-            <a:r>
-              <a:rPr lang="fr-BE" dirty="0"/>
-              <a:t>Gestion des test</a:t>
-            </a:r>
-          </a:p>
-          <a:p>
-            <a:pPr lvl="1"/>
-            <a:r>
-              <a:rPr lang="fr-BE" dirty="0"/>
-              <a:t>Gestion du </a:t>
-            </a:r>
-            <a:r>
-              <a:rPr lang="fr-BE" dirty="0" err="1"/>
-              <a:t>reporting</a:t>
-            </a:r>
-            <a:endParaRPr lang="fr-BE" dirty="0"/>
-          </a:p>
-          <a:p>
-            <a:pPr lvl="1"/>
-            <a:r>
-              <a:rPr lang="fr-BE" dirty="0"/>
-              <a:t>Gestion de compilation automatisée</a:t>
-            </a:r>
-          </a:p>
-          <a:p>
-            <a:pPr lvl="1"/>
-            <a:r>
-              <a:rPr lang="fr-BE" dirty="0"/>
-              <a:t>Gestion du laboratoire</a:t>
-            </a:r>
-          </a:p>
-          <a:p>
-            <a:pPr marL="457200" lvl="1" indent="0">
-              <a:buNone/>
-            </a:pPr>
-            <a:endParaRPr lang="fr-BE" dirty="0"/>
+              <a:rPr lang="fr-FR" dirty="0"/>
+              <a:t>Provient de TFS (Microsoft team </a:t>
+            </a:r>
+            <a:r>
+              <a:rPr lang="fr-FR" dirty="0" err="1"/>
+              <a:t>Foundation</a:t>
+            </a:r>
+            <a:r>
+              <a:rPr lang="fr-FR" dirty="0"/>
+              <a:t> Server) </a:t>
+            </a:r>
+          </a:p>
+          <a:p>
+            <a:r>
+              <a:rPr lang="fr-FR" dirty="0"/>
+              <a:t> lancé en 2005</a:t>
+            </a:r>
+          </a:p>
+          <a:p>
+            <a:r>
+              <a:rPr lang="fr-FR" dirty="0"/>
+              <a:t>Microsoft </a:t>
+            </a:r>
+          </a:p>
+          <a:p>
+            <a:r>
+              <a:rPr lang="fr-FR" dirty="0"/>
+              <a:t>S’</a:t>
+            </a:r>
+            <a:r>
+              <a:rPr lang="fr-FR" dirty="0" err="1"/>
+              <a:t>integre</a:t>
+            </a:r>
+            <a:r>
+              <a:rPr lang="fr-FR" dirty="0"/>
+              <a:t> facilement à Visual studio ou Eclipse</a:t>
+            </a:r>
+          </a:p>
+          <a:p>
+            <a:r>
+              <a:rPr lang="fr-FR" dirty="0"/>
+              <a:t>Changement de nom en 2018</a:t>
+            </a:r>
+          </a:p>
+          <a:p>
+            <a:endParaRPr lang="fr-FR" dirty="0"/>
+          </a:p>
+          <a:p>
+            <a:endParaRPr lang="fr-FR" dirty="0"/>
           </a:p>
         </p:txBody>
       </p:sp>
@@ -20059,7 +20573,7 @@
           <p:cNvPr id="4" name="Espace réservé du pied de page 3">
             <a:extLst>
               <a:ext uri="{FF2B5EF4-FFF2-40B4-BE49-F238E27FC236}">
-                <a16:creationId xmlns:a16="http://schemas.microsoft.com/office/drawing/2014/main" id="{53EE5CDA-82AC-4475-BBA2-A4CD6DEDE88A}"/>
+                <a16:creationId xmlns:a16="http://schemas.microsoft.com/office/drawing/2014/main" id="{74F596AD-4F30-4671-AEDC-FA5AFD866D6B}"/>
               </a:ext>
             </a:extLst>
           </p:cNvPr>
@@ -20078,11 +20592,7 @@
             <a:pPr>
               <a:defRPr/>
             </a:pPr>
-            <a:r>
-              <a:rPr lang="fr-FR"/>
-              <a:t>Adrien Huygens</a:t>
-            </a:r>
-            <a:endParaRPr lang="fr-FR" dirty="0"/>
+            <a:endParaRPr lang="fr-FR"/>
           </a:p>
         </p:txBody>
       </p:sp>
@@ -20091,7 +20601,7 @@
           <p:cNvPr id="5" name="Espace réservé du numéro de diapositive 4">
             <a:extLst>
               <a:ext uri="{FF2B5EF4-FFF2-40B4-BE49-F238E27FC236}">
-                <a16:creationId xmlns:a16="http://schemas.microsoft.com/office/drawing/2014/main" id="{7909DC0B-0C5C-4823-9051-0104856A4155}"/>
+                <a16:creationId xmlns:a16="http://schemas.microsoft.com/office/drawing/2014/main" id="{A9C9D014-BB15-4A4E-939F-C7E50304E0B6}"/>
               </a:ext>
             </a:extLst>
           </p:cNvPr>
@@ -20110,7 +20620,7 @@
             <a:pPr>
               <a:defRPr/>
             </a:pPr>
-            <a:fld id="{37E4E265-2F72-DF4D-B77D-D3249BA76B9F}" type="slidenum">
+            <a:fld id="{B4174E2D-55EB-1646-8534-505E491D1059}" type="slidenum">
               <a:rPr lang="fr-FR" smtClean="0"/>
               <a:pPr>
                 <a:defRPr/>
@@ -20124,7 +20634,7 @@
     </p:spTree>
     <p:extLst>
       <p:ext uri="{BB962C8B-B14F-4D97-AF65-F5344CB8AC3E}">
-        <p14:creationId xmlns:p14="http://schemas.microsoft.com/office/powerpoint/2010/main" val="4234080207"/>
+        <p14:creationId xmlns:p14="http://schemas.microsoft.com/office/powerpoint/2010/main" val="1583214635"/>
       </p:ext>
     </p:extLst>
   </p:cSld>
@@ -20156,10 +20666,10 @@
       </p:grpSpPr>
       <p:sp>
         <p:nvSpPr>
-          <p:cNvPr id="6" name="Titre 5">
-            <a:extLst>
-              <a:ext uri="{FF2B5EF4-FFF2-40B4-BE49-F238E27FC236}">
-                <a16:creationId xmlns:a16="http://schemas.microsoft.com/office/drawing/2014/main" id="{D828925B-B83C-419D-A3AF-51456B704CD7}"/>
+          <p:cNvPr id="2" name="Titre 1">
+            <a:extLst>
+              <a:ext uri="{FF2B5EF4-FFF2-40B4-BE49-F238E27FC236}">
+                <a16:creationId xmlns:a16="http://schemas.microsoft.com/office/drawing/2014/main" id="{6A039F07-485E-4C7F-AC0C-F66B5BA58CA6}"/>
               </a:ext>
             </a:extLst>
           </p:cNvPr>
@@ -20177,14 +20687,97 @@
           <a:p>
             <a:r>
               <a:rPr lang="fr-BE" dirty="0"/>
-              <a:t>Création d’un projet </a:t>
+              <a:t>Azure DevOps</a:t>
+            </a:r>
+          </a:p>
+        </p:txBody>
+      </p:sp>
+      <p:sp>
+        <p:nvSpPr>
+          <p:cNvPr id="3" name="Espace réservé du contenu 2">
+            <a:extLst>
+              <a:ext uri="{FF2B5EF4-FFF2-40B4-BE49-F238E27FC236}">
+                <a16:creationId xmlns:a16="http://schemas.microsoft.com/office/drawing/2014/main" id="{B67297CA-D135-494C-A385-B41940F45930}"/>
+              </a:ext>
+            </a:extLst>
+          </p:cNvPr>
+          <p:cNvSpPr>
+            <a:spLocks noGrp="1"/>
+          </p:cNvSpPr>
+          <p:nvPr>
+            <p:ph idx="1"/>
+          </p:nvPr>
+        </p:nvSpPr>
+        <p:spPr/>
+        <p:txBody>
+          <a:bodyPr/>
+          <a:lstStyle/>
+          <a:p>
+            <a:r>
+              <a:rPr lang="fr-BE" dirty="0"/>
+              <a:t>Fonctionnalités:</a:t>
+            </a:r>
+          </a:p>
+          <a:p>
+            <a:pPr lvl="1"/>
+            <a:r>
+              <a:rPr lang="fr-BE" dirty="0"/>
+              <a:t>Gestion du code source</a:t>
+            </a:r>
+          </a:p>
+          <a:p>
+            <a:pPr lvl="1"/>
+            <a:r>
+              <a:rPr lang="fr-BE" dirty="0"/>
+              <a:t>Gestion des exigences</a:t>
+            </a:r>
+          </a:p>
+          <a:p>
+            <a:pPr lvl="1"/>
+            <a:r>
+              <a:rPr lang="fr-BE" dirty="0"/>
+              <a:t>Gestion de projet</a:t>
+            </a:r>
+          </a:p>
+          <a:p>
+            <a:pPr lvl="1"/>
+            <a:r>
+              <a:rPr lang="fr-BE" dirty="0"/>
+              <a:t>Gestion des test</a:t>
+            </a:r>
+          </a:p>
+          <a:p>
+            <a:pPr lvl="1"/>
+            <a:r>
+              <a:rPr lang="fr-BE" dirty="0"/>
+              <a:t>Gestion du </a:t>
             </a:r>
             <a:r>
               <a:rPr lang="fr-BE" dirty="0" err="1"/>
-              <a:t>Github</a:t>
+              <a:t>reporting</a:t>
             </a:r>
             <a:endParaRPr lang="fr-BE" dirty="0"/>
           </a:p>
+          <a:p>
+            <a:pPr lvl="1"/>
+            <a:r>
+              <a:rPr lang="fr-BE" dirty="0"/>
+              <a:t>Gestion de compilation automatisée</a:t>
+            </a:r>
+          </a:p>
+          <a:p>
+            <a:pPr lvl="1"/>
+            <a:r>
+              <a:rPr lang="fr-BE" dirty="0"/>
+              <a:t>Gestion du laboratoire</a:t>
+            </a:r>
+          </a:p>
+          <a:p>
+            <a:pPr marL="457200" lvl="1" indent="0">
+              <a:buNone/>
+            </a:pPr>
+            <a:endParaRPr lang="fr-BE" dirty="0"/>
+          </a:p>
         </p:txBody>
       </p:sp>
       <p:sp>
@@ -20192,7 +20785,7 @@
           <p:cNvPr id="4" name="Espace réservé du pied de page 3">
             <a:extLst>
               <a:ext uri="{FF2B5EF4-FFF2-40B4-BE49-F238E27FC236}">
-                <a16:creationId xmlns:a16="http://schemas.microsoft.com/office/drawing/2014/main" id="{260B23C0-BC1C-4331-98FC-EAA4B949AAFB}"/>
+                <a16:creationId xmlns:a16="http://schemas.microsoft.com/office/drawing/2014/main" id="{53EE5CDA-82AC-4475-BBA2-A4CD6DEDE88A}"/>
               </a:ext>
             </a:extLst>
           </p:cNvPr>
@@ -20224,7 +20817,7 @@
           <p:cNvPr id="5" name="Espace réservé du numéro de diapositive 4">
             <a:extLst>
               <a:ext uri="{FF2B5EF4-FFF2-40B4-BE49-F238E27FC236}">
-                <a16:creationId xmlns:a16="http://schemas.microsoft.com/office/drawing/2014/main" id="{483DC4BA-4F48-4559-ABB5-8B851AA32EBF}"/>
+                <a16:creationId xmlns:a16="http://schemas.microsoft.com/office/drawing/2014/main" id="{7909DC0B-0C5C-4823-9051-0104856A4155}"/>
               </a:ext>
             </a:extLst>
           </p:cNvPr>
@@ -20257,7 +20850,7 @@
     </p:spTree>
     <p:extLst>
       <p:ext uri="{BB962C8B-B14F-4D97-AF65-F5344CB8AC3E}">
-        <p14:creationId xmlns:p14="http://schemas.microsoft.com/office/powerpoint/2010/main" val="1330495116"/>
+        <p14:creationId xmlns:p14="http://schemas.microsoft.com/office/powerpoint/2010/main" val="4234080207"/>
       </p:ext>
     </p:extLst>
   </p:cSld>
@@ -20289,10 +20882,10 @@
       </p:grpSpPr>
       <p:sp>
         <p:nvSpPr>
-          <p:cNvPr id="2" name="Titre 1">
-            <a:extLst>
-              <a:ext uri="{FF2B5EF4-FFF2-40B4-BE49-F238E27FC236}">
-                <a16:creationId xmlns:a16="http://schemas.microsoft.com/office/drawing/2014/main" id="{44AF91F3-9E6A-468B-9D14-31C4F27D38C6}"/>
+          <p:cNvPr id="6" name="Titre 5">
+            <a:extLst>
+              <a:ext uri="{FF2B5EF4-FFF2-40B4-BE49-F238E27FC236}">
+                <a16:creationId xmlns:a16="http://schemas.microsoft.com/office/drawing/2014/main" id="{D828925B-B83C-419D-A3AF-51456B704CD7}"/>
               </a:ext>
             </a:extLst>
           </p:cNvPr>
@@ -20310,49 +20903,22 @@
           <a:p>
             <a:r>
               <a:rPr lang="fr-BE" dirty="0"/>
-              <a:t>Création d’un projet</a:t>
-            </a:r>
-          </a:p>
-        </p:txBody>
-      </p:sp>
-      <p:pic>
-        <p:nvPicPr>
-          <p:cNvPr id="6" name="Espace réservé du contenu 5">
-            <a:extLst>
-              <a:ext uri="{FF2B5EF4-FFF2-40B4-BE49-F238E27FC236}">
-                <a16:creationId xmlns:a16="http://schemas.microsoft.com/office/drawing/2014/main" id="{022A3E6C-7A6E-4093-BBCC-63C1DA0D96F9}"/>
-              </a:ext>
-            </a:extLst>
-          </p:cNvPr>
-          <p:cNvPicPr>
-            <a:picLocks noGrp="1" noChangeAspect="1"/>
-          </p:cNvPicPr>
-          <p:nvPr>
-            <p:ph idx="1"/>
-          </p:nvPr>
-        </p:nvPicPr>
-        <p:blipFill>
-          <a:blip r:embed="rId2"/>
-          <a:stretch>
-            <a:fillRect/>
-          </a:stretch>
-        </p:blipFill>
-        <p:spPr>
-          <a:xfrm>
-            <a:off x="959757" y="1306513"/>
-            <a:ext cx="7224485" cy="4819650"/>
-          </a:xfrm>
-          <a:prstGeom prst="rect">
-            <a:avLst/>
-          </a:prstGeom>
-        </p:spPr>
-      </p:pic>
+              <a:t>Création d’un projet </a:t>
+            </a:r>
+            <a:r>
+              <a:rPr lang="fr-BE" dirty="0" err="1"/>
+              <a:t>Github</a:t>
+            </a:r>
+            <a:endParaRPr lang="fr-BE" dirty="0"/>
+          </a:p>
+        </p:txBody>
+      </p:sp>
       <p:sp>
         <p:nvSpPr>
           <p:cNvPr id="4" name="Espace réservé du pied de page 3">
             <a:extLst>
               <a:ext uri="{FF2B5EF4-FFF2-40B4-BE49-F238E27FC236}">
-                <a16:creationId xmlns:a16="http://schemas.microsoft.com/office/drawing/2014/main" id="{2E5AC83C-3174-46C3-886D-9DAC524E97A4}"/>
+                <a16:creationId xmlns:a16="http://schemas.microsoft.com/office/drawing/2014/main" id="{260B23C0-BC1C-4331-98FC-EAA4B949AAFB}"/>
               </a:ext>
             </a:extLst>
           </p:cNvPr>
@@ -20384,7 +20950,7 @@
           <p:cNvPr id="5" name="Espace réservé du numéro de diapositive 4">
             <a:extLst>
               <a:ext uri="{FF2B5EF4-FFF2-40B4-BE49-F238E27FC236}">
-                <a16:creationId xmlns:a16="http://schemas.microsoft.com/office/drawing/2014/main" id="{0ED391BB-1639-4D41-BD88-A030D60D3516}"/>
+                <a16:creationId xmlns:a16="http://schemas.microsoft.com/office/drawing/2014/main" id="{483DC4BA-4F48-4559-ABB5-8B851AA32EBF}"/>
               </a:ext>
             </a:extLst>
           </p:cNvPr>
@@ -20417,7 +20983,7 @@
     </p:spTree>
     <p:extLst>
       <p:ext uri="{BB962C8B-B14F-4D97-AF65-F5344CB8AC3E}">
-        <p14:creationId xmlns:p14="http://schemas.microsoft.com/office/powerpoint/2010/main" val="3384413877"/>
+        <p14:creationId xmlns:p14="http://schemas.microsoft.com/office/powerpoint/2010/main" val="1330495116"/>
       </p:ext>
     </p:extLst>
   </p:cSld>
@@ -20452,6 +21018,166 @@
           <p:cNvPr id="2" name="Titre 1">
             <a:extLst>
               <a:ext uri="{FF2B5EF4-FFF2-40B4-BE49-F238E27FC236}">
+                <a16:creationId xmlns:a16="http://schemas.microsoft.com/office/drawing/2014/main" id="{44AF91F3-9E6A-468B-9D14-31C4F27D38C6}"/>
+              </a:ext>
+            </a:extLst>
+          </p:cNvPr>
+          <p:cNvSpPr>
+            <a:spLocks noGrp="1"/>
+          </p:cNvSpPr>
+          <p:nvPr>
+            <p:ph type="title"/>
+          </p:nvPr>
+        </p:nvSpPr>
+        <p:spPr/>
+        <p:txBody>
+          <a:bodyPr/>
+          <a:lstStyle/>
+          <a:p>
+            <a:r>
+              <a:rPr lang="fr-BE" dirty="0"/>
+              <a:t>Création d’un projet</a:t>
+            </a:r>
+          </a:p>
+        </p:txBody>
+      </p:sp>
+      <p:pic>
+        <p:nvPicPr>
+          <p:cNvPr id="6" name="Espace réservé du contenu 5">
+            <a:extLst>
+              <a:ext uri="{FF2B5EF4-FFF2-40B4-BE49-F238E27FC236}">
+                <a16:creationId xmlns:a16="http://schemas.microsoft.com/office/drawing/2014/main" id="{022A3E6C-7A6E-4093-BBCC-63C1DA0D96F9}"/>
+              </a:ext>
+            </a:extLst>
+          </p:cNvPr>
+          <p:cNvPicPr>
+            <a:picLocks noGrp="1" noChangeAspect="1"/>
+          </p:cNvPicPr>
+          <p:nvPr>
+            <p:ph idx="1"/>
+          </p:nvPr>
+        </p:nvPicPr>
+        <p:blipFill>
+          <a:blip r:embed="rId2"/>
+          <a:stretch>
+            <a:fillRect/>
+          </a:stretch>
+        </p:blipFill>
+        <p:spPr>
+          <a:xfrm>
+            <a:off x="959757" y="1306513"/>
+            <a:ext cx="7224485" cy="4819650"/>
+          </a:xfrm>
+          <a:prstGeom prst="rect">
+            <a:avLst/>
+          </a:prstGeom>
+        </p:spPr>
+      </p:pic>
+      <p:sp>
+        <p:nvSpPr>
+          <p:cNvPr id="4" name="Espace réservé du pied de page 3">
+            <a:extLst>
+              <a:ext uri="{FF2B5EF4-FFF2-40B4-BE49-F238E27FC236}">
+                <a16:creationId xmlns:a16="http://schemas.microsoft.com/office/drawing/2014/main" id="{2E5AC83C-3174-46C3-886D-9DAC524E97A4}"/>
+              </a:ext>
+            </a:extLst>
+          </p:cNvPr>
+          <p:cNvSpPr>
+            <a:spLocks noGrp="1"/>
+          </p:cNvSpPr>
+          <p:nvPr>
+            <p:ph type="ftr" sz="quarter" idx="11"/>
+          </p:nvPr>
+        </p:nvSpPr>
+        <p:spPr/>
+        <p:txBody>
+          <a:bodyPr/>
+          <a:lstStyle/>
+          <a:p>
+            <a:pPr>
+              <a:defRPr/>
+            </a:pPr>
+            <a:r>
+              <a:rPr lang="fr-FR"/>
+              <a:t>Adrien Huygens</a:t>
+            </a:r>
+            <a:endParaRPr lang="fr-FR" dirty="0"/>
+          </a:p>
+        </p:txBody>
+      </p:sp>
+      <p:sp>
+        <p:nvSpPr>
+          <p:cNvPr id="5" name="Espace réservé du numéro de diapositive 4">
+            <a:extLst>
+              <a:ext uri="{FF2B5EF4-FFF2-40B4-BE49-F238E27FC236}">
+                <a16:creationId xmlns:a16="http://schemas.microsoft.com/office/drawing/2014/main" id="{0ED391BB-1639-4D41-BD88-A030D60D3516}"/>
+              </a:ext>
+            </a:extLst>
+          </p:cNvPr>
+          <p:cNvSpPr>
+            <a:spLocks noGrp="1"/>
+          </p:cNvSpPr>
+          <p:nvPr>
+            <p:ph type="sldNum" sz="quarter" idx="12"/>
+          </p:nvPr>
+        </p:nvSpPr>
+        <p:spPr/>
+        <p:txBody>
+          <a:bodyPr/>
+          <a:lstStyle/>
+          <a:p>
+            <a:pPr>
+              <a:defRPr/>
+            </a:pPr>
+            <a:fld id="{37E4E265-2F72-DF4D-B77D-D3249BA76B9F}" type="slidenum">
+              <a:rPr lang="fr-FR" smtClean="0"/>
+              <a:pPr>
+                <a:defRPr/>
+              </a:pPr>
+              <a:t>55</a:t>
+            </a:fld>
+            <a:endParaRPr lang="fr-FR"/>
+          </a:p>
+        </p:txBody>
+      </p:sp>
+    </p:spTree>
+    <p:extLst>
+      <p:ext uri="{BB962C8B-B14F-4D97-AF65-F5344CB8AC3E}">
+        <p14:creationId xmlns:p14="http://schemas.microsoft.com/office/powerpoint/2010/main" val="3384413877"/>
+      </p:ext>
+    </p:extLst>
+  </p:cSld>
+  <p:clrMapOvr>
+    <a:masterClrMapping/>
+  </p:clrMapOvr>
+  <p:transition spd="slow">
+    <p:fade/>
+  </p:transition>
+</p:sld>
+</file>
+
+<file path=ppt/slides/slide56.xml><?xml version="1.0" encoding="utf-8"?>
+<p:sld xmlns:a="http://schemas.openxmlformats.org/drawingml/2006/main" xmlns:r="http://schemas.openxmlformats.org/officeDocument/2006/relationships" xmlns:p="http://schemas.openxmlformats.org/presentationml/2006/main">
+  <p:cSld>
+    <p:spTree>
+      <p:nvGrpSpPr>
+        <p:cNvPr id="1" name=""/>
+        <p:cNvGrpSpPr/>
+        <p:nvPr/>
+      </p:nvGrpSpPr>
+      <p:grpSpPr>
+        <a:xfrm>
+          <a:off x="0" y="0"/>
+          <a:ext cx="0" cy="0"/>
+          <a:chOff x="0" y="0"/>
+          <a:chExt cx="0" cy="0"/>
+        </a:xfrm>
+      </p:grpSpPr>
+      <p:sp>
+        <p:nvSpPr>
+          <p:cNvPr id="2" name="Titre 1">
+            <a:extLst>
+              <a:ext uri="{FF2B5EF4-FFF2-40B4-BE49-F238E27FC236}">
                 <a16:creationId xmlns:a16="http://schemas.microsoft.com/office/drawing/2014/main" id="{A36A192B-6A97-4DF1-B620-710E01025D31}"/>
               </a:ext>
             </a:extLst>
@@ -20468,7 +21194,10 @@
           <a:bodyPr/>
           <a:lstStyle/>
           <a:p>
-            <a:endParaRPr lang="fr-BE"/>
+            <a:r>
+              <a:rPr lang="fr-BE" dirty="0"/>
+              <a:t>Création d’un projet</a:t>
+            </a:r>
           </a:p>
         </p:txBody>
       </p:sp>
@@ -20612,7 +21341,7 @@
               <a:pPr>
                 <a:defRPr/>
               </a:pPr>
-              <a:t>55</a:t>
+              <a:t>56</a:t>
             </a:fld>
             <a:endParaRPr lang="fr-FR"/>
           </a:p>
@@ -20664,220 +21393,6 @@
 </p:sld>
 </file>
 
-<file path=ppt/slides/slide56.xml><?xml version="1.0" encoding="utf-8"?>
-<p:sld xmlns:a="http://schemas.openxmlformats.org/drawingml/2006/main" xmlns:r="http://schemas.openxmlformats.org/officeDocument/2006/relationships" xmlns:p="http://schemas.openxmlformats.org/presentationml/2006/main">
-  <p:cSld>
-    <p:spTree>
-      <p:nvGrpSpPr>
-        <p:cNvPr id="1" name=""/>
-        <p:cNvGrpSpPr/>
-        <p:nvPr/>
-      </p:nvGrpSpPr>
-      <p:grpSpPr>
-        <a:xfrm>
-          <a:off x="0" y="0"/>
-          <a:ext cx="0" cy="0"/>
-          <a:chOff x="0" y="0"/>
-          <a:chExt cx="0" cy="0"/>
-        </a:xfrm>
-      </p:grpSpPr>
-      <p:sp>
-        <p:nvSpPr>
-          <p:cNvPr id="2" name="Titre 1">
-            <a:extLst>
-              <a:ext uri="{FF2B5EF4-FFF2-40B4-BE49-F238E27FC236}">
-                <a16:creationId xmlns:a16="http://schemas.microsoft.com/office/drawing/2014/main" id="{1FBE7FF3-EB45-4160-9654-A155BF5D59E1}"/>
-              </a:ext>
-            </a:extLst>
-          </p:cNvPr>
-          <p:cNvSpPr>
-            <a:spLocks noGrp="1"/>
-          </p:cNvSpPr>
-          <p:nvPr>
-            <p:ph type="title"/>
-          </p:nvPr>
-        </p:nvSpPr>
-        <p:spPr/>
-        <p:txBody>
-          <a:bodyPr/>
-          <a:lstStyle/>
-          <a:p>
-            <a:endParaRPr lang="fr-BE"/>
-          </a:p>
-        </p:txBody>
-      </p:sp>
-      <p:sp>
-        <p:nvSpPr>
-          <p:cNvPr id="3" name="Espace réservé du contenu 2">
-            <a:extLst>
-              <a:ext uri="{FF2B5EF4-FFF2-40B4-BE49-F238E27FC236}">
-                <a16:creationId xmlns:a16="http://schemas.microsoft.com/office/drawing/2014/main" id="{8C925D5A-DB5E-4E61-A781-A2394C53F727}"/>
-              </a:ext>
-            </a:extLst>
-          </p:cNvPr>
-          <p:cNvSpPr>
-            <a:spLocks noGrp="1"/>
-          </p:cNvSpPr>
-          <p:nvPr>
-            <p:ph idx="1"/>
-          </p:nvPr>
-        </p:nvSpPr>
-        <p:spPr/>
-        <p:txBody>
-          <a:bodyPr/>
-          <a:lstStyle/>
-          <a:p>
-            <a:r>
-              <a:rPr lang="fr-BE" dirty="0"/>
-              <a:t>Merge </a:t>
-            </a:r>
-            <a:r>
-              <a:rPr lang="fr-BE" dirty="0" err="1"/>
-              <a:t>request</a:t>
-            </a:r>
-            <a:r>
-              <a:rPr lang="fr-BE" dirty="0"/>
-              <a:t>, </a:t>
-            </a:r>
-          </a:p>
-          <a:p>
-            <a:r>
-              <a:rPr lang="fr-BE" dirty="0"/>
-              <a:t>Droit de </a:t>
-            </a:r>
-            <a:r>
-              <a:rPr lang="fr-BE" dirty="0" err="1"/>
-              <a:t>repertoire</a:t>
-            </a:r>
-            <a:endParaRPr lang="fr-BE" dirty="0"/>
-          </a:p>
-          <a:p>
-            <a:r>
-              <a:rPr lang="fr-BE" dirty="0" err="1"/>
-              <a:t>Ssh</a:t>
-            </a:r>
-            <a:endParaRPr lang="fr-BE" dirty="0"/>
-          </a:p>
-          <a:p>
-            <a:r>
-              <a:rPr lang="fr-BE" dirty="0"/>
-              <a:t>Avantage et </a:t>
-            </a:r>
-            <a:r>
-              <a:rPr lang="fr-BE" dirty="0" err="1"/>
-              <a:t>incovenient</a:t>
-            </a:r>
-            <a:endParaRPr lang="fr-BE" dirty="0"/>
-          </a:p>
-          <a:p>
-            <a:r>
-              <a:rPr lang="fr-BE" dirty="0"/>
-              <a:t>Intégration de git dans les logiciel </a:t>
-            </a:r>
-          </a:p>
-          <a:p>
-            <a:r>
-              <a:rPr lang="fr-BE" dirty="0">
-                <a:hlinkClick r:id="rId2"/>
-              </a:rPr>
-              <a:t>https://visuresolutions.com/fr/microsoft-tfs-azure-devops/#:~:text=Microsoft%20Team%20Foundation%20Server%2C%20ou,de%20gestion%20des%20versions%20aux</a:t>
-            </a:r>
-            <a:endParaRPr lang="fr-BE" dirty="0"/>
-          </a:p>
-          <a:p>
-            <a:endParaRPr lang="fr-BE" dirty="0"/>
-          </a:p>
-          <a:p>
-            <a:endParaRPr lang="fr-BE" dirty="0"/>
-          </a:p>
-          <a:p>
-            <a:endParaRPr lang="fr-BE" dirty="0"/>
-          </a:p>
-        </p:txBody>
-      </p:sp>
-      <p:sp>
-        <p:nvSpPr>
-          <p:cNvPr id="4" name="Espace réservé du pied de page 3">
-            <a:extLst>
-              <a:ext uri="{FF2B5EF4-FFF2-40B4-BE49-F238E27FC236}">
-                <a16:creationId xmlns:a16="http://schemas.microsoft.com/office/drawing/2014/main" id="{E845F083-7238-4E7B-B6EC-DEDE90D7A247}"/>
-              </a:ext>
-            </a:extLst>
-          </p:cNvPr>
-          <p:cNvSpPr>
-            <a:spLocks noGrp="1"/>
-          </p:cNvSpPr>
-          <p:nvPr>
-            <p:ph type="ftr" sz="quarter" idx="11"/>
-          </p:nvPr>
-        </p:nvSpPr>
-        <p:spPr/>
-        <p:txBody>
-          <a:bodyPr/>
-          <a:lstStyle/>
-          <a:p>
-            <a:pPr>
-              <a:defRPr/>
-            </a:pPr>
-            <a:r>
-              <a:rPr lang="fr-FR"/>
-              <a:t>Adrien Huygens</a:t>
-            </a:r>
-            <a:endParaRPr lang="fr-FR" dirty="0"/>
-          </a:p>
-        </p:txBody>
-      </p:sp>
-      <p:sp>
-        <p:nvSpPr>
-          <p:cNvPr id="5" name="Espace réservé du numéro de diapositive 4">
-            <a:extLst>
-              <a:ext uri="{FF2B5EF4-FFF2-40B4-BE49-F238E27FC236}">
-                <a16:creationId xmlns:a16="http://schemas.microsoft.com/office/drawing/2014/main" id="{52477C2E-881D-4EE8-B415-E80037C307DA}"/>
-              </a:ext>
-            </a:extLst>
-          </p:cNvPr>
-          <p:cNvSpPr>
-            <a:spLocks noGrp="1"/>
-          </p:cNvSpPr>
-          <p:nvPr>
-            <p:ph type="sldNum" sz="quarter" idx="12"/>
-          </p:nvPr>
-        </p:nvSpPr>
-        <p:spPr/>
-        <p:txBody>
-          <a:bodyPr/>
-          <a:lstStyle/>
-          <a:p>
-            <a:pPr>
-              <a:defRPr/>
-            </a:pPr>
-            <a:fld id="{37E4E265-2F72-DF4D-B77D-D3249BA76B9F}" type="slidenum">
-              <a:rPr lang="fr-FR" smtClean="0"/>
-              <a:pPr>
-                <a:defRPr/>
-              </a:pPr>
-              <a:t>56</a:t>
-            </a:fld>
-            <a:endParaRPr lang="fr-FR"/>
-          </a:p>
-        </p:txBody>
-      </p:sp>
-    </p:spTree>
-    <p:extLst>
-      <p:ext uri="{BB962C8B-B14F-4D97-AF65-F5344CB8AC3E}">
-        <p14:creationId xmlns:p14="http://schemas.microsoft.com/office/powerpoint/2010/main" val="3648614869"/>
-      </p:ext>
-    </p:extLst>
-  </p:cSld>
-  <p:clrMapOvr>
-    <a:masterClrMapping/>
-  </p:clrMapOvr>
-  <p:transition spd="slow">
-    <p:fade/>
-  </p:transition>
-</p:sld>
-</file>
-
 <file path=ppt/slides/slide57.xml><?xml version="1.0" encoding="utf-8"?>
 <p:sld xmlns:a="http://schemas.openxmlformats.org/drawingml/2006/main" xmlns:r="http://schemas.openxmlformats.org/officeDocument/2006/relationships" xmlns:p="http://schemas.openxmlformats.org/presentationml/2006/main">
   <p:cSld>
@@ -20900,7 +21415,7 @@
           <p:cNvPr id="2" name="Titre 1">
             <a:extLst>
               <a:ext uri="{FF2B5EF4-FFF2-40B4-BE49-F238E27FC236}">
-                <a16:creationId xmlns:a16="http://schemas.microsoft.com/office/drawing/2014/main" id="{E38AE620-04A1-4443-8684-6AF561E44207}"/>
+                <a16:creationId xmlns:a16="http://schemas.microsoft.com/office/drawing/2014/main" id="{6AA8A222-7AEA-42DA-9626-EA6ADA6423E3}"/>
               </a:ext>
             </a:extLst>
           </p:cNvPr>
@@ -20916,80 +21431,50 @@
           <a:bodyPr/>
           <a:lstStyle/>
           <a:p>
-            <a:endParaRPr lang="fr-BE"/>
-          </a:p>
-        </p:txBody>
-      </p:sp>
-      <p:sp>
-        <p:nvSpPr>
-          <p:cNvPr id="3" name="Espace réservé du contenu 2">
-            <a:extLst>
-              <a:ext uri="{FF2B5EF4-FFF2-40B4-BE49-F238E27FC236}">
-                <a16:creationId xmlns:a16="http://schemas.microsoft.com/office/drawing/2014/main" id="{0D4DBEF4-DA7A-4AB3-A607-E81DC0766C7F}"/>
-              </a:ext>
-            </a:extLst>
-          </p:cNvPr>
-          <p:cNvSpPr>
-            <a:spLocks noGrp="1"/>
-          </p:cNvSpPr>
+            <a:r>
+              <a:rPr lang="fr-BE" dirty="0"/>
+              <a:t>Création d’un projet</a:t>
+            </a:r>
+          </a:p>
+        </p:txBody>
+      </p:sp>
+      <p:pic>
+        <p:nvPicPr>
+          <p:cNvPr id="6" name="Espace réservé du contenu 5">
+            <a:extLst>
+              <a:ext uri="{FF2B5EF4-FFF2-40B4-BE49-F238E27FC236}">
+                <a16:creationId xmlns:a16="http://schemas.microsoft.com/office/drawing/2014/main" id="{566BB9F3-9261-433F-88D6-C3AF59DB5F53}"/>
+              </a:ext>
+            </a:extLst>
+          </p:cNvPr>
+          <p:cNvPicPr>
+            <a:picLocks noGrp="1" noChangeAspect="1"/>
+          </p:cNvPicPr>
           <p:nvPr>
             <p:ph idx="1"/>
           </p:nvPr>
-        </p:nvSpPr>
-        <p:spPr/>
-        <p:txBody>
-          <a:bodyPr/>
-          <a:lstStyle/>
-          <a:p>
-            <a:r>
-              <a:rPr lang="fr-BE" dirty="0"/>
-              <a:t>Création d’un petit site web, et </a:t>
-            </a:r>
-            <a:r>
-              <a:rPr lang="fr-BE" dirty="0" err="1"/>
-              <a:t>deployement</a:t>
-            </a:r>
-            <a:r>
-              <a:rPr lang="fr-BE" dirty="0"/>
-              <a:t> automatique</a:t>
-            </a:r>
-          </a:p>
-          <a:p>
-            <a:r>
-              <a:rPr lang="fr-BE" dirty="0"/>
-              <a:t>Déploiement d’une machine </a:t>
-            </a:r>
-            <a:r>
-              <a:rPr lang="fr-BE" dirty="0" err="1"/>
-              <a:t>gitlab</a:t>
-            </a:r>
-            <a:endParaRPr lang="fr-BE" dirty="0"/>
-          </a:p>
-          <a:p>
-            <a:r>
-              <a:rPr lang="fr-BE" dirty="0"/>
-              <a:t>Utilisation de </a:t>
-            </a:r>
-            <a:r>
-              <a:rPr lang="fr-BE" dirty="0" err="1"/>
-              <a:t>github</a:t>
-            </a:r>
-            <a:endParaRPr lang="fr-BE" dirty="0"/>
-          </a:p>
-          <a:p>
-            <a:pPr marL="0" indent="0">
-              <a:buNone/>
-            </a:pPr>
-            <a:endParaRPr lang="fr-BE" dirty="0"/>
-          </a:p>
-        </p:txBody>
-      </p:sp>
+        </p:nvPicPr>
+        <p:blipFill rotWithShape="1">
+          <a:blip r:embed="rId2"/>
+          <a:srcRect r="1903" b="17192"/>
+          <a:stretch/>
+        </p:blipFill>
+        <p:spPr>
+          <a:xfrm>
+            <a:off x="457200" y="2011401"/>
+            <a:ext cx="8073025" cy="2823646"/>
+          </a:xfrm>
+          <a:prstGeom prst="rect">
+            <a:avLst/>
+          </a:prstGeom>
+        </p:spPr>
+      </p:pic>
       <p:sp>
         <p:nvSpPr>
           <p:cNvPr id="4" name="Espace réservé du pied de page 3">
             <a:extLst>
               <a:ext uri="{FF2B5EF4-FFF2-40B4-BE49-F238E27FC236}">
-                <a16:creationId xmlns:a16="http://schemas.microsoft.com/office/drawing/2014/main" id="{F1E2F57A-FE50-46AB-8542-2417A278A8A6}"/>
+                <a16:creationId xmlns:a16="http://schemas.microsoft.com/office/drawing/2014/main" id="{60D5AD29-056C-42E2-9C6C-F27ED87F1E00}"/>
               </a:ext>
             </a:extLst>
           </p:cNvPr>
@@ -21021,7 +21506,7 @@
           <p:cNvPr id="5" name="Espace réservé du numéro de diapositive 4">
             <a:extLst>
               <a:ext uri="{FF2B5EF4-FFF2-40B4-BE49-F238E27FC236}">
-                <a16:creationId xmlns:a16="http://schemas.microsoft.com/office/drawing/2014/main" id="{8C5FAA74-EC51-464D-8308-8717EDC72EFA}"/>
+                <a16:creationId xmlns:a16="http://schemas.microsoft.com/office/drawing/2014/main" id="{39C9DAA3-D80E-4512-B7EC-4B213C68A55D}"/>
               </a:ext>
             </a:extLst>
           </p:cNvPr>
@@ -21054,7 +21539,413 @@
     </p:spTree>
     <p:extLst>
       <p:ext uri="{BB962C8B-B14F-4D97-AF65-F5344CB8AC3E}">
-        <p14:creationId xmlns:p14="http://schemas.microsoft.com/office/powerpoint/2010/main" val="2586068221"/>
+        <p14:creationId xmlns:p14="http://schemas.microsoft.com/office/powerpoint/2010/main" val="2877168330"/>
+      </p:ext>
+    </p:extLst>
+  </p:cSld>
+  <p:clrMapOvr>
+    <a:masterClrMapping/>
+  </p:clrMapOvr>
+  <p:transition spd="slow">
+    <p:fade/>
+  </p:transition>
+</p:sld>
+</file>
+
+<file path=ppt/slides/slide58.xml><?xml version="1.0" encoding="utf-8"?>
+<p:sld xmlns:a="http://schemas.openxmlformats.org/drawingml/2006/main" xmlns:r="http://schemas.openxmlformats.org/officeDocument/2006/relationships" xmlns:p="http://schemas.openxmlformats.org/presentationml/2006/main">
+  <p:cSld>
+    <p:spTree>
+      <p:nvGrpSpPr>
+        <p:cNvPr id="1" name=""/>
+        <p:cNvGrpSpPr/>
+        <p:nvPr/>
+      </p:nvGrpSpPr>
+      <p:grpSpPr>
+        <a:xfrm>
+          <a:off x="0" y="0"/>
+          <a:ext cx="0" cy="0"/>
+          <a:chOff x="0" y="0"/>
+          <a:chExt cx="0" cy="0"/>
+        </a:xfrm>
+      </p:grpSpPr>
+      <p:sp>
+        <p:nvSpPr>
+          <p:cNvPr id="2" name="Titre 1">
+            <a:extLst>
+              <a:ext uri="{FF2B5EF4-FFF2-40B4-BE49-F238E27FC236}">
+                <a16:creationId xmlns:a16="http://schemas.microsoft.com/office/drawing/2014/main" id="{02463B4B-0B72-4C50-9462-AD13388BA875}"/>
+              </a:ext>
+            </a:extLst>
+          </p:cNvPr>
+          <p:cNvSpPr>
+            <a:spLocks noGrp="1"/>
+          </p:cNvSpPr>
+          <p:nvPr>
+            <p:ph type="title"/>
+          </p:nvPr>
+        </p:nvSpPr>
+        <p:spPr/>
+        <p:txBody>
+          <a:bodyPr/>
+          <a:lstStyle/>
+          <a:p>
+            <a:endParaRPr lang="fr-BE"/>
+          </a:p>
+        </p:txBody>
+      </p:sp>
+      <p:pic>
+        <p:nvPicPr>
+          <p:cNvPr id="6" name="Espace réservé du contenu 5">
+            <a:extLst>
+              <a:ext uri="{FF2B5EF4-FFF2-40B4-BE49-F238E27FC236}">
+                <a16:creationId xmlns:a16="http://schemas.microsoft.com/office/drawing/2014/main" id="{C1624D2C-6B21-4CD8-AB13-8640AA412B32}"/>
+              </a:ext>
+            </a:extLst>
+          </p:cNvPr>
+          <p:cNvPicPr>
+            <a:picLocks noGrp="1" noChangeAspect="1"/>
+          </p:cNvPicPr>
+          <p:nvPr>
+            <p:ph idx="1"/>
+          </p:nvPr>
+        </p:nvPicPr>
+        <p:blipFill>
+          <a:blip r:embed="rId2"/>
+          <a:stretch>
+            <a:fillRect/>
+          </a:stretch>
+        </p:blipFill>
+        <p:spPr>
+          <a:xfrm>
+            <a:off x="457200" y="1992820"/>
+            <a:ext cx="8229600" cy="3447035"/>
+          </a:xfrm>
+          <a:prstGeom prst="rect">
+            <a:avLst/>
+          </a:prstGeom>
+        </p:spPr>
+      </p:pic>
+      <p:sp>
+        <p:nvSpPr>
+          <p:cNvPr id="4" name="Espace réservé du pied de page 3">
+            <a:extLst>
+              <a:ext uri="{FF2B5EF4-FFF2-40B4-BE49-F238E27FC236}">
+                <a16:creationId xmlns:a16="http://schemas.microsoft.com/office/drawing/2014/main" id="{92A8A84A-2A5B-4695-A87A-8ADEEDF99080}"/>
+              </a:ext>
+            </a:extLst>
+          </p:cNvPr>
+          <p:cNvSpPr>
+            <a:spLocks noGrp="1"/>
+          </p:cNvSpPr>
+          <p:nvPr>
+            <p:ph type="ftr" sz="quarter" idx="11"/>
+          </p:nvPr>
+        </p:nvSpPr>
+        <p:spPr/>
+        <p:txBody>
+          <a:bodyPr/>
+          <a:lstStyle/>
+          <a:p>
+            <a:pPr>
+              <a:defRPr/>
+            </a:pPr>
+            <a:r>
+              <a:rPr lang="fr-FR"/>
+              <a:t>Adrien Huygens</a:t>
+            </a:r>
+            <a:endParaRPr lang="fr-FR" dirty="0"/>
+          </a:p>
+        </p:txBody>
+      </p:sp>
+      <p:sp>
+        <p:nvSpPr>
+          <p:cNvPr id="5" name="Espace réservé du numéro de diapositive 4">
+            <a:extLst>
+              <a:ext uri="{FF2B5EF4-FFF2-40B4-BE49-F238E27FC236}">
+                <a16:creationId xmlns:a16="http://schemas.microsoft.com/office/drawing/2014/main" id="{F1C7BFBD-A2B4-4FF2-AC0F-1B85F61DB4C2}"/>
+              </a:ext>
+            </a:extLst>
+          </p:cNvPr>
+          <p:cNvSpPr>
+            <a:spLocks noGrp="1"/>
+          </p:cNvSpPr>
+          <p:nvPr>
+            <p:ph type="sldNum" sz="quarter" idx="12"/>
+          </p:nvPr>
+        </p:nvSpPr>
+        <p:spPr/>
+        <p:txBody>
+          <a:bodyPr/>
+          <a:lstStyle/>
+          <a:p>
+            <a:pPr>
+              <a:defRPr/>
+            </a:pPr>
+            <a:fld id="{37E4E265-2F72-DF4D-B77D-D3249BA76B9F}" type="slidenum">
+              <a:rPr lang="fr-FR" smtClean="0"/>
+              <a:pPr>
+                <a:defRPr/>
+              </a:pPr>
+              <a:t>58</a:t>
+            </a:fld>
+            <a:endParaRPr lang="fr-FR"/>
+          </a:p>
+        </p:txBody>
+      </p:sp>
+    </p:spTree>
+    <p:extLst>
+      <p:ext uri="{BB962C8B-B14F-4D97-AF65-F5344CB8AC3E}">
+        <p14:creationId xmlns:p14="http://schemas.microsoft.com/office/powerpoint/2010/main" val="1539807470"/>
+      </p:ext>
+    </p:extLst>
+  </p:cSld>
+  <p:clrMapOvr>
+    <a:masterClrMapping/>
+  </p:clrMapOvr>
+  <p:transition spd="slow">
+    <p:fade/>
+  </p:transition>
+</p:sld>
+</file>
+
+<file path=ppt/slides/slide59.xml><?xml version="1.0" encoding="utf-8"?>
+<p:sld xmlns:a="http://schemas.openxmlformats.org/drawingml/2006/main" xmlns:r="http://schemas.openxmlformats.org/officeDocument/2006/relationships" xmlns:p="http://schemas.openxmlformats.org/presentationml/2006/main">
+  <p:cSld>
+    <p:spTree>
+      <p:nvGrpSpPr>
+        <p:cNvPr id="1" name=""/>
+        <p:cNvGrpSpPr/>
+        <p:nvPr/>
+      </p:nvGrpSpPr>
+      <p:grpSpPr>
+        <a:xfrm>
+          <a:off x="0" y="0"/>
+          <a:ext cx="0" cy="0"/>
+          <a:chOff x="0" y="0"/>
+          <a:chExt cx="0" cy="0"/>
+        </a:xfrm>
+      </p:grpSpPr>
+      <p:sp>
+        <p:nvSpPr>
+          <p:cNvPr id="2" name="Titre 1">
+            <a:extLst>
+              <a:ext uri="{FF2B5EF4-FFF2-40B4-BE49-F238E27FC236}">
+                <a16:creationId xmlns:a16="http://schemas.microsoft.com/office/drawing/2014/main" id="{B070BAD1-8E20-4815-9E78-9F01FFFD4FCF}"/>
+              </a:ext>
+            </a:extLst>
+          </p:cNvPr>
+          <p:cNvSpPr>
+            <a:spLocks noGrp="1"/>
+          </p:cNvSpPr>
+          <p:nvPr>
+            <p:ph type="title"/>
+          </p:nvPr>
+        </p:nvSpPr>
+        <p:spPr>
+          <a:xfrm>
+            <a:off x="457200" y="61533"/>
+            <a:ext cx="8229600" cy="946000"/>
+          </a:xfrm>
+        </p:spPr>
+        <p:txBody>
+          <a:bodyPr wrap="square" anchor="ctr">
+            <a:normAutofit/>
+          </a:bodyPr>
+          <a:lstStyle/>
+          <a:p>
+            <a:r>
+              <a:rPr lang="fr-BE" dirty="0"/>
+              <a:t>Pull </a:t>
+            </a:r>
+            <a:r>
+              <a:rPr lang="fr-BE" dirty="0" err="1"/>
+              <a:t>Request</a:t>
+            </a:r>
+            <a:endParaRPr lang="fr-BE" dirty="0"/>
+          </a:p>
+        </p:txBody>
+      </p:sp>
+      <p:sp>
+        <p:nvSpPr>
+          <p:cNvPr id="3" name="Espace réservé du contenu 2">
+            <a:extLst>
+              <a:ext uri="{FF2B5EF4-FFF2-40B4-BE49-F238E27FC236}">
+                <a16:creationId xmlns:a16="http://schemas.microsoft.com/office/drawing/2014/main" id="{37D58305-EEB0-4259-9D0A-0D3FE1721CBE}"/>
+              </a:ext>
+            </a:extLst>
+          </p:cNvPr>
+          <p:cNvSpPr>
+            <a:spLocks noGrp="1"/>
+          </p:cNvSpPr>
+          <p:nvPr>
+            <p:ph sz="half" idx="1"/>
+          </p:nvPr>
+        </p:nvSpPr>
+        <p:spPr>
+          <a:xfrm>
+            <a:off x="457200" y="1307424"/>
+            <a:ext cx="4038600" cy="4818739"/>
+          </a:xfrm>
+        </p:spPr>
+        <p:txBody>
+          <a:bodyPr wrap="square" anchor="t">
+            <a:normAutofit/>
+          </a:bodyPr>
+          <a:lstStyle/>
+          <a:p>
+            <a:r>
+              <a:rPr lang="fr-BE" b="1" dirty="0"/>
+              <a:t>demande de relecture</a:t>
+            </a:r>
+            <a:r>
+              <a:rPr lang="fr-FR" b="1" dirty="0"/>
+              <a:t> de code par un pair développeur avant le merge d'une branche sur une autre.</a:t>
+            </a:r>
+          </a:p>
+          <a:p>
+            <a:r>
+              <a:rPr lang="fr-FR" b="1" dirty="0"/>
+              <a:t>Besoin d’utilisation du système de branche</a:t>
+            </a:r>
+          </a:p>
+          <a:p>
+            <a:endParaRPr lang="fr-BE" dirty="0"/>
+          </a:p>
+        </p:txBody>
+      </p:sp>
+      <p:pic>
+        <p:nvPicPr>
+          <p:cNvPr id="1026" name="Picture 2" descr="What is the difference between `git merge` and `git merge --no-ff`? - Stack  Overflow">
+            <a:extLst>
+              <a:ext uri="{FF2B5EF4-FFF2-40B4-BE49-F238E27FC236}">
+                <a16:creationId xmlns:a16="http://schemas.microsoft.com/office/drawing/2014/main" id="{2D413E13-3694-44B6-9BA7-91ED6647976F}"/>
+              </a:ext>
+            </a:extLst>
+          </p:cNvPr>
+          <p:cNvPicPr>
+            <a:picLocks noChangeAspect="1" noChangeArrowheads="1"/>
+          </p:cNvPicPr>
+          <p:nvPr/>
+        </p:nvPicPr>
+        <p:blipFill>
+          <a:blip r:embed="rId2" cstate="email">
+            <a:extLst>
+              <a:ext uri="{28A0092B-C50C-407E-A947-70E740481C1C}">
+                <a14:useLocalDpi xmlns:a14="http://schemas.microsoft.com/office/drawing/2010/main" val="0"/>
+              </a:ext>
+            </a:extLst>
+          </a:blip>
+          <a:stretch>
+            <a:fillRect/>
+          </a:stretch>
+        </p:blipFill>
+        <p:spPr bwMode="auto">
+          <a:xfrm>
+            <a:off x="4648200" y="1909520"/>
+            <a:ext cx="4038600" cy="3614546"/>
+          </a:xfrm>
+          <a:prstGeom prst="rect">
+            <a:avLst/>
+          </a:prstGeom>
+          <a:solidFill>
+            <a:srgbClr val="FFFFFF"/>
+          </a:solidFill>
+        </p:spPr>
+      </p:pic>
+      <p:sp>
+        <p:nvSpPr>
+          <p:cNvPr id="4" name="Espace réservé du pied de page 3">
+            <a:extLst>
+              <a:ext uri="{FF2B5EF4-FFF2-40B4-BE49-F238E27FC236}">
+                <a16:creationId xmlns:a16="http://schemas.microsoft.com/office/drawing/2014/main" id="{BB77E59A-9D3A-4594-8185-C2203AEFF4A9}"/>
+              </a:ext>
+            </a:extLst>
+          </p:cNvPr>
+          <p:cNvSpPr>
+            <a:spLocks noGrp="1"/>
+          </p:cNvSpPr>
+          <p:nvPr>
+            <p:ph type="ftr" sz="quarter" idx="11"/>
+          </p:nvPr>
+        </p:nvSpPr>
+        <p:spPr>
+          <a:xfrm>
+            <a:off x="2339975" y="6426054"/>
+            <a:ext cx="4464050" cy="339725"/>
+          </a:xfrm>
+        </p:spPr>
+        <p:txBody>
+          <a:bodyPr wrap="square" anchor="t">
+            <a:normAutofit/>
+          </a:bodyPr>
+          <a:lstStyle/>
+          <a:p>
+            <a:pPr>
+              <a:spcAft>
+                <a:spcPts val="600"/>
+              </a:spcAft>
+              <a:defRPr/>
+            </a:pPr>
+            <a:r>
+              <a:rPr lang="fr-FR"/>
+              <a:t>Adrien Huygens</a:t>
+            </a:r>
+          </a:p>
+        </p:txBody>
+      </p:sp>
+      <p:sp>
+        <p:nvSpPr>
+          <p:cNvPr id="5" name="Espace réservé du numéro de diapositive 4">
+            <a:extLst>
+              <a:ext uri="{FF2B5EF4-FFF2-40B4-BE49-F238E27FC236}">
+                <a16:creationId xmlns:a16="http://schemas.microsoft.com/office/drawing/2014/main" id="{C4323132-24C5-42C7-AF31-59C93C136A18}"/>
+              </a:ext>
+            </a:extLst>
+          </p:cNvPr>
+          <p:cNvSpPr>
+            <a:spLocks noGrp="1"/>
+          </p:cNvSpPr>
+          <p:nvPr>
+            <p:ph type="sldNum" sz="quarter" idx="12"/>
+          </p:nvPr>
+        </p:nvSpPr>
+        <p:spPr>
+          <a:xfrm>
+            <a:off x="7019925" y="6426054"/>
+            <a:ext cx="1081088" cy="339725"/>
+          </a:xfrm>
+        </p:spPr>
+        <p:txBody>
+          <a:bodyPr wrap="square" anchor="t">
+            <a:normAutofit/>
+          </a:bodyPr>
+          <a:lstStyle/>
+          <a:p>
+            <a:pPr>
+              <a:spcAft>
+                <a:spcPts val="600"/>
+              </a:spcAft>
+              <a:defRPr/>
+            </a:pPr>
+            <a:fld id="{37E4E265-2F72-DF4D-B77D-D3249BA76B9F}" type="slidenum">
+              <a:rPr lang="fr-FR" smtClean="0"/>
+              <a:pPr>
+                <a:spcAft>
+                  <a:spcPts val="600"/>
+                </a:spcAft>
+                <a:defRPr/>
+              </a:pPr>
+              <a:t>59</a:t>
+            </a:fld>
+            <a:endParaRPr lang="fr-FR"/>
+          </a:p>
+        </p:txBody>
+      </p:sp>
+    </p:spTree>
+    <p:extLst>
+      <p:ext uri="{BB962C8B-B14F-4D97-AF65-F5344CB8AC3E}">
+        <p14:creationId xmlns:p14="http://schemas.microsoft.com/office/powerpoint/2010/main" val="2023083625"/>
       </p:ext>
     </p:extLst>
   </p:cSld>
@@ -21310,6 +22201,2063 @@
 </p:sld>
 </file>
 
+<file path=ppt/slides/slide60.xml><?xml version="1.0" encoding="utf-8"?>
+<p:sld xmlns:a="http://schemas.openxmlformats.org/drawingml/2006/main" xmlns:r="http://schemas.openxmlformats.org/officeDocument/2006/relationships" xmlns:p="http://schemas.openxmlformats.org/presentationml/2006/main">
+  <p:cSld>
+    <p:spTree>
+      <p:nvGrpSpPr>
+        <p:cNvPr id="1" name=""/>
+        <p:cNvGrpSpPr/>
+        <p:nvPr/>
+      </p:nvGrpSpPr>
+      <p:grpSpPr>
+        <a:xfrm>
+          <a:off x="0" y="0"/>
+          <a:ext cx="0" cy="0"/>
+          <a:chOff x="0" y="0"/>
+          <a:chExt cx="0" cy="0"/>
+        </a:xfrm>
+      </p:grpSpPr>
+      <p:sp>
+        <p:nvSpPr>
+          <p:cNvPr id="7" name="Titre 6">
+            <a:extLst>
+              <a:ext uri="{FF2B5EF4-FFF2-40B4-BE49-F238E27FC236}">
+                <a16:creationId xmlns:a16="http://schemas.microsoft.com/office/drawing/2014/main" id="{EFE41E2C-3C45-43D6-A652-27BEA114EFA1}"/>
+              </a:ext>
+            </a:extLst>
+          </p:cNvPr>
+          <p:cNvSpPr>
+            <a:spLocks noGrp="1"/>
+          </p:cNvSpPr>
+          <p:nvPr>
+            <p:ph type="title"/>
+          </p:nvPr>
+        </p:nvSpPr>
+        <p:spPr/>
+        <p:txBody>
+          <a:bodyPr/>
+          <a:lstStyle/>
+          <a:p>
+            <a:r>
+              <a:rPr lang="fr-BE" dirty="0"/>
+              <a:t>Pull </a:t>
+            </a:r>
+            <a:r>
+              <a:rPr lang="fr-BE" dirty="0" err="1"/>
+              <a:t>Request</a:t>
+            </a:r>
+            <a:endParaRPr lang="fr-BE" dirty="0"/>
+          </a:p>
+        </p:txBody>
+      </p:sp>
+      <p:sp>
+        <p:nvSpPr>
+          <p:cNvPr id="5" name="Espace réservé du pied de page 4">
+            <a:extLst>
+              <a:ext uri="{FF2B5EF4-FFF2-40B4-BE49-F238E27FC236}">
+                <a16:creationId xmlns:a16="http://schemas.microsoft.com/office/drawing/2014/main" id="{70E98AE9-58C4-4AFE-A929-7FAF4EE09B74}"/>
+              </a:ext>
+            </a:extLst>
+          </p:cNvPr>
+          <p:cNvSpPr>
+            <a:spLocks noGrp="1"/>
+          </p:cNvSpPr>
+          <p:nvPr>
+            <p:ph type="ftr" sz="quarter" idx="11"/>
+          </p:nvPr>
+        </p:nvSpPr>
+        <p:spPr/>
+        <p:txBody>
+          <a:bodyPr/>
+          <a:lstStyle/>
+          <a:p>
+            <a:pPr>
+              <a:defRPr/>
+            </a:pPr>
+            <a:r>
+              <a:rPr lang="fr-FR"/>
+              <a:t>Adrien Huygens</a:t>
+            </a:r>
+            <a:endParaRPr lang="fr-FR" dirty="0"/>
+          </a:p>
+        </p:txBody>
+      </p:sp>
+      <p:sp>
+        <p:nvSpPr>
+          <p:cNvPr id="6" name="Espace réservé du numéro de diapositive 5">
+            <a:extLst>
+              <a:ext uri="{FF2B5EF4-FFF2-40B4-BE49-F238E27FC236}">
+                <a16:creationId xmlns:a16="http://schemas.microsoft.com/office/drawing/2014/main" id="{ED4E3840-051C-48DB-9016-C82E58BE4184}"/>
+              </a:ext>
+            </a:extLst>
+          </p:cNvPr>
+          <p:cNvSpPr>
+            <a:spLocks noGrp="1"/>
+          </p:cNvSpPr>
+          <p:nvPr>
+            <p:ph type="sldNum" sz="quarter" idx="12"/>
+          </p:nvPr>
+        </p:nvSpPr>
+        <p:spPr/>
+        <p:txBody>
+          <a:bodyPr/>
+          <a:lstStyle/>
+          <a:p>
+            <a:pPr>
+              <a:defRPr/>
+            </a:pPr>
+            <a:fld id="{4A75AE84-FC5B-644C-B767-A4D234A13C47}" type="slidenum">
+              <a:rPr lang="fr-FR" smtClean="0"/>
+              <a:pPr>
+                <a:defRPr/>
+              </a:pPr>
+              <a:t>60</a:t>
+            </a:fld>
+            <a:endParaRPr lang="fr-FR"/>
+          </a:p>
+        </p:txBody>
+      </p:sp>
+      <p:pic>
+        <p:nvPicPr>
+          <p:cNvPr id="8" name="Image 7">
+            <a:extLst>
+              <a:ext uri="{FF2B5EF4-FFF2-40B4-BE49-F238E27FC236}">
+                <a16:creationId xmlns:a16="http://schemas.microsoft.com/office/drawing/2014/main" id="{C19E8094-8E1C-4B15-A4B5-B748D2CEB146}"/>
+              </a:ext>
+            </a:extLst>
+          </p:cNvPr>
+          <p:cNvPicPr>
+            <a:picLocks noChangeAspect="1"/>
+          </p:cNvPicPr>
+          <p:nvPr/>
+        </p:nvPicPr>
+        <p:blipFill>
+          <a:blip r:embed="rId2"/>
+          <a:stretch>
+            <a:fillRect/>
+          </a:stretch>
+        </p:blipFill>
+        <p:spPr>
+          <a:xfrm>
+            <a:off x="0" y="1386068"/>
+            <a:ext cx="9144000" cy="830599"/>
+          </a:xfrm>
+          <a:prstGeom prst="rect">
+            <a:avLst/>
+          </a:prstGeom>
+        </p:spPr>
+      </p:pic>
+      <p:pic>
+        <p:nvPicPr>
+          <p:cNvPr id="9" name="Image 8">
+            <a:extLst>
+              <a:ext uri="{FF2B5EF4-FFF2-40B4-BE49-F238E27FC236}">
+                <a16:creationId xmlns:a16="http://schemas.microsoft.com/office/drawing/2014/main" id="{BD63BD63-D77C-4E29-AC98-EE54DC3F7E63}"/>
+              </a:ext>
+            </a:extLst>
+          </p:cNvPr>
+          <p:cNvPicPr>
+            <a:picLocks noChangeAspect="1"/>
+          </p:cNvPicPr>
+          <p:nvPr/>
+        </p:nvPicPr>
+        <p:blipFill>
+          <a:blip r:embed="rId3"/>
+          <a:stretch>
+            <a:fillRect/>
+          </a:stretch>
+        </p:blipFill>
+        <p:spPr>
+          <a:xfrm>
+            <a:off x="1169987" y="2970238"/>
+            <a:ext cx="6804025" cy="3004021"/>
+          </a:xfrm>
+          <a:prstGeom prst="rect">
+            <a:avLst/>
+          </a:prstGeom>
+        </p:spPr>
+      </p:pic>
+    </p:spTree>
+    <p:extLst>
+      <p:ext uri="{BB962C8B-B14F-4D97-AF65-F5344CB8AC3E}">
+        <p14:creationId xmlns:p14="http://schemas.microsoft.com/office/powerpoint/2010/main" val="1966571000"/>
+      </p:ext>
+    </p:extLst>
+  </p:cSld>
+  <p:clrMapOvr>
+    <a:masterClrMapping/>
+  </p:clrMapOvr>
+  <p:transition spd="slow">
+    <p:fade/>
+  </p:transition>
+</p:sld>
+</file>
+
+<file path=ppt/slides/slide61.xml><?xml version="1.0" encoding="utf-8"?>
+<p:sld xmlns:a="http://schemas.openxmlformats.org/drawingml/2006/main" xmlns:r="http://schemas.openxmlformats.org/officeDocument/2006/relationships" xmlns:p="http://schemas.openxmlformats.org/presentationml/2006/main">
+  <p:cSld>
+    <p:spTree>
+      <p:nvGrpSpPr>
+        <p:cNvPr id="1" name=""/>
+        <p:cNvGrpSpPr/>
+        <p:nvPr/>
+      </p:nvGrpSpPr>
+      <p:grpSpPr>
+        <a:xfrm>
+          <a:off x="0" y="0"/>
+          <a:ext cx="0" cy="0"/>
+          <a:chOff x="0" y="0"/>
+          <a:chExt cx="0" cy="0"/>
+        </a:xfrm>
+      </p:grpSpPr>
+      <p:sp>
+        <p:nvSpPr>
+          <p:cNvPr id="2" name="Titre 1">
+            <a:extLst>
+              <a:ext uri="{FF2B5EF4-FFF2-40B4-BE49-F238E27FC236}">
+                <a16:creationId xmlns:a16="http://schemas.microsoft.com/office/drawing/2014/main" id="{B340A588-EA4F-45FB-AFDD-E5E1DCF2F5AB}"/>
+              </a:ext>
+            </a:extLst>
+          </p:cNvPr>
+          <p:cNvSpPr>
+            <a:spLocks noGrp="1"/>
+          </p:cNvSpPr>
+          <p:nvPr>
+            <p:ph type="title"/>
+          </p:nvPr>
+        </p:nvSpPr>
+        <p:spPr/>
+        <p:txBody>
+          <a:bodyPr/>
+          <a:lstStyle/>
+          <a:p>
+            <a:r>
+              <a:rPr lang="fr-BE" dirty="0"/>
+              <a:t>Pull </a:t>
+            </a:r>
+            <a:r>
+              <a:rPr lang="fr-BE" dirty="0" err="1"/>
+              <a:t>Request</a:t>
+            </a:r>
+            <a:endParaRPr lang="fr-BE" dirty="0"/>
+          </a:p>
+        </p:txBody>
+      </p:sp>
+      <p:sp>
+        <p:nvSpPr>
+          <p:cNvPr id="3" name="Espace réservé du pied de page 2">
+            <a:extLst>
+              <a:ext uri="{FF2B5EF4-FFF2-40B4-BE49-F238E27FC236}">
+                <a16:creationId xmlns:a16="http://schemas.microsoft.com/office/drawing/2014/main" id="{FC24F8C7-B2F0-4237-8D4D-70B1F3B5392B}"/>
+              </a:ext>
+            </a:extLst>
+          </p:cNvPr>
+          <p:cNvSpPr>
+            <a:spLocks noGrp="1"/>
+          </p:cNvSpPr>
+          <p:nvPr>
+            <p:ph type="ftr" sz="quarter" idx="11"/>
+          </p:nvPr>
+        </p:nvSpPr>
+        <p:spPr/>
+        <p:txBody>
+          <a:bodyPr/>
+          <a:lstStyle/>
+          <a:p>
+            <a:pPr>
+              <a:defRPr/>
+            </a:pPr>
+            <a:r>
+              <a:rPr lang="fr-FR"/>
+              <a:t>Adrien Huygens</a:t>
+            </a:r>
+            <a:endParaRPr lang="fr-FR" dirty="0"/>
+          </a:p>
+        </p:txBody>
+      </p:sp>
+      <p:sp>
+        <p:nvSpPr>
+          <p:cNvPr id="4" name="Espace réservé du numéro de diapositive 3">
+            <a:extLst>
+              <a:ext uri="{FF2B5EF4-FFF2-40B4-BE49-F238E27FC236}">
+                <a16:creationId xmlns:a16="http://schemas.microsoft.com/office/drawing/2014/main" id="{DFCAE0F5-3A56-4CEA-8B45-D9E39807197F}"/>
+              </a:ext>
+            </a:extLst>
+          </p:cNvPr>
+          <p:cNvSpPr>
+            <a:spLocks noGrp="1"/>
+          </p:cNvSpPr>
+          <p:nvPr>
+            <p:ph type="sldNum" sz="quarter" idx="12"/>
+          </p:nvPr>
+        </p:nvSpPr>
+        <p:spPr/>
+        <p:txBody>
+          <a:bodyPr/>
+          <a:lstStyle/>
+          <a:p>
+            <a:pPr>
+              <a:defRPr/>
+            </a:pPr>
+            <a:fld id="{42479638-AE31-1342-9070-BA24DFF325A5}" type="slidenum">
+              <a:rPr lang="fr-FR" smtClean="0"/>
+              <a:pPr>
+                <a:defRPr/>
+              </a:pPr>
+              <a:t>61</a:t>
+            </a:fld>
+            <a:endParaRPr lang="fr-FR"/>
+          </a:p>
+        </p:txBody>
+      </p:sp>
+      <p:pic>
+        <p:nvPicPr>
+          <p:cNvPr id="5" name="Image 4">
+            <a:extLst>
+              <a:ext uri="{FF2B5EF4-FFF2-40B4-BE49-F238E27FC236}">
+                <a16:creationId xmlns:a16="http://schemas.microsoft.com/office/drawing/2014/main" id="{166935DA-5206-4C00-B175-68ECBDB15D90}"/>
+              </a:ext>
+            </a:extLst>
+          </p:cNvPr>
+          <p:cNvPicPr>
+            <a:picLocks noChangeAspect="1"/>
+          </p:cNvPicPr>
+          <p:nvPr/>
+        </p:nvPicPr>
+        <p:blipFill>
+          <a:blip r:embed="rId2"/>
+          <a:stretch>
+            <a:fillRect/>
+          </a:stretch>
+        </p:blipFill>
+        <p:spPr>
+          <a:xfrm>
+            <a:off x="0" y="1639430"/>
+            <a:ext cx="9144000" cy="3579140"/>
+          </a:xfrm>
+          <a:prstGeom prst="rect">
+            <a:avLst/>
+          </a:prstGeom>
+        </p:spPr>
+      </p:pic>
+    </p:spTree>
+    <p:extLst>
+      <p:ext uri="{BB962C8B-B14F-4D97-AF65-F5344CB8AC3E}">
+        <p14:creationId xmlns:p14="http://schemas.microsoft.com/office/powerpoint/2010/main" val="385435112"/>
+      </p:ext>
+    </p:extLst>
+  </p:cSld>
+  <p:clrMapOvr>
+    <a:masterClrMapping/>
+  </p:clrMapOvr>
+  <p:transition spd="slow">
+    <p:fade/>
+  </p:transition>
+</p:sld>
+</file>
+
+<file path=ppt/slides/slide62.xml><?xml version="1.0" encoding="utf-8"?>
+<p:sld xmlns:a="http://schemas.openxmlformats.org/drawingml/2006/main" xmlns:r="http://schemas.openxmlformats.org/officeDocument/2006/relationships" xmlns:p="http://schemas.openxmlformats.org/presentationml/2006/main">
+  <p:cSld>
+    <p:spTree>
+      <p:nvGrpSpPr>
+        <p:cNvPr id="1" name=""/>
+        <p:cNvGrpSpPr/>
+        <p:nvPr/>
+      </p:nvGrpSpPr>
+      <p:grpSpPr>
+        <a:xfrm>
+          <a:off x="0" y="0"/>
+          <a:ext cx="0" cy="0"/>
+          <a:chOff x="0" y="0"/>
+          <a:chExt cx="0" cy="0"/>
+        </a:xfrm>
+      </p:grpSpPr>
+      <p:sp>
+        <p:nvSpPr>
+          <p:cNvPr id="2" name="Titre 1">
+            <a:extLst>
+              <a:ext uri="{FF2B5EF4-FFF2-40B4-BE49-F238E27FC236}">
+                <a16:creationId xmlns:a16="http://schemas.microsoft.com/office/drawing/2014/main" id="{179357C9-8889-4A40-BDE8-21DE57374FD0}"/>
+              </a:ext>
+            </a:extLst>
+          </p:cNvPr>
+          <p:cNvSpPr>
+            <a:spLocks noGrp="1"/>
+          </p:cNvSpPr>
+          <p:nvPr>
+            <p:ph type="title"/>
+          </p:nvPr>
+        </p:nvSpPr>
+        <p:spPr/>
+        <p:txBody>
+          <a:bodyPr/>
+          <a:lstStyle/>
+          <a:p>
+            <a:r>
+              <a:rPr lang="fr-BE" dirty="0"/>
+              <a:t>Pull </a:t>
+            </a:r>
+            <a:r>
+              <a:rPr lang="fr-BE" dirty="0" err="1"/>
+              <a:t>Request</a:t>
+            </a:r>
+            <a:endParaRPr lang="fr-BE" dirty="0"/>
+          </a:p>
+        </p:txBody>
+      </p:sp>
+      <p:sp>
+        <p:nvSpPr>
+          <p:cNvPr id="3" name="Espace réservé du pied de page 2">
+            <a:extLst>
+              <a:ext uri="{FF2B5EF4-FFF2-40B4-BE49-F238E27FC236}">
+                <a16:creationId xmlns:a16="http://schemas.microsoft.com/office/drawing/2014/main" id="{9CF14C85-DA2A-483F-950E-9762B51F433A}"/>
+              </a:ext>
+            </a:extLst>
+          </p:cNvPr>
+          <p:cNvSpPr>
+            <a:spLocks noGrp="1"/>
+          </p:cNvSpPr>
+          <p:nvPr>
+            <p:ph type="ftr" sz="quarter" idx="11"/>
+          </p:nvPr>
+        </p:nvSpPr>
+        <p:spPr/>
+        <p:txBody>
+          <a:bodyPr/>
+          <a:lstStyle/>
+          <a:p>
+            <a:pPr>
+              <a:defRPr/>
+            </a:pPr>
+            <a:r>
+              <a:rPr lang="fr-FR"/>
+              <a:t>Adrien Huygens</a:t>
+            </a:r>
+            <a:endParaRPr lang="fr-FR" dirty="0"/>
+          </a:p>
+        </p:txBody>
+      </p:sp>
+      <p:sp>
+        <p:nvSpPr>
+          <p:cNvPr id="4" name="Espace réservé du numéro de diapositive 3">
+            <a:extLst>
+              <a:ext uri="{FF2B5EF4-FFF2-40B4-BE49-F238E27FC236}">
+                <a16:creationId xmlns:a16="http://schemas.microsoft.com/office/drawing/2014/main" id="{FFBE956B-1A18-4EC4-861E-385D474C8208}"/>
+              </a:ext>
+            </a:extLst>
+          </p:cNvPr>
+          <p:cNvSpPr>
+            <a:spLocks noGrp="1"/>
+          </p:cNvSpPr>
+          <p:nvPr>
+            <p:ph type="sldNum" sz="quarter" idx="12"/>
+          </p:nvPr>
+        </p:nvSpPr>
+        <p:spPr/>
+        <p:txBody>
+          <a:bodyPr/>
+          <a:lstStyle/>
+          <a:p>
+            <a:pPr>
+              <a:defRPr/>
+            </a:pPr>
+            <a:fld id="{42479638-AE31-1342-9070-BA24DFF325A5}" type="slidenum">
+              <a:rPr lang="fr-FR" smtClean="0"/>
+              <a:pPr>
+                <a:defRPr/>
+              </a:pPr>
+              <a:t>62</a:t>
+            </a:fld>
+            <a:endParaRPr lang="fr-FR"/>
+          </a:p>
+        </p:txBody>
+      </p:sp>
+      <p:pic>
+        <p:nvPicPr>
+          <p:cNvPr id="5" name="Image 4">
+            <a:extLst>
+              <a:ext uri="{FF2B5EF4-FFF2-40B4-BE49-F238E27FC236}">
+                <a16:creationId xmlns:a16="http://schemas.microsoft.com/office/drawing/2014/main" id="{7FB31D06-3B0A-42CE-B94D-82540D52B578}"/>
+              </a:ext>
+            </a:extLst>
+          </p:cNvPr>
+          <p:cNvPicPr>
+            <a:picLocks noChangeAspect="1"/>
+          </p:cNvPicPr>
+          <p:nvPr/>
+        </p:nvPicPr>
+        <p:blipFill>
+          <a:blip r:embed="rId2"/>
+          <a:stretch>
+            <a:fillRect/>
+          </a:stretch>
+        </p:blipFill>
+        <p:spPr>
+          <a:xfrm>
+            <a:off x="2034102" y="1454657"/>
+            <a:ext cx="4985823" cy="4524272"/>
+          </a:xfrm>
+          <a:prstGeom prst="rect">
+            <a:avLst/>
+          </a:prstGeom>
+        </p:spPr>
+      </p:pic>
+    </p:spTree>
+    <p:extLst>
+      <p:ext uri="{BB962C8B-B14F-4D97-AF65-F5344CB8AC3E}">
+        <p14:creationId xmlns:p14="http://schemas.microsoft.com/office/powerpoint/2010/main" val="1866135903"/>
+      </p:ext>
+    </p:extLst>
+  </p:cSld>
+  <p:clrMapOvr>
+    <a:masterClrMapping/>
+  </p:clrMapOvr>
+  <p:transition spd="slow">
+    <p:fade/>
+  </p:transition>
+</p:sld>
+</file>
+
+<file path=ppt/slides/slide63.xml><?xml version="1.0" encoding="utf-8"?>
+<p:sld xmlns:a="http://schemas.openxmlformats.org/drawingml/2006/main" xmlns:r="http://schemas.openxmlformats.org/officeDocument/2006/relationships" xmlns:p="http://schemas.openxmlformats.org/presentationml/2006/main">
+  <p:cSld>
+    <p:spTree>
+      <p:nvGrpSpPr>
+        <p:cNvPr id="1" name=""/>
+        <p:cNvGrpSpPr/>
+        <p:nvPr/>
+      </p:nvGrpSpPr>
+      <p:grpSpPr>
+        <a:xfrm>
+          <a:off x="0" y="0"/>
+          <a:ext cx="0" cy="0"/>
+          <a:chOff x="0" y="0"/>
+          <a:chExt cx="0" cy="0"/>
+        </a:xfrm>
+      </p:grpSpPr>
+      <p:sp>
+        <p:nvSpPr>
+          <p:cNvPr id="2" name="Titre 1">
+            <a:extLst>
+              <a:ext uri="{FF2B5EF4-FFF2-40B4-BE49-F238E27FC236}">
+                <a16:creationId xmlns:a16="http://schemas.microsoft.com/office/drawing/2014/main" id="{0BA15DBE-E12D-4E42-9165-9359784B3816}"/>
+              </a:ext>
+            </a:extLst>
+          </p:cNvPr>
+          <p:cNvSpPr>
+            <a:spLocks noGrp="1"/>
+          </p:cNvSpPr>
+          <p:nvPr>
+            <p:ph type="title"/>
+          </p:nvPr>
+        </p:nvSpPr>
+        <p:spPr/>
+        <p:txBody>
+          <a:bodyPr/>
+          <a:lstStyle/>
+          <a:p>
+            <a:r>
+              <a:rPr lang="fr-BE" dirty="0"/>
+              <a:t>Sécurité des branches</a:t>
+            </a:r>
+          </a:p>
+        </p:txBody>
+      </p:sp>
+      <p:sp>
+        <p:nvSpPr>
+          <p:cNvPr id="3" name="Espace réservé du pied de page 2">
+            <a:extLst>
+              <a:ext uri="{FF2B5EF4-FFF2-40B4-BE49-F238E27FC236}">
+                <a16:creationId xmlns:a16="http://schemas.microsoft.com/office/drawing/2014/main" id="{6238AC74-8E68-4C26-9C26-61DF76F389C9}"/>
+              </a:ext>
+            </a:extLst>
+          </p:cNvPr>
+          <p:cNvSpPr>
+            <a:spLocks noGrp="1"/>
+          </p:cNvSpPr>
+          <p:nvPr>
+            <p:ph type="ftr" sz="quarter" idx="11"/>
+          </p:nvPr>
+        </p:nvSpPr>
+        <p:spPr/>
+        <p:txBody>
+          <a:bodyPr/>
+          <a:lstStyle/>
+          <a:p>
+            <a:pPr>
+              <a:defRPr/>
+            </a:pPr>
+            <a:r>
+              <a:rPr lang="fr-FR"/>
+              <a:t>Adrien Huygens</a:t>
+            </a:r>
+            <a:endParaRPr lang="fr-FR" dirty="0"/>
+          </a:p>
+        </p:txBody>
+      </p:sp>
+      <p:sp>
+        <p:nvSpPr>
+          <p:cNvPr id="4" name="Espace réservé du numéro de diapositive 3">
+            <a:extLst>
+              <a:ext uri="{FF2B5EF4-FFF2-40B4-BE49-F238E27FC236}">
+                <a16:creationId xmlns:a16="http://schemas.microsoft.com/office/drawing/2014/main" id="{1F5869DE-419C-4BE3-BFB0-579F30A8CB60}"/>
+              </a:ext>
+            </a:extLst>
+          </p:cNvPr>
+          <p:cNvSpPr>
+            <a:spLocks noGrp="1"/>
+          </p:cNvSpPr>
+          <p:nvPr>
+            <p:ph type="sldNum" sz="quarter" idx="12"/>
+          </p:nvPr>
+        </p:nvSpPr>
+        <p:spPr/>
+        <p:txBody>
+          <a:bodyPr/>
+          <a:lstStyle/>
+          <a:p>
+            <a:pPr>
+              <a:defRPr/>
+            </a:pPr>
+            <a:fld id="{42479638-AE31-1342-9070-BA24DFF325A5}" type="slidenum">
+              <a:rPr lang="fr-FR" smtClean="0"/>
+              <a:pPr>
+                <a:defRPr/>
+              </a:pPr>
+              <a:t>63</a:t>
+            </a:fld>
+            <a:endParaRPr lang="fr-FR"/>
+          </a:p>
+        </p:txBody>
+      </p:sp>
+      <p:pic>
+        <p:nvPicPr>
+          <p:cNvPr id="5" name="Image 4">
+            <a:extLst>
+              <a:ext uri="{FF2B5EF4-FFF2-40B4-BE49-F238E27FC236}">
+                <a16:creationId xmlns:a16="http://schemas.microsoft.com/office/drawing/2014/main" id="{39EF2FC9-65F4-4D08-8FD8-7DB460E8870F}"/>
+              </a:ext>
+            </a:extLst>
+          </p:cNvPr>
+          <p:cNvPicPr>
+            <a:picLocks noChangeAspect="1"/>
+          </p:cNvPicPr>
+          <p:nvPr/>
+        </p:nvPicPr>
+        <p:blipFill>
+          <a:blip r:embed="rId2"/>
+          <a:stretch>
+            <a:fillRect/>
+          </a:stretch>
+        </p:blipFill>
+        <p:spPr>
+          <a:xfrm>
+            <a:off x="565150" y="1356449"/>
+            <a:ext cx="8229600" cy="4745536"/>
+          </a:xfrm>
+          <a:prstGeom prst="rect">
+            <a:avLst/>
+          </a:prstGeom>
+        </p:spPr>
+      </p:pic>
+    </p:spTree>
+    <p:extLst>
+      <p:ext uri="{BB962C8B-B14F-4D97-AF65-F5344CB8AC3E}">
+        <p14:creationId xmlns:p14="http://schemas.microsoft.com/office/powerpoint/2010/main" val="4270123797"/>
+      </p:ext>
+    </p:extLst>
+  </p:cSld>
+  <p:clrMapOvr>
+    <a:masterClrMapping/>
+  </p:clrMapOvr>
+  <p:transition spd="slow">
+    <p:fade/>
+  </p:transition>
+</p:sld>
+</file>
+
+<file path=ppt/slides/slide64.xml><?xml version="1.0" encoding="utf-8"?>
+<p:sld xmlns:a="http://schemas.openxmlformats.org/drawingml/2006/main" xmlns:r="http://schemas.openxmlformats.org/officeDocument/2006/relationships" xmlns:p="http://schemas.openxmlformats.org/presentationml/2006/main">
+  <p:cSld>
+    <p:spTree>
+      <p:nvGrpSpPr>
+        <p:cNvPr id="1" name=""/>
+        <p:cNvGrpSpPr/>
+        <p:nvPr/>
+      </p:nvGrpSpPr>
+      <p:grpSpPr>
+        <a:xfrm>
+          <a:off x="0" y="0"/>
+          <a:ext cx="0" cy="0"/>
+          <a:chOff x="0" y="0"/>
+          <a:chExt cx="0" cy="0"/>
+        </a:xfrm>
+      </p:grpSpPr>
+      <p:sp>
+        <p:nvSpPr>
+          <p:cNvPr id="2" name="Titre 1">
+            <a:extLst>
+              <a:ext uri="{FF2B5EF4-FFF2-40B4-BE49-F238E27FC236}">
+                <a16:creationId xmlns:a16="http://schemas.microsoft.com/office/drawing/2014/main" id="{C1239442-69A2-4995-8D68-3ACC7F3E0CE6}"/>
+              </a:ext>
+            </a:extLst>
+          </p:cNvPr>
+          <p:cNvSpPr>
+            <a:spLocks noGrp="1"/>
+          </p:cNvSpPr>
+          <p:nvPr>
+            <p:ph type="title"/>
+          </p:nvPr>
+        </p:nvSpPr>
+        <p:spPr/>
+        <p:txBody>
+          <a:bodyPr/>
+          <a:lstStyle/>
+          <a:p>
+            <a:r>
+              <a:rPr lang="fr-BE" dirty="0"/>
+              <a:t>Fermeture automatique d’une issue</a:t>
+            </a:r>
+          </a:p>
+        </p:txBody>
+      </p:sp>
+      <p:sp>
+        <p:nvSpPr>
+          <p:cNvPr id="5" name="Espace réservé du contenu 4">
+            <a:extLst>
+              <a:ext uri="{FF2B5EF4-FFF2-40B4-BE49-F238E27FC236}">
+                <a16:creationId xmlns:a16="http://schemas.microsoft.com/office/drawing/2014/main" id="{1B1B40F6-842D-4F78-BC11-3AD6B64E7A0B}"/>
+              </a:ext>
+            </a:extLst>
+          </p:cNvPr>
+          <p:cNvSpPr>
+            <a:spLocks noGrp="1"/>
+          </p:cNvSpPr>
+          <p:nvPr>
+            <p:ph idx="1"/>
+          </p:nvPr>
+        </p:nvSpPr>
+        <p:spPr/>
+        <p:txBody>
+          <a:bodyPr/>
+          <a:lstStyle/>
+          <a:p>
+            <a:r>
+              <a:rPr lang="fr-BE" dirty="0"/>
+              <a:t>Vous pouvez fermer une issue automatiquement avec vos commit.</a:t>
+            </a:r>
+          </a:p>
+          <a:p>
+            <a:r>
+              <a:rPr lang="fr-BE" dirty="0"/>
+              <a:t>Lors du push sur le serveur</a:t>
+            </a:r>
+          </a:p>
+          <a:p>
+            <a:r>
+              <a:rPr lang="fr-BE" dirty="0"/>
+              <a:t>Pour cela il faut commencer par un des mots suivant dans le </a:t>
+            </a:r>
+            <a:r>
+              <a:rPr lang="fr-BE" dirty="0" err="1"/>
+              <a:t>text</a:t>
+            </a:r>
+            <a:r>
+              <a:rPr lang="fr-BE" dirty="0"/>
+              <a:t> du commit: </a:t>
+            </a:r>
+          </a:p>
+          <a:p>
+            <a:pPr lvl="1"/>
+            <a:r>
+              <a:rPr lang="fr-FR" altLang="fr-FR" dirty="0">
+                <a:solidFill>
+                  <a:schemeClr val="tx1"/>
+                </a:solidFill>
+                <a:latin typeface="Consolas" panose="020B0609020204030204" pitchFamily="49" charset="0"/>
+              </a:rPr>
+              <a:t>close, closes, </a:t>
+            </a:r>
+            <a:r>
+              <a:rPr lang="fr-FR" altLang="fr-FR" dirty="0" err="1">
+                <a:solidFill>
+                  <a:schemeClr val="tx1"/>
+                </a:solidFill>
+                <a:latin typeface="Consolas" panose="020B0609020204030204" pitchFamily="49" charset="0"/>
+              </a:rPr>
+              <a:t>closed</a:t>
+            </a:r>
+            <a:r>
+              <a:rPr lang="fr-FR" altLang="fr-FR" dirty="0">
+                <a:solidFill>
+                  <a:schemeClr val="tx1"/>
+                </a:solidFill>
+                <a:latin typeface="Consolas" panose="020B0609020204030204" pitchFamily="49" charset="0"/>
+              </a:rPr>
+              <a:t>, fix, fixes, </a:t>
+            </a:r>
+            <a:r>
+              <a:rPr lang="fr-FR" altLang="fr-FR" dirty="0" err="1">
+                <a:solidFill>
+                  <a:schemeClr val="tx1"/>
+                </a:solidFill>
+                <a:latin typeface="Consolas" panose="020B0609020204030204" pitchFamily="49" charset="0"/>
+              </a:rPr>
+              <a:t>fixed</a:t>
+            </a:r>
+            <a:r>
+              <a:rPr lang="fr-FR" altLang="fr-FR" dirty="0">
+                <a:solidFill>
+                  <a:schemeClr val="tx1"/>
+                </a:solidFill>
+                <a:latin typeface="Consolas" panose="020B0609020204030204" pitchFamily="49" charset="0"/>
+              </a:rPr>
+              <a:t>, </a:t>
+            </a:r>
+            <a:r>
+              <a:rPr lang="fr-FR" altLang="fr-FR" dirty="0" err="1">
+                <a:solidFill>
+                  <a:schemeClr val="tx1"/>
+                </a:solidFill>
+                <a:latin typeface="Consolas" panose="020B0609020204030204" pitchFamily="49" charset="0"/>
+              </a:rPr>
+              <a:t>resolve</a:t>
+            </a:r>
+            <a:r>
+              <a:rPr lang="fr-FR" altLang="fr-FR" dirty="0">
+                <a:solidFill>
+                  <a:schemeClr val="tx1"/>
+                </a:solidFill>
+                <a:latin typeface="Consolas" panose="020B0609020204030204" pitchFamily="49" charset="0"/>
+              </a:rPr>
+              <a:t>, </a:t>
+            </a:r>
+            <a:r>
+              <a:rPr lang="fr-FR" altLang="fr-FR" dirty="0" err="1">
+                <a:solidFill>
+                  <a:schemeClr val="tx1"/>
+                </a:solidFill>
+                <a:latin typeface="Consolas" panose="020B0609020204030204" pitchFamily="49" charset="0"/>
+              </a:rPr>
+              <a:t>resolves</a:t>
+            </a:r>
+            <a:r>
+              <a:rPr lang="fr-FR" altLang="fr-FR" dirty="0">
+                <a:solidFill>
+                  <a:schemeClr val="tx1"/>
+                </a:solidFill>
+                <a:latin typeface="Consolas" panose="020B0609020204030204" pitchFamily="49" charset="0"/>
+              </a:rPr>
+              <a:t>, </a:t>
+            </a:r>
+            <a:r>
+              <a:rPr lang="fr-FR" altLang="fr-FR" dirty="0" err="1">
+                <a:solidFill>
+                  <a:schemeClr val="tx1"/>
+                </a:solidFill>
+                <a:latin typeface="Consolas" panose="020B0609020204030204" pitchFamily="49" charset="0"/>
+              </a:rPr>
+              <a:t>resolved</a:t>
+            </a:r>
+            <a:endParaRPr lang="fr-FR" altLang="fr-FR" dirty="0">
+              <a:solidFill>
+                <a:schemeClr val="tx1"/>
+              </a:solidFill>
+              <a:latin typeface="Consolas" panose="020B0609020204030204" pitchFamily="49" charset="0"/>
+            </a:endParaRPr>
+          </a:p>
+          <a:p>
+            <a:pPr lvl="1"/>
+            <a:endParaRPr lang="fr-FR" altLang="fr-FR" sz="400" dirty="0">
+              <a:solidFill>
+                <a:schemeClr val="tx1"/>
+              </a:solidFill>
+              <a:latin typeface="Consolas" panose="020B0609020204030204" pitchFamily="49" charset="0"/>
+            </a:endParaRPr>
+          </a:p>
+          <a:p>
+            <a:pPr lvl="1"/>
+            <a:r>
+              <a:rPr lang="fr-FR" altLang="fr-FR" sz="400" dirty="0">
+                <a:solidFill>
+                  <a:schemeClr val="tx1"/>
+                </a:solidFill>
+              </a:rPr>
+              <a:t> </a:t>
+            </a:r>
+          </a:p>
+          <a:p>
+            <a:pPr lvl="1"/>
+            <a:r>
+              <a:rPr lang="fr-FR" altLang="fr-FR" sz="400" dirty="0">
+                <a:solidFill>
+                  <a:schemeClr val="tx1"/>
+                </a:solidFill>
+                <a:latin typeface="Arial" panose="020B0604020202020204" pitchFamily="34" charset="0"/>
+              </a:rPr>
+              <a:t>s</a:t>
+            </a:r>
+            <a:endParaRPr lang="fr-FR" altLang="fr-FR" sz="6200" dirty="0">
+              <a:solidFill>
+                <a:schemeClr val="tx1"/>
+              </a:solidFill>
+              <a:latin typeface="Arial" panose="020B0604020202020204" pitchFamily="34" charset="0"/>
+            </a:endParaRPr>
+          </a:p>
+          <a:p>
+            <a:pPr lvl="1"/>
+            <a:r>
+              <a:rPr lang="fr-BE" dirty="0"/>
+              <a:t>Suivit de #numero de l’issue</a:t>
+            </a:r>
+          </a:p>
+        </p:txBody>
+      </p:sp>
+      <p:sp>
+        <p:nvSpPr>
+          <p:cNvPr id="3" name="Espace réservé du pied de page 2">
+            <a:extLst>
+              <a:ext uri="{FF2B5EF4-FFF2-40B4-BE49-F238E27FC236}">
+                <a16:creationId xmlns:a16="http://schemas.microsoft.com/office/drawing/2014/main" id="{1ADE748C-5841-4D00-9565-9CFE24681094}"/>
+              </a:ext>
+            </a:extLst>
+          </p:cNvPr>
+          <p:cNvSpPr>
+            <a:spLocks noGrp="1"/>
+          </p:cNvSpPr>
+          <p:nvPr>
+            <p:ph type="ftr" sz="quarter" idx="11"/>
+          </p:nvPr>
+        </p:nvSpPr>
+        <p:spPr/>
+        <p:txBody>
+          <a:bodyPr/>
+          <a:lstStyle/>
+          <a:p>
+            <a:pPr>
+              <a:defRPr/>
+            </a:pPr>
+            <a:r>
+              <a:rPr lang="fr-FR"/>
+              <a:t>Adrien Huygens</a:t>
+            </a:r>
+            <a:endParaRPr lang="fr-FR" dirty="0"/>
+          </a:p>
+        </p:txBody>
+      </p:sp>
+      <p:sp>
+        <p:nvSpPr>
+          <p:cNvPr id="4" name="Espace réservé du numéro de diapositive 3">
+            <a:extLst>
+              <a:ext uri="{FF2B5EF4-FFF2-40B4-BE49-F238E27FC236}">
+                <a16:creationId xmlns:a16="http://schemas.microsoft.com/office/drawing/2014/main" id="{002DD17A-1E57-4911-A687-A8EB37C4FCF0}"/>
+              </a:ext>
+            </a:extLst>
+          </p:cNvPr>
+          <p:cNvSpPr>
+            <a:spLocks noGrp="1"/>
+          </p:cNvSpPr>
+          <p:nvPr>
+            <p:ph type="sldNum" sz="quarter" idx="12"/>
+          </p:nvPr>
+        </p:nvSpPr>
+        <p:spPr/>
+        <p:txBody>
+          <a:bodyPr/>
+          <a:lstStyle/>
+          <a:p>
+            <a:pPr>
+              <a:defRPr/>
+            </a:pPr>
+            <a:fld id="{42479638-AE31-1342-9070-BA24DFF325A5}" type="slidenum">
+              <a:rPr lang="fr-FR" smtClean="0"/>
+              <a:pPr>
+                <a:defRPr/>
+              </a:pPr>
+              <a:t>64</a:t>
+            </a:fld>
+            <a:endParaRPr lang="fr-FR"/>
+          </a:p>
+        </p:txBody>
+      </p:sp>
+    </p:spTree>
+    <p:extLst>
+      <p:ext uri="{BB962C8B-B14F-4D97-AF65-F5344CB8AC3E}">
+        <p14:creationId xmlns:p14="http://schemas.microsoft.com/office/powerpoint/2010/main" val="1266878347"/>
+      </p:ext>
+    </p:extLst>
+  </p:cSld>
+  <p:clrMapOvr>
+    <a:masterClrMapping/>
+  </p:clrMapOvr>
+  <p:transition spd="slow">
+    <p:fade/>
+  </p:transition>
+</p:sld>
+</file>
+
+<file path=ppt/slides/slide65.xml><?xml version="1.0" encoding="utf-8"?>
+<p:sld xmlns:a="http://schemas.openxmlformats.org/drawingml/2006/main" xmlns:r="http://schemas.openxmlformats.org/officeDocument/2006/relationships" xmlns:p="http://schemas.openxmlformats.org/presentationml/2006/main">
+  <p:cSld>
+    <p:spTree>
+      <p:nvGrpSpPr>
+        <p:cNvPr id="1" name=""/>
+        <p:cNvGrpSpPr/>
+        <p:nvPr/>
+      </p:nvGrpSpPr>
+      <p:grpSpPr>
+        <a:xfrm>
+          <a:off x="0" y="0"/>
+          <a:ext cx="0" cy="0"/>
+          <a:chOff x="0" y="0"/>
+          <a:chExt cx="0" cy="0"/>
+        </a:xfrm>
+      </p:grpSpPr>
+      <p:sp>
+        <p:nvSpPr>
+          <p:cNvPr id="2" name="Titre 1">
+            <a:extLst>
+              <a:ext uri="{FF2B5EF4-FFF2-40B4-BE49-F238E27FC236}">
+                <a16:creationId xmlns:a16="http://schemas.microsoft.com/office/drawing/2014/main" id="{17431CF4-CC6E-4E92-B841-BA2AD1C73686}"/>
+              </a:ext>
+            </a:extLst>
+          </p:cNvPr>
+          <p:cNvSpPr>
+            <a:spLocks noGrp="1"/>
+          </p:cNvSpPr>
+          <p:nvPr>
+            <p:ph type="title"/>
+          </p:nvPr>
+        </p:nvSpPr>
+        <p:spPr/>
+        <p:txBody>
+          <a:bodyPr/>
+          <a:lstStyle/>
+          <a:p>
+            <a:r>
+              <a:rPr lang="fr-BE" dirty="0"/>
+              <a:t>Clé SSH</a:t>
+            </a:r>
+          </a:p>
+        </p:txBody>
+      </p:sp>
+      <p:sp>
+        <p:nvSpPr>
+          <p:cNvPr id="3" name="Espace réservé du contenu 2">
+            <a:extLst>
+              <a:ext uri="{FF2B5EF4-FFF2-40B4-BE49-F238E27FC236}">
+                <a16:creationId xmlns:a16="http://schemas.microsoft.com/office/drawing/2014/main" id="{AC7A9EDB-75BE-4457-919F-5303271D1359}"/>
+              </a:ext>
+            </a:extLst>
+          </p:cNvPr>
+          <p:cNvSpPr>
+            <a:spLocks noGrp="1"/>
+          </p:cNvSpPr>
+          <p:nvPr>
+            <p:ph idx="1"/>
+          </p:nvPr>
+        </p:nvSpPr>
+        <p:spPr/>
+        <p:txBody>
+          <a:bodyPr/>
+          <a:lstStyle/>
+          <a:p>
+            <a:r>
+              <a:rPr lang="fr-BE" dirty="0"/>
+              <a:t>Utilisation d’une clé </a:t>
+            </a:r>
+            <a:r>
+              <a:rPr lang="fr-BE" dirty="0" err="1"/>
+              <a:t>ssh</a:t>
+            </a:r>
+            <a:endParaRPr lang="fr-BE" dirty="0"/>
+          </a:p>
+          <a:p>
+            <a:r>
+              <a:rPr lang="fr-BE" dirty="0"/>
+              <a:t>Déploiement du code facilement</a:t>
+            </a:r>
+          </a:p>
+          <a:p>
+            <a:endParaRPr lang="fr-BE" dirty="0"/>
+          </a:p>
+        </p:txBody>
+      </p:sp>
+      <p:sp>
+        <p:nvSpPr>
+          <p:cNvPr id="4" name="Espace réservé du pied de page 3">
+            <a:extLst>
+              <a:ext uri="{FF2B5EF4-FFF2-40B4-BE49-F238E27FC236}">
+                <a16:creationId xmlns:a16="http://schemas.microsoft.com/office/drawing/2014/main" id="{B750A1C4-5042-4E65-870F-005A55A63AD9}"/>
+              </a:ext>
+            </a:extLst>
+          </p:cNvPr>
+          <p:cNvSpPr>
+            <a:spLocks noGrp="1"/>
+          </p:cNvSpPr>
+          <p:nvPr>
+            <p:ph type="ftr" sz="quarter" idx="11"/>
+          </p:nvPr>
+        </p:nvSpPr>
+        <p:spPr/>
+        <p:txBody>
+          <a:bodyPr/>
+          <a:lstStyle/>
+          <a:p>
+            <a:pPr>
+              <a:defRPr/>
+            </a:pPr>
+            <a:r>
+              <a:rPr lang="fr-FR"/>
+              <a:t>Adrien Huygens</a:t>
+            </a:r>
+            <a:endParaRPr lang="fr-FR" dirty="0"/>
+          </a:p>
+        </p:txBody>
+      </p:sp>
+      <p:sp>
+        <p:nvSpPr>
+          <p:cNvPr id="5" name="Espace réservé du numéro de diapositive 4">
+            <a:extLst>
+              <a:ext uri="{FF2B5EF4-FFF2-40B4-BE49-F238E27FC236}">
+                <a16:creationId xmlns:a16="http://schemas.microsoft.com/office/drawing/2014/main" id="{9E779BBE-6621-4722-A907-242BF79E1931}"/>
+              </a:ext>
+            </a:extLst>
+          </p:cNvPr>
+          <p:cNvSpPr>
+            <a:spLocks noGrp="1"/>
+          </p:cNvSpPr>
+          <p:nvPr>
+            <p:ph type="sldNum" sz="quarter" idx="12"/>
+          </p:nvPr>
+        </p:nvSpPr>
+        <p:spPr/>
+        <p:txBody>
+          <a:bodyPr/>
+          <a:lstStyle/>
+          <a:p>
+            <a:pPr>
+              <a:defRPr/>
+            </a:pPr>
+            <a:fld id="{37E4E265-2F72-DF4D-B77D-D3249BA76B9F}" type="slidenum">
+              <a:rPr lang="fr-FR" smtClean="0"/>
+              <a:pPr>
+                <a:defRPr/>
+              </a:pPr>
+              <a:t>65</a:t>
+            </a:fld>
+            <a:endParaRPr lang="fr-FR"/>
+          </a:p>
+        </p:txBody>
+      </p:sp>
+      <p:pic>
+        <p:nvPicPr>
+          <p:cNvPr id="1026" name="Picture 2" descr="communication SSH">
+            <a:extLst>
+              <a:ext uri="{FF2B5EF4-FFF2-40B4-BE49-F238E27FC236}">
+                <a16:creationId xmlns:a16="http://schemas.microsoft.com/office/drawing/2014/main" id="{059FC378-9DDF-44DB-BD4F-293A9DEA3661}"/>
+              </a:ext>
+            </a:extLst>
+          </p:cNvPr>
+          <p:cNvPicPr>
+            <a:picLocks noChangeAspect="1" noChangeArrowheads="1"/>
+          </p:cNvPicPr>
+          <p:nvPr/>
+        </p:nvPicPr>
+        <p:blipFill>
+          <a:blip r:embed="rId2" cstate="email">
+            <a:extLst>
+              <a:ext uri="{28A0092B-C50C-407E-A947-70E740481C1C}">
+                <a14:useLocalDpi xmlns:a14="http://schemas.microsoft.com/office/drawing/2010/main" val="0"/>
+              </a:ext>
+            </a:extLst>
+          </a:blip>
+          <a:srcRect/>
+          <a:stretch>
+            <a:fillRect/>
+          </a:stretch>
+        </p:blipFill>
+        <p:spPr bwMode="auto">
+          <a:xfrm>
+            <a:off x="803055" y="2514543"/>
+            <a:ext cx="7215530" cy="2024357"/>
+          </a:xfrm>
+          <a:prstGeom prst="rect">
+            <a:avLst/>
+          </a:prstGeom>
+          <a:noFill/>
+          <a:extLst>
+            <a:ext uri="{909E8E84-426E-40DD-AFC4-6F175D3DCCD1}">
+              <a14:hiddenFill xmlns:a14="http://schemas.microsoft.com/office/drawing/2010/main">
+                <a:solidFill>
+                  <a:srgbClr val="FFFFFF"/>
+                </a:solidFill>
+              </a14:hiddenFill>
+            </a:ext>
+          </a:extLst>
+        </p:spPr>
+      </p:pic>
+    </p:spTree>
+    <p:extLst>
+      <p:ext uri="{BB962C8B-B14F-4D97-AF65-F5344CB8AC3E}">
+        <p14:creationId xmlns:p14="http://schemas.microsoft.com/office/powerpoint/2010/main" val="2078495922"/>
+      </p:ext>
+    </p:extLst>
+  </p:cSld>
+  <p:clrMapOvr>
+    <a:masterClrMapping/>
+  </p:clrMapOvr>
+  <p:transition spd="slow">
+    <p:fade/>
+  </p:transition>
+</p:sld>
+</file>
+
+<file path=ppt/slides/slide66.xml><?xml version="1.0" encoding="utf-8"?>
+<p:sld xmlns:a="http://schemas.openxmlformats.org/drawingml/2006/main" xmlns:r="http://schemas.openxmlformats.org/officeDocument/2006/relationships" xmlns:p="http://schemas.openxmlformats.org/presentationml/2006/main">
+  <p:cSld>
+    <p:spTree>
+      <p:nvGrpSpPr>
+        <p:cNvPr id="1" name=""/>
+        <p:cNvGrpSpPr/>
+        <p:nvPr/>
+      </p:nvGrpSpPr>
+      <p:grpSpPr>
+        <a:xfrm>
+          <a:off x="0" y="0"/>
+          <a:ext cx="0" cy="0"/>
+          <a:chOff x="0" y="0"/>
+          <a:chExt cx="0" cy="0"/>
+        </a:xfrm>
+      </p:grpSpPr>
+      <p:sp>
+        <p:nvSpPr>
+          <p:cNvPr id="2" name="Titre 1">
+            <a:extLst>
+              <a:ext uri="{FF2B5EF4-FFF2-40B4-BE49-F238E27FC236}">
+                <a16:creationId xmlns:a16="http://schemas.microsoft.com/office/drawing/2014/main" id="{6C0F5BF6-4C49-4B70-8747-D5F19C2B00C8}"/>
+              </a:ext>
+            </a:extLst>
+          </p:cNvPr>
+          <p:cNvSpPr>
+            <a:spLocks noGrp="1"/>
+          </p:cNvSpPr>
+          <p:nvPr>
+            <p:ph type="title"/>
+          </p:nvPr>
+        </p:nvSpPr>
+        <p:spPr/>
+        <p:txBody>
+          <a:bodyPr/>
+          <a:lstStyle/>
+          <a:p>
+            <a:r>
+              <a:rPr lang="fr-BE" dirty="0"/>
+              <a:t>Création de la clé</a:t>
+            </a:r>
+          </a:p>
+        </p:txBody>
+      </p:sp>
+      <p:sp>
+        <p:nvSpPr>
+          <p:cNvPr id="3" name="Espace réservé du contenu 2">
+            <a:extLst>
+              <a:ext uri="{FF2B5EF4-FFF2-40B4-BE49-F238E27FC236}">
+                <a16:creationId xmlns:a16="http://schemas.microsoft.com/office/drawing/2014/main" id="{CB15402E-BCD3-4672-9E1F-8D4FE0D05C21}"/>
+              </a:ext>
+            </a:extLst>
+          </p:cNvPr>
+          <p:cNvSpPr>
+            <a:spLocks noGrp="1"/>
+          </p:cNvSpPr>
+          <p:nvPr>
+            <p:ph idx="1"/>
+          </p:nvPr>
+        </p:nvSpPr>
+        <p:spPr/>
+        <p:txBody>
+          <a:bodyPr/>
+          <a:lstStyle/>
+          <a:p>
+            <a:r>
+              <a:rPr lang="fr-BE" b="1" dirty="0" err="1"/>
+              <a:t>ssh</a:t>
+            </a:r>
+            <a:r>
+              <a:rPr lang="fr-BE" b="1" dirty="0"/>
+              <a:t>-keygen</a:t>
+            </a:r>
+          </a:p>
+          <a:p>
+            <a:endParaRPr lang="fr-BE" b="1" dirty="0"/>
+          </a:p>
+          <a:p>
+            <a:endParaRPr lang="fr-BE" b="1" dirty="0"/>
+          </a:p>
+          <a:p>
+            <a:endParaRPr lang="fr-BE" b="1" dirty="0"/>
+          </a:p>
+          <a:p>
+            <a:r>
+              <a:rPr lang="fr-BE" b="1" dirty="0"/>
+              <a:t>Ensuite rendez-vous sur votre profile d’application exemple sur </a:t>
+            </a:r>
+            <a:r>
+              <a:rPr lang="fr-BE" b="1" dirty="0" err="1"/>
+              <a:t>github</a:t>
+            </a:r>
+            <a:endParaRPr lang="fr-BE" b="1" dirty="0"/>
+          </a:p>
+          <a:p>
+            <a:pPr marL="0" indent="0">
+              <a:buNone/>
+            </a:pPr>
+            <a:endParaRPr lang="fr-BE" b="1" dirty="0"/>
+          </a:p>
+          <a:p>
+            <a:endParaRPr lang="fr-BE" dirty="0"/>
+          </a:p>
+        </p:txBody>
+      </p:sp>
+      <p:sp>
+        <p:nvSpPr>
+          <p:cNvPr id="4" name="Espace réservé du pied de page 3">
+            <a:extLst>
+              <a:ext uri="{FF2B5EF4-FFF2-40B4-BE49-F238E27FC236}">
+                <a16:creationId xmlns:a16="http://schemas.microsoft.com/office/drawing/2014/main" id="{12913D2A-9113-4146-B747-04E46043EC09}"/>
+              </a:ext>
+            </a:extLst>
+          </p:cNvPr>
+          <p:cNvSpPr>
+            <a:spLocks noGrp="1"/>
+          </p:cNvSpPr>
+          <p:nvPr>
+            <p:ph type="ftr" sz="quarter" idx="11"/>
+          </p:nvPr>
+        </p:nvSpPr>
+        <p:spPr/>
+        <p:txBody>
+          <a:bodyPr/>
+          <a:lstStyle/>
+          <a:p>
+            <a:pPr>
+              <a:defRPr/>
+            </a:pPr>
+            <a:r>
+              <a:rPr lang="fr-FR"/>
+              <a:t>Adrien Huygens</a:t>
+            </a:r>
+            <a:endParaRPr lang="fr-FR" dirty="0"/>
+          </a:p>
+        </p:txBody>
+      </p:sp>
+      <p:sp>
+        <p:nvSpPr>
+          <p:cNvPr id="5" name="Espace réservé du numéro de diapositive 4">
+            <a:extLst>
+              <a:ext uri="{FF2B5EF4-FFF2-40B4-BE49-F238E27FC236}">
+                <a16:creationId xmlns:a16="http://schemas.microsoft.com/office/drawing/2014/main" id="{832E0EA7-4149-4F9E-AA50-EFC0CCCC5FCE}"/>
+              </a:ext>
+            </a:extLst>
+          </p:cNvPr>
+          <p:cNvSpPr>
+            <a:spLocks noGrp="1"/>
+          </p:cNvSpPr>
+          <p:nvPr>
+            <p:ph type="sldNum" sz="quarter" idx="12"/>
+          </p:nvPr>
+        </p:nvSpPr>
+        <p:spPr/>
+        <p:txBody>
+          <a:bodyPr/>
+          <a:lstStyle/>
+          <a:p>
+            <a:pPr>
+              <a:defRPr/>
+            </a:pPr>
+            <a:fld id="{37E4E265-2F72-DF4D-B77D-D3249BA76B9F}" type="slidenum">
+              <a:rPr lang="fr-FR" smtClean="0"/>
+              <a:pPr>
+                <a:defRPr/>
+              </a:pPr>
+              <a:t>66</a:t>
+            </a:fld>
+            <a:endParaRPr lang="fr-FR"/>
+          </a:p>
+        </p:txBody>
+      </p:sp>
+      <p:pic>
+        <p:nvPicPr>
+          <p:cNvPr id="6" name="Image 5">
+            <a:extLst>
+              <a:ext uri="{FF2B5EF4-FFF2-40B4-BE49-F238E27FC236}">
+                <a16:creationId xmlns:a16="http://schemas.microsoft.com/office/drawing/2014/main" id="{4D6881DA-DB33-4723-A938-E01F3038C1B8}"/>
+              </a:ext>
+            </a:extLst>
+          </p:cNvPr>
+          <p:cNvPicPr>
+            <a:picLocks noChangeAspect="1"/>
+          </p:cNvPicPr>
+          <p:nvPr/>
+        </p:nvPicPr>
+        <p:blipFill>
+          <a:blip r:embed="rId2"/>
+          <a:stretch>
+            <a:fillRect/>
+          </a:stretch>
+        </p:blipFill>
+        <p:spPr>
+          <a:xfrm>
+            <a:off x="314454" y="1919949"/>
+            <a:ext cx="8047548" cy="1585626"/>
+          </a:xfrm>
+          <a:prstGeom prst="rect">
+            <a:avLst/>
+          </a:prstGeom>
+        </p:spPr>
+      </p:pic>
+    </p:spTree>
+    <p:extLst>
+      <p:ext uri="{BB962C8B-B14F-4D97-AF65-F5344CB8AC3E}">
+        <p14:creationId xmlns:p14="http://schemas.microsoft.com/office/powerpoint/2010/main" val="2155339643"/>
+      </p:ext>
+    </p:extLst>
+  </p:cSld>
+  <p:clrMapOvr>
+    <a:masterClrMapping/>
+  </p:clrMapOvr>
+  <p:transition spd="slow">
+    <p:fade/>
+  </p:transition>
+</p:sld>
+</file>
+
+<file path=ppt/slides/slide67.xml><?xml version="1.0" encoding="utf-8"?>
+<p:sld xmlns:a="http://schemas.openxmlformats.org/drawingml/2006/main" xmlns:r="http://schemas.openxmlformats.org/officeDocument/2006/relationships" xmlns:p="http://schemas.openxmlformats.org/presentationml/2006/main">
+  <p:cSld>
+    <p:spTree>
+      <p:nvGrpSpPr>
+        <p:cNvPr id="1" name=""/>
+        <p:cNvGrpSpPr/>
+        <p:nvPr/>
+      </p:nvGrpSpPr>
+      <p:grpSpPr>
+        <a:xfrm>
+          <a:off x="0" y="0"/>
+          <a:ext cx="0" cy="0"/>
+          <a:chOff x="0" y="0"/>
+          <a:chExt cx="0" cy="0"/>
+        </a:xfrm>
+      </p:grpSpPr>
+      <p:sp>
+        <p:nvSpPr>
+          <p:cNvPr id="2" name="Titre 1">
+            <a:extLst>
+              <a:ext uri="{FF2B5EF4-FFF2-40B4-BE49-F238E27FC236}">
+                <a16:creationId xmlns:a16="http://schemas.microsoft.com/office/drawing/2014/main" id="{037FD074-8A7D-4846-B115-E0ADD93B48D5}"/>
+              </a:ext>
+            </a:extLst>
+          </p:cNvPr>
+          <p:cNvSpPr>
+            <a:spLocks noGrp="1"/>
+          </p:cNvSpPr>
+          <p:nvPr>
+            <p:ph type="title"/>
+          </p:nvPr>
+        </p:nvSpPr>
+        <p:spPr/>
+        <p:txBody>
+          <a:bodyPr/>
+          <a:lstStyle/>
+          <a:p>
+            <a:r>
+              <a:rPr lang="fr-BE" dirty="0"/>
+              <a:t>Ajouter une clé </a:t>
+            </a:r>
+            <a:r>
+              <a:rPr lang="fr-BE" dirty="0" err="1"/>
+              <a:t>ssh</a:t>
+            </a:r>
+            <a:endParaRPr lang="fr-BE" dirty="0"/>
+          </a:p>
+        </p:txBody>
+      </p:sp>
+      <p:sp>
+        <p:nvSpPr>
+          <p:cNvPr id="3" name="Espace réservé du contenu 2">
+            <a:extLst>
+              <a:ext uri="{FF2B5EF4-FFF2-40B4-BE49-F238E27FC236}">
+                <a16:creationId xmlns:a16="http://schemas.microsoft.com/office/drawing/2014/main" id="{F25AED29-FC51-456E-9380-4C86D5B4898B}"/>
+              </a:ext>
+            </a:extLst>
+          </p:cNvPr>
+          <p:cNvSpPr>
+            <a:spLocks noGrp="1"/>
+          </p:cNvSpPr>
+          <p:nvPr>
+            <p:ph idx="1"/>
+          </p:nvPr>
+        </p:nvSpPr>
+        <p:spPr/>
+        <p:txBody>
+          <a:bodyPr/>
+          <a:lstStyle/>
+          <a:p>
+            <a:endParaRPr lang="fr-BE"/>
+          </a:p>
+        </p:txBody>
+      </p:sp>
+      <p:sp>
+        <p:nvSpPr>
+          <p:cNvPr id="4" name="Espace réservé du pied de page 3">
+            <a:extLst>
+              <a:ext uri="{FF2B5EF4-FFF2-40B4-BE49-F238E27FC236}">
+                <a16:creationId xmlns:a16="http://schemas.microsoft.com/office/drawing/2014/main" id="{65511D5A-8E6E-4FE5-B0E1-087FCFD102BE}"/>
+              </a:ext>
+            </a:extLst>
+          </p:cNvPr>
+          <p:cNvSpPr>
+            <a:spLocks noGrp="1"/>
+          </p:cNvSpPr>
+          <p:nvPr>
+            <p:ph type="ftr" sz="quarter" idx="11"/>
+          </p:nvPr>
+        </p:nvSpPr>
+        <p:spPr/>
+        <p:txBody>
+          <a:bodyPr/>
+          <a:lstStyle/>
+          <a:p>
+            <a:pPr>
+              <a:defRPr/>
+            </a:pPr>
+            <a:r>
+              <a:rPr lang="fr-FR"/>
+              <a:t>Adrien Huygens</a:t>
+            </a:r>
+            <a:endParaRPr lang="fr-FR" dirty="0"/>
+          </a:p>
+        </p:txBody>
+      </p:sp>
+      <p:sp>
+        <p:nvSpPr>
+          <p:cNvPr id="5" name="Espace réservé du numéro de diapositive 4">
+            <a:extLst>
+              <a:ext uri="{FF2B5EF4-FFF2-40B4-BE49-F238E27FC236}">
+                <a16:creationId xmlns:a16="http://schemas.microsoft.com/office/drawing/2014/main" id="{2893C3FD-0971-45DB-B32E-580A2DACD957}"/>
+              </a:ext>
+            </a:extLst>
+          </p:cNvPr>
+          <p:cNvSpPr>
+            <a:spLocks noGrp="1"/>
+          </p:cNvSpPr>
+          <p:nvPr>
+            <p:ph type="sldNum" sz="quarter" idx="12"/>
+          </p:nvPr>
+        </p:nvSpPr>
+        <p:spPr/>
+        <p:txBody>
+          <a:bodyPr/>
+          <a:lstStyle/>
+          <a:p>
+            <a:pPr>
+              <a:defRPr/>
+            </a:pPr>
+            <a:fld id="{37E4E265-2F72-DF4D-B77D-D3249BA76B9F}" type="slidenum">
+              <a:rPr lang="fr-FR" smtClean="0"/>
+              <a:pPr>
+                <a:defRPr/>
+              </a:pPr>
+              <a:t>67</a:t>
+            </a:fld>
+            <a:endParaRPr lang="fr-FR"/>
+          </a:p>
+        </p:txBody>
+      </p:sp>
+      <p:pic>
+        <p:nvPicPr>
+          <p:cNvPr id="2050" name="Picture 2" descr="settings ssh github">
+            <a:extLst>
+              <a:ext uri="{FF2B5EF4-FFF2-40B4-BE49-F238E27FC236}">
+                <a16:creationId xmlns:a16="http://schemas.microsoft.com/office/drawing/2014/main" id="{C66818D3-A206-4154-BC24-B9BDF88CBF63}"/>
+              </a:ext>
+            </a:extLst>
+          </p:cNvPr>
+          <p:cNvPicPr>
+            <a:picLocks noChangeAspect="1" noChangeArrowheads="1"/>
+          </p:cNvPicPr>
+          <p:nvPr/>
+        </p:nvPicPr>
+        <p:blipFill>
+          <a:blip r:embed="rId2" cstate="email">
+            <a:extLst>
+              <a:ext uri="{28A0092B-C50C-407E-A947-70E740481C1C}">
+                <a14:useLocalDpi xmlns:a14="http://schemas.microsoft.com/office/drawing/2010/main" val="0"/>
+              </a:ext>
+            </a:extLst>
+          </a:blip>
+          <a:srcRect/>
+          <a:stretch>
+            <a:fillRect/>
+          </a:stretch>
+        </p:blipFill>
+        <p:spPr bwMode="auto">
+          <a:xfrm>
+            <a:off x="0" y="1163543"/>
+            <a:ext cx="9144000" cy="5105400"/>
+          </a:xfrm>
+          <a:prstGeom prst="rect">
+            <a:avLst/>
+          </a:prstGeom>
+          <a:noFill/>
+          <a:extLst>
+            <a:ext uri="{909E8E84-426E-40DD-AFC4-6F175D3DCCD1}">
+              <a14:hiddenFill xmlns:a14="http://schemas.microsoft.com/office/drawing/2010/main">
+                <a:solidFill>
+                  <a:srgbClr val="FFFFFF"/>
+                </a:solidFill>
+              </a14:hiddenFill>
+            </a:ext>
+          </a:extLst>
+        </p:spPr>
+      </p:pic>
+    </p:spTree>
+    <p:extLst>
+      <p:ext uri="{BB962C8B-B14F-4D97-AF65-F5344CB8AC3E}">
+        <p14:creationId xmlns:p14="http://schemas.microsoft.com/office/powerpoint/2010/main" val="110227797"/>
+      </p:ext>
+    </p:extLst>
+  </p:cSld>
+  <p:clrMapOvr>
+    <a:masterClrMapping/>
+  </p:clrMapOvr>
+  <p:transition spd="slow">
+    <p:fade/>
+  </p:transition>
+</p:sld>
+</file>
+
+<file path=ppt/slides/slide68.xml><?xml version="1.0" encoding="utf-8"?>
+<p:sld xmlns:a="http://schemas.openxmlformats.org/drawingml/2006/main" xmlns:r="http://schemas.openxmlformats.org/officeDocument/2006/relationships" xmlns:p="http://schemas.openxmlformats.org/presentationml/2006/main">
+  <p:cSld>
+    <p:spTree>
+      <p:nvGrpSpPr>
+        <p:cNvPr id="1" name=""/>
+        <p:cNvGrpSpPr/>
+        <p:nvPr/>
+      </p:nvGrpSpPr>
+      <p:grpSpPr>
+        <a:xfrm>
+          <a:off x="0" y="0"/>
+          <a:ext cx="0" cy="0"/>
+          <a:chOff x="0" y="0"/>
+          <a:chExt cx="0" cy="0"/>
+        </a:xfrm>
+      </p:grpSpPr>
+      <p:sp>
+        <p:nvSpPr>
+          <p:cNvPr id="2" name="Titre 1">
+            <a:extLst>
+              <a:ext uri="{FF2B5EF4-FFF2-40B4-BE49-F238E27FC236}">
+                <a16:creationId xmlns:a16="http://schemas.microsoft.com/office/drawing/2014/main" id="{CD888CD3-91A5-4C88-95C5-BF88F8F1933A}"/>
+              </a:ext>
+            </a:extLst>
+          </p:cNvPr>
+          <p:cNvSpPr>
+            <a:spLocks noGrp="1"/>
+          </p:cNvSpPr>
+          <p:nvPr>
+            <p:ph type="title"/>
+          </p:nvPr>
+        </p:nvSpPr>
+        <p:spPr/>
+        <p:txBody>
+          <a:bodyPr/>
+          <a:lstStyle/>
+          <a:p>
+            <a:r>
+              <a:rPr lang="fr-BE" dirty="0"/>
+              <a:t>Test en clonant un </a:t>
+            </a:r>
+            <a:r>
+              <a:rPr lang="fr-BE" dirty="0" err="1"/>
+              <a:t>Dépot</a:t>
+            </a:r>
+            <a:endParaRPr lang="fr-BE" dirty="0"/>
+          </a:p>
+        </p:txBody>
+      </p:sp>
+      <p:sp>
+        <p:nvSpPr>
+          <p:cNvPr id="4" name="Espace réservé du pied de page 3">
+            <a:extLst>
+              <a:ext uri="{FF2B5EF4-FFF2-40B4-BE49-F238E27FC236}">
+                <a16:creationId xmlns:a16="http://schemas.microsoft.com/office/drawing/2014/main" id="{9894FDD6-FF25-4FAA-9527-E0B331869224}"/>
+              </a:ext>
+            </a:extLst>
+          </p:cNvPr>
+          <p:cNvSpPr>
+            <a:spLocks noGrp="1"/>
+          </p:cNvSpPr>
+          <p:nvPr>
+            <p:ph type="ftr" sz="quarter" idx="11"/>
+          </p:nvPr>
+        </p:nvSpPr>
+        <p:spPr/>
+        <p:txBody>
+          <a:bodyPr/>
+          <a:lstStyle/>
+          <a:p>
+            <a:pPr>
+              <a:defRPr/>
+            </a:pPr>
+            <a:r>
+              <a:rPr lang="fr-FR"/>
+              <a:t>Adrien Huygens</a:t>
+            </a:r>
+            <a:endParaRPr lang="fr-FR" dirty="0"/>
+          </a:p>
+        </p:txBody>
+      </p:sp>
+      <p:sp>
+        <p:nvSpPr>
+          <p:cNvPr id="5" name="Espace réservé du numéro de diapositive 4">
+            <a:extLst>
+              <a:ext uri="{FF2B5EF4-FFF2-40B4-BE49-F238E27FC236}">
+                <a16:creationId xmlns:a16="http://schemas.microsoft.com/office/drawing/2014/main" id="{662D881A-91B1-48DB-919B-5242C8C910C9}"/>
+              </a:ext>
+            </a:extLst>
+          </p:cNvPr>
+          <p:cNvSpPr>
+            <a:spLocks noGrp="1"/>
+          </p:cNvSpPr>
+          <p:nvPr>
+            <p:ph type="sldNum" sz="quarter" idx="12"/>
+          </p:nvPr>
+        </p:nvSpPr>
+        <p:spPr/>
+        <p:txBody>
+          <a:bodyPr/>
+          <a:lstStyle/>
+          <a:p>
+            <a:pPr>
+              <a:defRPr/>
+            </a:pPr>
+            <a:fld id="{37E4E265-2F72-DF4D-B77D-D3249BA76B9F}" type="slidenum">
+              <a:rPr lang="fr-FR" smtClean="0"/>
+              <a:pPr>
+                <a:defRPr/>
+              </a:pPr>
+              <a:t>68</a:t>
+            </a:fld>
+            <a:endParaRPr lang="fr-FR"/>
+          </a:p>
+        </p:txBody>
+      </p:sp>
+      <p:pic>
+        <p:nvPicPr>
+          <p:cNvPr id="3074" name="Picture 2" descr="cloner un dépôt git en ssh">
+            <a:extLst>
+              <a:ext uri="{FF2B5EF4-FFF2-40B4-BE49-F238E27FC236}">
+                <a16:creationId xmlns:a16="http://schemas.microsoft.com/office/drawing/2014/main" id="{491D8AE2-3D06-4130-A0E9-B25D52C52775}"/>
+              </a:ext>
+            </a:extLst>
+          </p:cNvPr>
+          <p:cNvPicPr>
+            <a:picLocks noGrp="1" noChangeAspect="1" noChangeArrowheads="1"/>
+          </p:cNvPicPr>
+          <p:nvPr>
+            <p:ph idx="1"/>
+          </p:nvPr>
+        </p:nvPicPr>
+        <p:blipFill>
+          <a:blip r:embed="rId2" cstate="email">
+            <a:extLst>
+              <a:ext uri="{28A0092B-C50C-407E-A947-70E740481C1C}">
+                <a14:useLocalDpi xmlns:a14="http://schemas.microsoft.com/office/drawing/2010/main" val="0"/>
+              </a:ext>
+            </a:extLst>
+          </a:blip>
+          <a:srcRect/>
+          <a:stretch>
+            <a:fillRect/>
+          </a:stretch>
+        </p:blipFill>
+        <p:spPr bwMode="auto">
+          <a:xfrm>
+            <a:off x="700703" y="1306513"/>
+            <a:ext cx="7742593" cy="4819650"/>
+          </a:xfrm>
+          <a:prstGeom prst="rect">
+            <a:avLst/>
+          </a:prstGeom>
+          <a:noFill/>
+          <a:extLst>
+            <a:ext uri="{909E8E84-426E-40DD-AFC4-6F175D3DCCD1}">
+              <a14:hiddenFill xmlns:a14="http://schemas.microsoft.com/office/drawing/2010/main">
+                <a:solidFill>
+                  <a:srgbClr val="FFFFFF"/>
+                </a:solidFill>
+              </a14:hiddenFill>
+            </a:ext>
+          </a:extLst>
+        </p:spPr>
+      </p:pic>
+    </p:spTree>
+    <p:extLst>
+      <p:ext uri="{BB962C8B-B14F-4D97-AF65-F5344CB8AC3E}">
+        <p14:creationId xmlns:p14="http://schemas.microsoft.com/office/powerpoint/2010/main" val="4216924616"/>
+      </p:ext>
+    </p:extLst>
+  </p:cSld>
+  <p:clrMapOvr>
+    <a:masterClrMapping/>
+  </p:clrMapOvr>
+  <p:transition spd="slow">
+    <p:fade/>
+  </p:transition>
+</p:sld>
+</file>
+
+<file path=ppt/slides/slide69.xml><?xml version="1.0" encoding="utf-8"?>
+<p:sld xmlns:a="http://schemas.openxmlformats.org/drawingml/2006/main" xmlns:r="http://schemas.openxmlformats.org/officeDocument/2006/relationships" xmlns:p="http://schemas.openxmlformats.org/presentationml/2006/main">
+  <p:cSld>
+    <p:spTree>
+      <p:nvGrpSpPr>
+        <p:cNvPr id="1" name=""/>
+        <p:cNvGrpSpPr/>
+        <p:nvPr/>
+      </p:nvGrpSpPr>
+      <p:grpSpPr>
+        <a:xfrm>
+          <a:off x="0" y="0"/>
+          <a:ext cx="0" cy="0"/>
+          <a:chOff x="0" y="0"/>
+          <a:chExt cx="0" cy="0"/>
+        </a:xfrm>
+      </p:grpSpPr>
+      <p:sp>
+        <p:nvSpPr>
+          <p:cNvPr id="2" name="Titre 1">
+            <a:extLst>
+              <a:ext uri="{FF2B5EF4-FFF2-40B4-BE49-F238E27FC236}">
+                <a16:creationId xmlns:a16="http://schemas.microsoft.com/office/drawing/2014/main" id="{94EC1625-59F0-4B6D-98D5-9E5FB043BA74}"/>
+              </a:ext>
+            </a:extLst>
+          </p:cNvPr>
+          <p:cNvSpPr>
+            <a:spLocks noGrp="1"/>
+          </p:cNvSpPr>
+          <p:nvPr>
+            <p:ph type="title"/>
+          </p:nvPr>
+        </p:nvSpPr>
+        <p:spPr/>
+        <p:txBody>
+          <a:bodyPr/>
+          <a:lstStyle/>
+          <a:p>
+            <a:r>
+              <a:rPr lang="fr-BE" dirty="0"/>
+              <a:t>workflow Git</a:t>
+            </a:r>
+          </a:p>
+        </p:txBody>
+      </p:sp>
+      <p:sp>
+        <p:nvSpPr>
+          <p:cNvPr id="3" name="Espace réservé du contenu 2">
+            <a:extLst>
+              <a:ext uri="{FF2B5EF4-FFF2-40B4-BE49-F238E27FC236}">
+                <a16:creationId xmlns:a16="http://schemas.microsoft.com/office/drawing/2014/main" id="{C708EB18-1110-4437-88B2-5B2E4FE48850}"/>
+              </a:ext>
+            </a:extLst>
+          </p:cNvPr>
+          <p:cNvSpPr>
+            <a:spLocks noGrp="1"/>
+          </p:cNvSpPr>
+          <p:nvPr>
+            <p:ph idx="1"/>
+          </p:nvPr>
+        </p:nvSpPr>
+        <p:spPr/>
+        <p:txBody>
+          <a:bodyPr/>
+          <a:lstStyle/>
+          <a:p>
+            <a:pPr marL="971550" lvl="1" indent="-514350">
+              <a:buAutoNum type="arabicParenR"/>
+            </a:pPr>
+            <a:r>
+              <a:rPr lang="fr-BE" dirty="0"/>
+              <a:t>Déterminer les besoin</a:t>
+            </a:r>
+          </a:p>
+          <a:p>
+            <a:pPr marL="1371600" lvl="2" indent="-514350">
+              <a:buAutoNum type="arabicParenR"/>
+            </a:pPr>
+            <a:r>
+              <a:rPr lang="fr-BE" dirty="0"/>
+              <a:t>La manière dont on veux coder</a:t>
+            </a:r>
+          </a:p>
+          <a:p>
+            <a:pPr marL="1371600" lvl="2" indent="-514350">
+              <a:buAutoNum type="arabicParenR"/>
+            </a:pPr>
+            <a:r>
+              <a:rPr lang="fr-BE" dirty="0"/>
+              <a:t>Tester les nouvelles fonctionnalité avant la mise en production?</a:t>
+            </a:r>
+          </a:p>
+          <a:p>
+            <a:pPr marL="1371600" lvl="2" indent="-514350">
+              <a:buAutoNum type="arabicParenR"/>
+            </a:pPr>
+            <a:r>
+              <a:rPr lang="fr-BE" dirty="0"/>
+              <a:t>Gestion des urgences ?</a:t>
+            </a:r>
+          </a:p>
+          <a:p>
+            <a:pPr marL="1371600" lvl="2" indent="-514350">
+              <a:buAutoNum type="arabicParenR"/>
+            </a:pPr>
+            <a:r>
+              <a:rPr lang="fr-BE" dirty="0"/>
+              <a:t>Livraison continue </a:t>
+            </a:r>
+          </a:p>
+          <a:p>
+            <a:pPr marL="1371600" lvl="2" indent="-514350">
+              <a:buAutoNum type="arabicParenR"/>
+            </a:pPr>
+            <a:r>
+              <a:rPr lang="fr-BE" dirty="0"/>
+              <a:t>Release maîtrisé </a:t>
+            </a:r>
+          </a:p>
+          <a:p>
+            <a:pPr marL="1371600" lvl="2" indent="-514350">
+              <a:buAutoNum type="arabicParenR"/>
+            </a:pPr>
+            <a:r>
+              <a:rPr lang="fr-BE" dirty="0"/>
+              <a:t>Nombre de machine disponible </a:t>
+            </a:r>
+          </a:p>
+          <a:p>
+            <a:pPr marL="1371600" lvl="2" indent="-514350">
+              <a:buAutoNum type="arabicParenR"/>
+            </a:pPr>
+            <a:r>
+              <a:rPr lang="fr-BE" dirty="0"/>
+              <a:t>Quel architecture de test </a:t>
+            </a:r>
+          </a:p>
+          <a:p>
+            <a:pPr marL="971550" lvl="1" indent="-514350">
+              <a:buAutoNum type="arabicParenR"/>
+            </a:pPr>
+            <a:r>
+              <a:rPr lang="fr-BE" dirty="0"/>
+              <a:t>Voici un exemple de workflow, ils sont personnalisable au besoin.</a:t>
+            </a:r>
+          </a:p>
+          <a:p>
+            <a:pPr marL="857250" lvl="2" indent="0">
+              <a:buNone/>
+            </a:pPr>
+            <a:endParaRPr lang="fr-BE" dirty="0"/>
+          </a:p>
+        </p:txBody>
+      </p:sp>
+      <p:sp>
+        <p:nvSpPr>
+          <p:cNvPr id="4" name="Espace réservé du pied de page 3">
+            <a:extLst>
+              <a:ext uri="{FF2B5EF4-FFF2-40B4-BE49-F238E27FC236}">
+                <a16:creationId xmlns:a16="http://schemas.microsoft.com/office/drawing/2014/main" id="{D447326F-3CA7-4797-8279-34D3A406A5D5}"/>
+              </a:ext>
+            </a:extLst>
+          </p:cNvPr>
+          <p:cNvSpPr>
+            <a:spLocks noGrp="1"/>
+          </p:cNvSpPr>
+          <p:nvPr>
+            <p:ph type="ftr" sz="quarter" idx="11"/>
+          </p:nvPr>
+        </p:nvSpPr>
+        <p:spPr/>
+        <p:txBody>
+          <a:bodyPr/>
+          <a:lstStyle/>
+          <a:p>
+            <a:pPr>
+              <a:defRPr/>
+            </a:pPr>
+            <a:r>
+              <a:rPr lang="fr-FR"/>
+              <a:t>Adrien Huygens</a:t>
+            </a:r>
+            <a:endParaRPr lang="fr-FR" dirty="0"/>
+          </a:p>
+        </p:txBody>
+      </p:sp>
+      <p:sp>
+        <p:nvSpPr>
+          <p:cNvPr id="5" name="Espace réservé du numéro de diapositive 4">
+            <a:extLst>
+              <a:ext uri="{FF2B5EF4-FFF2-40B4-BE49-F238E27FC236}">
+                <a16:creationId xmlns:a16="http://schemas.microsoft.com/office/drawing/2014/main" id="{6BD720E2-BDB4-4010-9123-A3A346D16EE8}"/>
+              </a:ext>
+            </a:extLst>
+          </p:cNvPr>
+          <p:cNvSpPr>
+            <a:spLocks noGrp="1"/>
+          </p:cNvSpPr>
+          <p:nvPr>
+            <p:ph type="sldNum" sz="quarter" idx="12"/>
+          </p:nvPr>
+        </p:nvSpPr>
+        <p:spPr/>
+        <p:txBody>
+          <a:bodyPr/>
+          <a:lstStyle/>
+          <a:p>
+            <a:pPr>
+              <a:defRPr/>
+            </a:pPr>
+            <a:fld id="{37E4E265-2F72-DF4D-B77D-D3249BA76B9F}" type="slidenum">
+              <a:rPr lang="fr-FR" smtClean="0"/>
+              <a:pPr>
+                <a:defRPr/>
+              </a:pPr>
+              <a:t>69</a:t>
+            </a:fld>
+            <a:endParaRPr lang="fr-FR"/>
+          </a:p>
+        </p:txBody>
+      </p:sp>
+    </p:spTree>
+    <p:extLst>
+      <p:ext uri="{BB962C8B-B14F-4D97-AF65-F5344CB8AC3E}">
+        <p14:creationId xmlns:p14="http://schemas.microsoft.com/office/powerpoint/2010/main" val="4282283509"/>
+      </p:ext>
+    </p:extLst>
+  </p:cSld>
+  <p:clrMapOvr>
+    <a:masterClrMapping/>
+  </p:clrMapOvr>
+  <p:transition spd="slow">
+    <p:fade/>
+  </p:transition>
+</p:sld>
+</file>
+
 <file path=ppt/slides/slide7.xml><?xml version="1.0" encoding="utf-8"?>
 <p:sld xmlns:a="http://schemas.openxmlformats.org/drawingml/2006/main" xmlns:r="http://schemas.openxmlformats.org/officeDocument/2006/relationships" xmlns:p="http://schemas.openxmlformats.org/presentationml/2006/main">
   <p:cSld>
@@ -21464,6 +24412,2313 @@
     <p:extLst>
       <p:ext uri="{BB962C8B-B14F-4D97-AF65-F5344CB8AC3E}">
         <p14:creationId xmlns:p14="http://schemas.microsoft.com/office/powerpoint/2010/main" val="170336399"/>
+      </p:ext>
+    </p:extLst>
+  </p:cSld>
+  <p:clrMapOvr>
+    <a:masterClrMapping/>
+  </p:clrMapOvr>
+  <p:transition spd="slow">
+    <p:fade/>
+  </p:transition>
+</p:sld>
+</file>
+
+<file path=ppt/slides/slide70.xml><?xml version="1.0" encoding="utf-8"?>
+<p:sld xmlns:a="http://schemas.openxmlformats.org/drawingml/2006/main" xmlns:r="http://schemas.openxmlformats.org/officeDocument/2006/relationships" xmlns:p="http://schemas.openxmlformats.org/presentationml/2006/main">
+  <p:cSld>
+    <p:spTree>
+      <p:nvGrpSpPr>
+        <p:cNvPr id="1" name=""/>
+        <p:cNvGrpSpPr/>
+        <p:nvPr/>
+      </p:nvGrpSpPr>
+      <p:grpSpPr>
+        <a:xfrm>
+          <a:off x="0" y="0"/>
+          <a:ext cx="0" cy="0"/>
+          <a:chOff x="0" y="0"/>
+          <a:chExt cx="0" cy="0"/>
+        </a:xfrm>
+      </p:grpSpPr>
+      <p:sp>
+        <p:nvSpPr>
+          <p:cNvPr id="2" name="Titre 1">
+            <a:extLst>
+              <a:ext uri="{FF2B5EF4-FFF2-40B4-BE49-F238E27FC236}">
+                <a16:creationId xmlns:a16="http://schemas.microsoft.com/office/drawing/2014/main" id="{E36D86ED-AA71-4775-81E7-234AE3D50C03}"/>
+              </a:ext>
+            </a:extLst>
+          </p:cNvPr>
+          <p:cNvSpPr>
+            <a:spLocks noGrp="1"/>
+          </p:cNvSpPr>
+          <p:nvPr>
+            <p:ph type="title"/>
+          </p:nvPr>
+        </p:nvSpPr>
+        <p:spPr/>
+        <p:txBody>
+          <a:bodyPr/>
+          <a:lstStyle/>
+          <a:p>
+            <a:r>
+              <a:rPr lang="fr-BE" dirty="0"/>
+              <a:t>Git flow</a:t>
+            </a:r>
+          </a:p>
+        </p:txBody>
+      </p:sp>
+      <p:sp>
+        <p:nvSpPr>
+          <p:cNvPr id="3" name="Espace réservé du contenu 2">
+            <a:extLst>
+              <a:ext uri="{FF2B5EF4-FFF2-40B4-BE49-F238E27FC236}">
+                <a16:creationId xmlns:a16="http://schemas.microsoft.com/office/drawing/2014/main" id="{5F58F33A-BCE0-40CA-B2BA-E49C5FF58585}"/>
+              </a:ext>
+            </a:extLst>
+          </p:cNvPr>
+          <p:cNvSpPr>
+            <a:spLocks noGrp="1"/>
+          </p:cNvSpPr>
+          <p:nvPr>
+            <p:ph idx="1"/>
+          </p:nvPr>
+        </p:nvSpPr>
+        <p:spPr/>
+        <p:txBody>
+          <a:bodyPr/>
+          <a:lstStyle/>
+          <a:p>
+            <a:r>
+              <a:rPr lang="fr-BE" dirty="0"/>
+              <a:t>Abstraction d'un workflow Git</a:t>
+            </a:r>
+          </a:p>
+          <a:p>
+            <a:r>
+              <a:rPr lang="fr-FR" dirty="0"/>
+              <a:t> le plus populaire des workflows git</a:t>
+            </a:r>
+          </a:p>
+          <a:p>
+            <a:r>
+              <a:rPr lang="fr-FR" dirty="0"/>
+              <a:t>Intéressant pour des équipes grandissante </a:t>
+            </a:r>
+          </a:p>
+          <a:p>
+            <a:r>
+              <a:rPr lang="fr-FR" dirty="0"/>
+              <a:t>Méthode Agile</a:t>
+            </a:r>
+          </a:p>
+          <a:p>
+            <a:r>
+              <a:rPr lang="fr-FR" dirty="0"/>
+              <a:t>Livraison continue </a:t>
+            </a:r>
+            <a:endParaRPr lang="fr-BE" dirty="0"/>
+          </a:p>
+        </p:txBody>
+      </p:sp>
+      <p:sp>
+        <p:nvSpPr>
+          <p:cNvPr id="4" name="Espace réservé du pied de page 3">
+            <a:extLst>
+              <a:ext uri="{FF2B5EF4-FFF2-40B4-BE49-F238E27FC236}">
+                <a16:creationId xmlns:a16="http://schemas.microsoft.com/office/drawing/2014/main" id="{41430FF4-2E45-4C1C-97B4-88B17C84491D}"/>
+              </a:ext>
+            </a:extLst>
+          </p:cNvPr>
+          <p:cNvSpPr>
+            <a:spLocks noGrp="1"/>
+          </p:cNvSpPr>
+          <p:nvPr>
+            <p:ph type="ftr" sz="quarter" idx="11"/>
+          </p:nvPr>
+        </p:nvSpPr>
+        <p:spPr/>
+        <p:txBody>
+          <a:bodyPr/>
+          <a:lstStyle/>
+          <a:p>
+            <a:pPr>
+              <a:defRPr/>
+            </a:pPr>
+            <a:r>
+              <a:rPr lang="fr-FR"/>
+              <a:t>Adrien Huygens</a:t>
+            </a:r>
+            <a:endParaRPr lang="fr-FR" dirty="0"/>
+          </a:p>
+        </p:txBody>
+      </p:sp>
+      <p:sp>
+        <p:nvSpPr>
+          <p:cNvPr id="5" name="Espace réservé du numéro de diapositive 4">
+            <a:extLst>
+              <a:ext uri="{FF2B5EF4-FFF2-40B4-BE49-F238E27FC236}">
+                <a16:creationId xmlns:a16="http://schemas.microsoft.com/office/drawing/2014/main" id="{E37FBEB0-AE3B-450F-9EFF-7BAE57A68568}"/>
+              </a:ext>
+            </a:extLst>
+          </p:cNvPr>
+          <p:cNvSpPr>
+            <a:spLocks noGrp="1"/>
+          </p:cNvSpPr>
+          <p:nvPr>
+            <p:ph type="sldNum" sz="quarter" idx="12"/>
+          </p:nvPr>
+        </p:nvSpPr>
+        <p:spPr/>
+        <p:txBody>
+          <a:bodyPr/>
+          <a:lstStyle/>
+          <a:p>
+            <a:pPr>
+              <a:defRPr/>
+            </a:pPr>
+            <a:fld id="{37E4E265-2F72-DF4D-B77D-D3249BA76B9F}" type="slidenum">
+              <a:rPr lang="fr-FR" smtClean="0"/>
+              <a:pPr>
+                <a:defRPr/>
+              </a:pPr>
+              <a:t>70</a:t>
+            </a:fld>
+            <a:endParaRPr lang="fr-FR"/>
+          </a:p>
+        </p:txBody>
+      </p:sp>
+    </p:spTree>
+    <p:extLst>
+      <p:ext uri="{BB962C8B-B14F-4D97-AF65-F5344CB8AC3E}">
+        <p14:creationId xmlns:p14="http://schemas.microsoft.com/office/powerpoint/2010/main" val="3779889823"/>
+      </p:ext>
+    </p:extLst>
+  </p:cSld>
+  <p:clrMapOvr>
+    <a:masterClrMapping/>
+  </p:clrMapOvr>
+  <p:transition spd="slow">
+    <p:fade/>
+  </p:transition>
+</p:sld>
+</file>
+
+<file path=ppt/slides/slide71.xml><?xml version="1.0" encoding="utf-8"?>
+<p:sld xmlns:a="http://schemas.openxmlformats.org/drawingml/2006/main" xmlns:r="http://schemas.openxmlformats.org/officeDocument/2006/relationships" xmlns:p="http://schemas.openxmlformats.org/presentationml/2006/main">
+  <p:cSld>
+    <p:spTree>
+      <p:nvGrpSpPr>
+        <p:cNvPr id="1" name=""/>
+        <p:cNvGrpSpPr/>
+        <p:nvPr/>
+      </p:nvGrpSpPr>
+      <p:grpSpPr>
+        <a:xfrm>
+          <a:off x="0" y="0"/>
+          <a:ext cx="0" cy="0"/>
+          <a:chOff x="0" y="0"/>
+          <a:chExt cx="0" cy="0"/>
+        </a:xfrm>
+      </p:grpSpPr>
+      <p:sp>
+        <p:nvSpPr>
+          <p:cNvPr id="2" name="Titre 1">
+            <a:extLst>
+              <a:ext uri="{FF2B5EF4-FFF2-40B4-BE49-F238E27FC236}">
+                <a16:creationId xmlns:a16="http://schemas.microsoft.com/office/drawing/2014/main" id="{E36D86ED-AA71-4775-81E7-234AE3D50C03}"/>
+              </a:ext>
+            </a:extLst>
+          </p:cNvPr>
+          <p:cNvSpPr>
+            <a:spLocks noGrp="1"/>
+          </p:cNvSpPr>
+          <p:nvPr>
+            <p:ph type="title"/>
+          </p:nvPr>
+        </p:nvSpPr>
+        <p:spPr/>
+        <p:txBody>
+          <a:bodyPr/>
+          <a:lstStyle/>
+          <a:p>
+            <a:r>
+              <a:rPr lang="fr-BE" dirty="0"/>
+              <a:t>Git flow</a:t>
+            </a:r>
+          </a:p>
+        </p:txBody>
+      </p:sp>
+      <p:sp>
+        <p:nvSpPr>
+          <p:cNvPr id="3" name="Espace réservé du contenu 2">
+            <a:extLst>
+              <a:ext uri="{FF2B5EF4-FFF2-40B4-BE49-F238E27FC236}">
+                <a16:creationId xmlns:a16="http://schemas.microsoft.com/office/drawing/2014/main" id="{5F58F33A-BCE0-40CA-B2BA-E49C5FF58585}"/>
+              </a:ext>
+            </a:extLst>
+          </p:cNvPr>
+          <p:cNvSpPr>
+            <a:spLocks noGrp="1"/>
+          </p:cNvSpPr>
+          <p:nvPr>
+            <p:ph idx="1"/>
+          </p:nvPr>
+        </p:nvSpPr>
+        <p:spPr>
+          <a:xfrm>
+            <a:off x="511700" y="1306874"/>
+            <a:ext cx="8229600" cy="4819839"/>
+          </a:xfrm>
+        </p:spPr>
+        <p:txBody>
+          <a:bodyPr/>
+          <a:lstStyle/>
+          <a:p>
+            <a:r>
+              <a:rPr lang="fr-BE" dirty="0"/>
+              <a:t>2 Branches principales</a:t>
+            </a:r>
+          </a:p>
+          <a:p>
+            <a:pPr lvl="1"/>
+            <a:r>
+              <a:rPr lang="fr-BE" dirty="0"/>
+              <a:t>Master </a:t>
+            </a:r>
+          </a:p>
+          <a:p>
+            <a:pPr lvl="1"/>
+            <a:r>
+              <a:rPr lang="fr-BE" dirty="0" err="1"/>
+              <a:t>Develop</a:t>
+            </a:r>
+            <a:r>
+              <a:rPr lang="fr-BE" dirty="0"/>
+              <a:t>: branche ou part tous les développeur</a:t>
+            </a:r>
+          </a:p>
+          <a:p>
+            <a:pPr marL="457200" lvl="1" indent="0">
+              <a:buNone/>
+            </a:pPr>
+            <a:r>
+              <a:rPr lang="fr-BE" dirty="0"/>
+              <a:t>	</a:t>
+            </a:r>
+          </a:p>
+        </p:txBody>
+      </p:sp>
+      <p:sp>
+        <p:nvSpPr>
+          <p:cNvPr id="4" name="Espace réservé du pied de page 3">
+            <a:extLst>
+              <a:ext uri="{FF2B5EF4-FFF2-40B4-BE49-F238E27FC236}">
+                <a16:creationId xmlns:a16="http://schemas.microsoft.com/office/drawing/2014/main" id="{41430FF4-2E45-4C1C-97B4-88B17C84491D}"/>
+              </a:ext>
+            </a:extLst>
+          </p:cNvPr>
+          <p:cNvSpPr>
+            <a:spLocks noGrp="1"/>
+          </p:cNvSpPr>
+          <p:nvPr>
+            <p:ph type="ftr" sz="quarter" idx="11"/>
+          </p:nvPr>
+        </p:nvSpPr>
+        <p:spPr/>
+        <p:txBody>
+          <a:bodyPr/>
+          <a:lstStyle/>
+          <a:p>
+            <a:pPr>
+              <a:defRPr/>
+            </a:pPr>
+            <a:r>
+              <a:rPr lang="fr-FR"/>
+              <a:t>Adrien Huygens</a:t>
+            </a:r>
+            <a:endParaRPr lang="fr-FR" dirty="0"/>
+          </a:p>
+        </p:txBody>
+      </p:sp>
+      <p:sp>
+        <p:nvSpPr>
+          <p:cNvPr id="5" name="Espace réservé du numéro de diapositive 4">
+            <a:extLst>
+              <a:ext uri="{FF2B5EF4-FFF2-40B4-BE49-F238E27FC236}">
+                <a16:creationId xmlns:a16="http://schemas.microsoft.com/office/drawing/2014/main" id="{E37FBEB0-AE3B-450F-9EFF-7BAE57A68568}"/>
+              </a:ext>
+            </a:extLst>
+          </p:cNvPr>
+          <p:cNvSpPr>
+            <a:spLocks noGrp="1"/>
+          </p:cNvSpPr>
+          <p:nvPr>
+            <p:ph type="sldNum" sz="quarter" idx="12"/>
+          </p:nvPr>
+        </p:nvSpPr>
+        <p:spPr/>
+        <p:txBody>
+          <a:bodyPr/>
+          <a:lstStyle/>
+          <a:p>
+            <a:pPr>
+              <a:defRPr/>
+            </a:pPr>
+            <a:fld id="{37E4E265-2F72-DF4D-B77D-D3249BA76B9F}" type="slidenum">
+              <a:rPr lang="fr-FR" smtClean="0"/>
+              <a:pPr>
+                <a:defRPr/>
+              </a:pPr>
+              <a:t>71</a:t>
+            </a:fld>
+            <a:endParaRPr lang="fr-FR"/>
+          </a:p>
+        </p:txBody>
+      </p:sp>
+      <p:pic>
+        <p:nvPicPr>
+          <p:cNvPr id="4098" name="Picture 2" descr="Image for post">
+            <a:extLst>
+              <a:ext uri="{FF2B5EF4-FFF2-40B4-BE49-F238E27FC236}">
+                <a16:creationId xmlns:a16="http://schemas.microsoft.com/office/drawing/2014/main" id="{24D7E3C2-35C0-4530-B848-41DFE4F34EA2}"/>
+              </a:ext>
+            </a:extLst>
+          </p:cNvPr>
+          <p:cNvPicPr>
+            <a:picLocks noChangeAspect="1" noChangeArrowheads="1"/>
+          </p:cNvPicPr>
+          <p:nvPr/>
+        </p:nvPicPr>
+        <p:blipFill>
+          <a:blip r:embed="rId2">
+            <a:extLst>
+              <a:ext uri="{28A0092B-C50C-407E-A947-70E740481C1C}">
+                <a14:useLocalDpi xmlns:a14="http://schemas.microsoft.com/office/drawing/2010/main" val="0"/>
+              </a:ext>
+            </a:extLst>
+          </a:blip>
+          <a:srcRect/>
+          <a:stretch>
+            <a:fillRect/>
+          </a:stretch>
+        </p:blipFill>
+        <p:spPr bwMode="auto">
+          <a:xfrm>
+            <a:off x="1983312" y="3429000"/>
+            <a:ext cx="5286375" cy="2476500"/>
+          </a:xfrm>
+          <a:prstGeom prst="rect">
+            <a:avLst/>
+          </a:prstGeom>
+          <a:noFill/>
+          <a:extLst>
+            <a:ext uri="{909E8E84-426E-40DD-AFC4-6F175D3DCCD1}">
+              <a14:hiddenFill xmlns:a14="http://schemas.microsoft.com/office/drawing/2010/main">
+                <a:solidFill>
+                  <a:srgbClr val="FFFFFF"/>
+                </a:solidFill>
+              </a14:hiddenFill>
+            </a:ext>
+          </a:extLst>
+        </p:spPr>
+      </p:pic>
+    </p:spTree>
+    <p:extLst>
+      <p:ext uri="{BB962C8B-B14F-4D97-AF65-F5344CB8AC3E}">
+        <p14:creationId xmlns:p14="http://schemas.microsoft.com/office/powerpoint/2010/main" val="4088189158"/>
+      </p:ext>
+    </p:extLst>
+  </p:cSld>
+  <p:clrMapOvr>
+    <a:masterClrMapping/>
+  </p:clrMapOvr>
+  <p:transition spd="slow">
+    <p:fade/>
+  </p:transition>
+</p:sld>
+</file>
+
+<file path=ppt/slides/slide72.xml><?xml version="1.0" encoding="utf-8"?>
+<p:sld xmlns:a="http://schemas.openxmlformats.org/drawingml/2006/main" xmlns:r="http://schemas.openxmlformats.org/officeDocument/2006/relationships" xmlns:p="http://schemas.openxmlformats.org/presentationml/2006/main">
+  <p:cSld>
+    <p:spTree>
+      <p:nvGrpSpPr>
+        <p:cNvPr id="1" name=""/>
+        <p:cNvGrpSpPr/>
+        <p:nvPr/>
+      </p:nvGrpSpPr>
+      <p:grpSpPr>
+        <a:xfrm>
+          <a:off x="0" y="0"/>
+          <a:ext cx="0" cy="0"/>
+          <a:chOff x="0" y="0"/>
+          <a:chExt cx="0" cy="0"/>
+        </a:xfrm>
+      </p:grpSpPr>
+      <p:sp>
+        <p:nvSpPr>
+          <p:cNvPr id="2" name="Titre 1">
+            <a:extLst>
+              <a:ext uri="{FF2B5EF4-FFF2-40B4-BE49-F238E27FC236}">
+                <a16:creationId xmlns:a16="http://schemas.microsoft.com/office/drawing/2014/main" id="{E36D86ED-AA71-4775-81E7-234AE3D50C03}"/>
+              </a:ext>
+            </a:extLst>
+          </p:cNvPr>
+          <p:cNvSpPr>
+            <a:spLocks noGrp="1"/>
+          </p:cNvSpPr>
+          <p:nvPr>
+            <p:ph type="title"/>
+          </p:nvPr>
+        </p:nvSpPr>
+        <p:spPr/>
+        <p:txBody>
+          <a:bodyPr/>
+          <a:lstStyle/>
+          <a:p>
+            <a:r>
+              <a:rPr lang="fr-BE" dirty="0"/>
+              <a:t>Git flow</a:t>
+            </a:r>
+          </a:p>
+        </p:txBody>
+      </p:sp>
+      <p:sp>
+        <p:nvSpPr>
+          <p:cNvPr id="3" name="Espace réservé du contenu 2">
+            <a:extLst>
+              <a:ext uri="{FF2B5EF4-FFF2-40B4-BE49-F238E27FC236}">
+                <a16:creationId xmlns:a16="http://schemas.microsoft.com/office/drawing/2014/main" id="{5F58F33A-BCE0-40CA-B2BA-E49C5FF58585}"/>
+              </a:ext>
+            </a:extLst>
+          </p:cNvPr>
+          <p:cNvSpPr>
+            <a:spLocks noGrp="1"/>
+          </p:cNvSpPr>
+          <p:nvPr>
+            <p:ph idx="1"/>
+          </p:nvPr>
+        </p:nvSpPr>
+        <p:spPr>
+          <a:xfrm>
+            <a:off x="511700" y="1306874"/>
+            <a:ext cx="8229600" cy="4819839"/>
+          </a:xfrm>
+        </p:spPr>
+        <p:txBody>
+          <a:bodyPr/>
+          <a:lstStyle/>
+          <a:p>
+            <a:r>
+              <a:rPr lang="fr-FR" dirty="0"/>
+              <a:t>3 branches de «second» niveau :</a:t>
+            </a:r>
+          </a:p>
+          <a:p>
+            <a:r>
+              <a:rPr lang="fr-FR" dirty="0" err="1"/>
+              <a:t>Feature</a:t>
+            </a:r>
+            <a:r>
+              <a:rPr lang="fr-FR" dirty="0"/>
+              <a:t>/XYZ: Commencement d’une nouvelle fonctionnalité</a:t>
+            </a:r>
+          </a:p>
+          <a:p>
+            <a:r>
+              <a:rPr lang="fr-FR" dirty="0"/>
+              <a:t>Pas d’interaction avec la branche master</a:t>
+            </a:r>
+          </a:p>
+          <a:p>
+            <a:endParaRPr lang="fr-FR" dirty="0"/>
+          </a:p>
+          <a:p>
+            <a:pPr marL="457200" lvl="1" indent="0">
+              <a:buNone/>
+            </a:pPr>
+            <a:r>
+              <a:rPr lang="fr-BE" dirty="0"/>
+              <a:t>	</a:t>
+            </a:r>
+          </a:p>
+        </p:txBody>
+      </p:sp>
+      <p:sp>
+        <p:nvSpPr>
+          <p:cNvPr id="4" name="Espace réservé du pied de page 3">
+            <a:extLst>
+              <a:ext uri="{FF2B5EF4-FFF2-40B4-BE49-F238E27FC236}">
+                <a16:creationId xmlns:a16="http://schemas.microsoft.com/office/drawing/2014/main" id="{41430FF4-2E45-4C1C-97B4-88B17C84491D}"/>
+              </a:ext>
+            </a:extLst>
+          </p:cNvPr>
+          <p:cNvSpPr>
+            <a:spLocks noGrp="1"/>
+          </p:cNvSpPr>
+          <p:nvPr>
+            <p:ph type="ftr" sz="quarter" idx="11"/>
+          </p:nvPr>
+        </p:nvSpPr>
+        <p:spPr/>
+        <p:txBody>
+          <a:bodyPr/>
+          <a:lstStyle/>
+          <a:p>
+            <a:pPr>
+              <a:defRPr/>
+            </a:pPr>
+            <a:r>
+              <a:rPr lang="fr-FR"/>
+              <a:t>Adrien Huygens</a:t>
+            </a:r>
+            <a:endParaRPr lang="fr-FR" dirty="0"/>
+          </a:p>
+        </p:txBody>
+      </p:sp>
+      <p:sp>
+        <p:nvSpPr>
+          <p:cNvPr id="5" name="Espace réservé du numéro de diapositive 4">
+            <a:extLst>
+              <a:ext uri="{FF2B5EF4-FFF2-40B4-BE49-F238E27FC236}">
+                <a16:creationId xmlns:a16="http://schemas.microsoft.com/office/drawing/2014/main" id="{E37FBEB0-AE3B-450F-9EFF-7BAE57A68568}"/>
+              </a:ext>
+            </a:extLst>
+          </p:cNvPr>
+          <p:cNvSpPr>
+            <a:spLocks noGrp="1"/>
+          </p:cNvSpPr>
+          <p:nvPr>
+            <p:ph type="sldNum" sz="quarter" idx="12"/>
+          </p:nvPr>
+        </p:nvSpPr>
+        <p:spPr/>
+        <p:txBody>
+          <a:bodyPr/>
+          <a:lstStyle/>
+          <a:p>
+            <a:pPr>
+              <a:defRPr/>
+            </a:pPr>
+            <a:fld id="{37E4E265-2F72-DF4D-B77D-D3249BA76B9F}" type="slidenum">
+              <a:rPr lang="fr-FR" smtClean="0"/>
+              <a:pPr>
+                <a:defRPr/>
+              </a:pPr>
+              <a:t>72</a:t>
+            </a:fld>
+            <a:endParaRPr lang="fr-FR"/>
+          </a:p>
+        </p:txBody>
+      </p:sp>
+      <p:pic>
+        <p:nvPicPr>
+          <p:cNvPr id="5122" name="Picture 2" descr="Image for post">
+            <a:extLst>
+              <a:ext uri="{FF2B5EF4-FFF2-40B4-BE49-F238E27FC236}">
+                <a16:creationId xmlns:a16="http://schemas.microsoft.com/office/drawing/2014/main" id="{249F8EE9-B9F3-4B91-A0D1-EF936CDCDA18}"/>
+              </a:ext>
+            </a:extLst>
+          </p:cNvPr>
+          <p:cNvPicPr>
+            <a:picLocks noChangeAspect="1" noChangeArrowheads="1"/>
+          </p:cNvPicPr>
+          <p:nvPr/>
+        </p:nvPicPr>
+        <p:blipFill>
+          <a:blip r:embed="rId2" cstate="email">
+            <a:extLst>
+              <a:ext uri="{28A0092B-C50C-407E-A947-70E740481C1C}">
+                <a14:useLocalDpi xmlns:a14="http://schemas.microsoft.com/office/drawing/2010/main" val="0"/>
+              </a:ext>
+            </a:extLst>
+          </a:blip>
+          <a:srcRect/>
+          <a:stretch>
+            <a:fillRect/>
+          </a:stretch>
+        </p:blipFill>
+        <p:spPr bwMode="auto">
+          <a:xfrm>
+            <a:off x="2301644" y="3429000"/>
+            <a:ext cx="4718281" cy="2895696"/>
+          </a:xfrm>
+          <a:prstGeom prst="rect">
+            <a:avLst/>
+          </a:prstGeom>
+          <a:noFill/>
+          <a:extLst>
+            <a:ext uri="{909E8E84-426E-40DD-AFC4-6F175D3DCCD1}">
+              <a14:hiddenFill xmlns:a14="http://schemas.microsoft.com/office/drawing/2010/main">
+                <a:solidFill>
+                  <a:srgbClr val="FFFFFF"/>
+                </a:solidFill>
+              </a14:hiddenFill>
+            </a:ext>
+          </a:extLst>
+        </p:spPr>
+      </p:pic>
+    </p:spTree>
+    <p:extLst>
+      <p:ext uri="{BB962C8B-B14F-4D97-AF65-F5344CB8AC3E}">
+        <p14:creationId xmlns:p14="http://schemas.microsoft.com/office/powerpoint/2010/main" val="2946373871"/>
+      </p:ext>
+    </p:extLst>
+  </p:cSld>
+  <p:clrMapOvr>
+    <a:masterClrMapping/>
+  </p:clrMapOvr>
+  <p:transition spd="slow">
+    <p:fade/>
+  </p:transition>
+</p:sld>
+</file>
+
+<file path=ppt/slides/slide73.xml><?xml version="1.0" encoding="utf-8"?>
+<p:sld xmlns:a="http://schemas.openxmlformats.org/drawingml/2006/main" xmlns:r="http://schemas.openxmlformats.org/officeDocument/2006/relationships" xmlns:p="http://schemas.openxmlformats.org/presentationml/2006/main">
+  <p:cSld>
+    <p:spTree>
+      <p:nvGrpSpPr>
+        <p:cNvPr id="1" name=""/>
+        <p:cNvGrpSpPr/>
+        <p:nvPr/>
+      </p:nvGrpSpPr>
+      <p:grpSpPr>
+        <a:xfrm>
+          <a:off x="0" y="0"/>
+          <a:ext cx="0" cy="0"/>
+          <a:chOff x="0" y="0"/>
+          <a:chExt cx="0" cy="0"/>
+        </a:xfrm>
+      </p:grpSpPr>
+      <p:sp>
+        <p:nvSpPr>
+          <p:cNvPr id="2" name="Titre 1">
+            <a:extLst>
+              <a:ext uri="{FF2B5EF4-FFF2-40B4-BE49-F238E27FC236}">
+                <a16:creationId xmlns:a16="http://schemas.microsoft.com/office/drawing/2014/main" id="{E36D86ED-AA71-4775-81E7-234AE3D50C03}"/>
+              </a:ext>
+            </a:extLst>
+          </p:cNvPr>
+          <p:cNvSpPr>
+            <a:spLocks noGrp="1"/>
+          </p:cNvSpPr>
+          <p:nvPr>
+            <p:ph type="title"/>
+          </p:nvPr>
+        </p:nvSpPr>
+        <p:spPr>
+          <a:xfrm>
+            <a:off x="457200" y="61533"/>
+            <a:ext cx="8229600" cy="946000"/>
+          </a:xfrm>
+        </p:spPr>
+        <p:txBody>
+          <a:bodyPr wrap="square" anchor="ctr">
+            <a:normAutofit/>
+          </a:bodyPr>
+          <a:lstStyle/>
+          <a:p>
+            <a:r>
+              <a:rPr lang="fr-BE" dirty="0"/>
+              <a:t>Git flow</a:t>
+            </a:r>
+          </a:p>
+        </p:txBody>
+      </p:sp>
+      <p:sp>
+        <p:nvSpPr>
+          <p:cNvPr id="3" name="Espace réservé du contenu 2">
+            <a:extLst>
+              <a:ext uri="{FF2B5EF4-FFF2-40B4-BE49-F238E27FC236}">
+                <a16:creationId xmlns:a16="http://schemas.microsoft.com/office/drawing/2014/main" id="{5F58F33A-BCE0-40CA-B2BA-E49C5FF58585}"/>
+              </a:ext>
+            </a:extLst>
+          </p:cNvPr>
+          <p:cNvSpPr>
+            <a:spLocks noGrp="1"/>
+          </p:cNvSpPr>
+          <p:nvPr>
+            <p:ph sz="half" idx="1"/>
+          </p:nvPr>
+        </p:nvSpPr>
+        <p:spPr>
+          <a:xfrm>
+            <a:off x="457200" y="1307424"/>
+            <a:ext cx="4038600" cy="4818739"/>
+          </a:xfrm>
+        </p:spPr>
+        <p:txBody>
+          <a:bodyPr wrap="square" anchor="t">
+            <a:normAutofit lnSpcReduction="10000"/>
+          </a:bodyPr>
+          <a:lstStyle/>
+          <a:p>
+            <a:pPr>
+              <a:lnSpc>
+                <a:spcPct val="90000"/>
+              </a:lnSpc>
+            </a:pPr>
+            <a:endParaRPr lang="fr-FR" sz="2600" dirty="0"/>
+          </a:p>
+          <a:p>
+            <a:pPr>
+              <a:lnSpc>
+                <a:spcPct val="90000"/>
+              </a:lnSpc>
+            </a:pPr>
+            <a:endParaRPr lang="fr-FR" sz="2600" dirty="0"/>
+          </a:p>
+          <a:p>
+            <a:pPr>
+              <a:lnSpc>
+                <a:spcPct val="90000"/>
+              </a:lnSpc>
+            </a:pPr>
+            <a:endParaRPr lang="fr-FR" sz="2600" dirty="0"/>
+          </a:p>
+          <a:p>
+            <a:pPr>
+              <a:lnSpc>
+                <a:spcPct val="90000"/>
+              </a:lnSpc>
+            </a:pPr>
+            <a:r>
+              <a:rPr lang="fr-FR" sz="2600" dirty="0"/>
+              <a:t>release/XYZ: Lie la branche </a:t>
+            </a:r>
+            <a:r>
+              <a:rPr lang="fr-FR" sz="2600" dirty="0" err="1"/>
+              <a:t>develop</a:t>
+            </a:r>
+            <a:r>
+              <a:rPr lang="fr-FR" sz="2600" dirty="0"/>
+              <a:t> à la branche master</a:t>
+            </a:r>
+          </a:p>
+          <a:p>
+            <a:pPr>
+              <a:lnSpc>
+                <a:spcPct val="90000"/>
+              </a:lnSpc>
+            </a:pPr>
+            <a:r>
+              <a:rPr lang="fr-FR" sz="2600" dirty="0"/>
+              <a:t>On push la </a:t>
+            </a:r>
+            <a:r>
+              <a:rPr lang="fr-FR" sz="2600" dirty="0" err="1"/>
+              <a:t>rélease</a:t>
+            </a:r>
+            <a:r>
+              <a:rPr lang="fr-FR" sz="2600" dirty="0"/>
+              <a:t> seulement sur la master et la </a:t>
+            </a:r>
+            <a:r>
+              <a:rPr lang="fr-FR" sz="2600" dirty="0" err="1"/>
+              <a:t>devolps</a:t>
+            </a:r>
+            <a:r>
+              <a:rPr lang="fr-FR" sz="2600" dirty="0"/>
+              <a:t> </a:t>
+            </a:r>
+          </a:p>
+          <a:p>
+            <a:pPr>
+              <a:lnSpc>
+                <a:spcPct val="90000"/>
+              </a:lnSpc>
+            </a:pPr>
+            <a:endParaRPr lang="fr-FR" sz="2600" dirty="0"/>
+          </a:p>
+          <a:p>
+            <a:pPr>
+              <a:lnSpc>
+                <a:spcPct val="90000"/>
+              </a:lnSpc>
+            </a:pPr>
+            <a:endParaRPr lang="fr-FR" sz="2600" dirty="0"/>
+          </a:p>
+          <a:p>
+            <a:pPr marL="457200" lvl="1" indent="0">
+              <a:lnSpc>
+                <a:spcPct val="90000"/>
+              </a:lnSpc>
+              <a:buNone/>
+            </a:pPr>
+            <a:r>
+              <a:rPr lang="fr-BE" sz="2600" dirty="0"/>
+              <a:t>	</a:t>
+            </a:r>
+          </a:p>
+        </p:txBody>
+      </p:sp>
+      <p:pic>
+        <p:nvPicPr>
+          <p:cNvPr id="6146" name="Picture 2" descr="Image for post">
+            <a:extLst>
+              <a:ext uri="{FF2B5EF4-FFF2-40B4-BE49-F238E27FC236}">
+                <a16:creationId xmlns:a16="http://schemas.microsoft.com/office/drawing/2014/main" id="{74A6E801-CE4B-48DA-B267-5488EA75B2E1}"/>
+              </a:ext>
+            </a:extLst>
+          </p:cNvPr>
+          <p:cNvPicPr>
+            <a:picLocks noChangeAspect="1" noChangeArrowheads="1"/>
+          </p:cNvPicPr>
+          <p:nvPr/>
+        </p:nvPicPr>
+        <p:blipFill>
+          <a:blip r:embed="rId2" cstate="email">
+            <a:extLst>
+              <a:ext uri="{28A0092B-C50C-407E-A947-70E740481C1C}">
+                <a14:useLocalDpi xmlns:a14="http://schemas.microsoft.com/office/drawing/2010/main" val="0"/>
+              </a:ext>
+            </a:extLst>
+          </a:blip>
+          <a:stretch>
+            <a:fillRect/>
+          </a:stretch>
+        </p:blipFill>
+        <p:spPr bwMode="auto">
+          <a:xfrm>
+            <a:off x="4648200" y="2444635"/>
+            <a:ext cx="4038600" cy="2544317"/>
+          </a:xfrm>
+          <a:prstGeom prst="rect">
+            <a:avLst/>
+          </a:prstGeom>
+          <a:solidFill>
+            <a:srgbClr val="FFFFFF"/>
+          </a:solidFill>
+          <a:extLst>
+            <a:ext uri="{909E8E84-426E-40DD-AFC4-6F175D3DCCD1}">
+              <a14:hiddenFill xmlns:a14="http://schemas.microsoft.com/office/drawing/2010/main">
+                <a:solidFill>
+                  <a:srgbClr val="FFFFFF"/>
+                </a:solidFill>
+              </a14:hiddenFill>
+            </a:ext>
+          </a:extLst>
+        </p:spPr>
+      </p:pic>
+      <p:sp>
+        <p:nvSpPr>
+          <p:cNvPr id="4" name="Espace réservé du pied de page 3">
+            <a:extLst>
+              <a:ext uri="{FF2B5EF4-FFF2-40B4-BE49-F238E27FC236}">
+                <a16:creationId xmlns:a16="http://schemas.microsoft.com/office/drawing/2014/main" id="{41430FF4-2E45-4C1C-97B4-88B17C84491D}"/>
+              </a:ext>
+            </a:extLst>
+          </p:cNvPr>
+          <p:cNvSpPr>
+            <a:spLocks noGrp="1"/>
+          </p:cNvSpPr>
+          <p:nvPr>
+            <p:ph type="ftr" sz="quarter" idx="11"/>
+          </p:nvPr>
+        </p:nvSpPr>
+        <p:spPr>
+          <a:xfrm>
+            <a:off x="2339975" y="6426054"/>
+            <a:ext cx="4464050" cy="339725"/>
+          </a:xfrm>
+        </p:spPr>
+        <p:txBody>
+          <a:bodyPr wrap="square" anchor="t">
+            <a:normAutofit/>
+          </a:bodyPr>
+          <a:lstStyle/>
+          <a:p>
+            <a:pPr>
+              <a:spcAft>
+                <a:spcPts val="600"/>
+              </a:spcAft>
+              <a:defRPr/>
+            </a:pPr>
+            <a:r>
+              <a:rPr lang="fr-FR"/>
+              <a:t>Adrien Huygens</a:t>
+            </a:r>
+          </a:p>
+        </p:txBody>
+      </p:sp>
+      <p:sp>
+        <p:nvSpPr>
+          <p:cNvPr id="5" name="Espace réservé du numéro de diapositive 4">
+            <a:extLst>
+              <a:ext uri="{FF2B5EF4-FFF2-40B4-BE49-F238E27FC236}">
+                <a16:creationId xmlns:a16="http://schemas.microsoft.com/office/drawing/2014/main" id="{E37FBEB0-AE3B-450F-9EFF-7BAE57A68568}"/>
+              </a:ext>
+            </a:extLst>
+          </p:cNvPr>
+          <p:cNvSpPr>
+            <a:spLocks noGrp="1"/>
+          </p:cNvSpPr>
+          <p:nvPr>
+            <p:ph type="sldNum" sz="quarter" idx="12"/>
+          </p:nvPr>
+        </p:nvSpPr>
+        <p:spPr>
+          <a:xfrm>
+            <a:off x="7019925" y="6426054"/>
+            <a:ext cx="1081088" cy="339725"/>
+          </a:xfrm>
+        </p:spPr>
+        <p:txBody>
+          <a:bodyPr wrap="square" anchor="t">
+            <a:normAutofit/>
+          </a:bodyPr>
+          <a:lstStyle/>
+          <a:p>
+            <a:pPr>
+              <a:spcAft>
+                <a:spcPts val="600"/>
+              </a:spcAft>
+              <a:defRPr/>
+            </a:pPr>
+            <a:fld id="{37E4E265-2F72-DF4D-B77D-D3249BA76B9F}" type="slidenum">
+              <a:rPr lang="fr-FR" smtClean="0"/>
+              <a:pPr>
+                <a:spcAft>
+                  <a:spcPts val="600"/>
+                </a:spcAft>
+                <a:defRPr/>
+              </a:pPr>
+              <a:t>73</a:t>
+            </a:fld>
+            <a:endParaRPr lang="fr-FR"/>
+          </a:p>
+        </p:txBody>
+      </p:sp>
+    </p:spTree>
+    <p:extLst>
+      <p:ext uri="{BB962C8B-B14F-4D97-AF65-F5344CB8AC3E}">
+        <p14:creationId xmlns:p14="http://schemas.microsoft.com/office/powerpoint/2010/main" val="1265836993"/>
+      </p:ext>
+    </p:extLst>
+  </p:cSld>
+  <p:clrMapOvr>
+    <a:masterClrMapping/>
+  </p:clrMapOvr>
+  <p:transition spd="slow">
+    <p:fade/>
+  </p:transition>
+</p:sld>
+</file>
+
+<file path=ppt/slides/slide74.xml><?xml version="1.0" encoding="utf-8"?>
+<p:sld xmlns:a="http://schemas.openxmlformats.org/drawingml/2006/main" xmlns:r="http://schemas.openxmlformats.org/officeDocument/2006/relationships" xmlns:p="http://schemas.openxmlformats.org/presentationml/2006/main">
+  <p:cSld>
+    <p:spTree>
+      <p:nvGrpSpPr>
+        <p:cNvPr id="1" name=""/>
+        <p:cNvGrpSpPr/>
+        <p:nvPr/>
+      </p:nvGrpSpPr>
+      <p:grpSpPr>
+        <a:xfrm>
+          <a:off x="0" y="0"/>
+          <a:ext cx="0" cy="0"/>
+          <a:chOff x="0" y="0"/>
+          <a:chExt cx="0" cy="0"/>
+        </a:xfrm>
+      </p:grpSpPr>
+      <p:sp>
+        <p:nvSpPr>
+          <p:cNvPr id="2" name="Titre 1">
+            <a:extLst>
+              <a:ext uri="{FF2B5EF4-FFF2-40B4-BE49-F238E27FC236}">
+                <a16:creationId xmlns:a16="http://schemas.microsoft.com/office/drawing/2014/main" id="{E36D86ED-AA71-4775-81E7-234AE3D50C03}"/>
+              </a:ext>
+            </a:extLst>
+          </p:cNvPr>
+          <p:cNvSpPr>
+            <a:spLocks noGrp="1"/>
+          </p:cNvSpPr>
+          <p:nvPr>
+            <p:ph type="title"/>
+          </p:nvPr>
+        </p:nvSpPr>
+        <p:spPr>
+          <a:xfrm>
+            <a:off x="457200" y="61533"/>
+            <a:ext cx="8229600" cy="946000"/>
+          </a:xfrm>
+        </p:spPr>
+        <p:txBody>
+          <a:bodyPr wrap="square" anchor="ctr">
+            <a:normAutofit/>
+          </a:bodyPr>
+          <a:lstStyle/>
+          <a:p>
+            <a:r>
+              <a:rPr lang="fr-BE" dirty="0"/>
+              <a:t>Git flow</a:t>
+            </a:r>
+          </a:p>
+        </p:txBody>
+      </p:sp>
+      <p:pic>
+        <p:nvPicPr>
+          <p:cNvPr id="7172" name="Picture 4" descr="Image for post">
+            <a:extLst>
+              <a:ext uri="{FF2B5EF4-FFF2-40B4-BE49-F238E27FC236}">
+                <a16:creationId xmlns:a16="http://schemas.microsoft.com/office/drawing/2014/main" id="{63047ED0-7847-427B-8672-EB584094B23B}"/>
+              </a:ext>
+            </a:extLst>
+          </p:cNvPr>
+          <p:cNvPicPr>
+            <a:picLocks noChangeAspect="1" noChangeArrowheads="1"/>
+          </p:cNvPicPr>
+          <p:nvPr/>
+        </p:nvPicPr>
+        <p:blipFill>
+          <a:blip r:embed="rId2" cstate="email">
+            <a:extLst>
+              <a:ext uri="{28A0092B-C50C-407E-A947-70E740481C1C}">
+                <a14:useLocalDpi xmlns:a14="http://schemas.microsoft.com/office/drawing/2010/main" val="0"/>
+              </a:ext>
+            </a:extLst>
+          </a:blip>
+          <a:stretch>
+            <a:fillRect/>
+          </a:stretch>
+        </p:blipFill>
+        <p:spPr bwMode="auto">
+          <a:xfrm>
+            <a:off x="457200" y="2298235"/>
+            <a:ext cx="4038600" cy="2837116"/>
+          </a:xfrm>
+          <a:prstGeom prst="rect">
+            <a:avLst/>
+          </a:prstGeom>
+          <a:solidFill>
+            <a:srgbClr val="FFFFFF"/>
+          </a:solidFill>
+          <a:extLst>
+            <a:ext uri="{909E8E84-426E-40DD-AFC4-6F175D3DCCD1}">
+              <a14:hiddenFill xmlns:a14="http://schemas.microsoft.com/office/drawing/2010/main">
+                <a:solidFill>
+                  <a:srgbClr val="FFFFFF"/>
+                </a:solidFill>
+              </a14:hiddenFill>
+            </a:ext>
+          </a:extLst>
+        </p:spPr>
+      </p:pic>
+      <p:sp>
+        <p:nvSpPr>
+          <p:cNvPr id="3" name="Espace réservé du contenu 2">
+            <a:extLst>
+              <a:ext uri="{FF2B5EF4-FFF2-40B4-BE49-F238E27FC236}">
+                <a16:creationId xmlns:a16="http://schemas.microsoft.com/office/drawing/2014/main" id="{5F58F33A-BCE0-40CA-B2BA-E49C5FF58585}"/>
+              </a:ext>
+            </a:extLst>
+          </p:cNvPr>
+          <p:cNvSpPr>
+            <a:spLocks noGrp="1"/>
+          </p:cNvSpPr>
+          <p:nvPr>
+            <p:ph sz="half" idx="2"/>
+          </p:nvPr>
+        </p:nvSpPr>
+        <p:spPr>
+          <a:xfrm>
+            <a:off x="4648200" y="1307424"/>
+            <a:ext cx="4038600" cy="4818739"/>
+          </a:xfrm>
+        </p:spPr>
+        <p:txBody>
+          <a:bodyPr wrap="square" anchor="t">
+            <a:normAutofit/>
+          </a:bodyPr>
+          <a:lstStyle/>
+          <a:p>
+            <a:pPr>
+              <a:lnSpc>
+                <a:spcPct val="90000"/>
+              </a:lnSpc>
+            </a:pPr>
+            <a:endParaRPr lang="fr-FR"/>
+          </a:p>
+          <a:p>
+            <a:pPr>
+              <a:lnSpc>
+                <a:spcPct val="90000"/>
+              </a:lnSpc>
+            </a:pPr>
+            <a:r>
+              <a:rPr lang="fr-FR" err="1"/>
+              <a:t>Hotfix</a:t>
+            </a:r>
+            <a:r>
+              <a:rPr lang="fr-FR"/>
+              <a:t>/XYZ</a:t>
+            </a:r>
+          </a:p>
+          <a:p>
+            <a:pPr lvl="1">
+              <a:lnSpc>
+                <a:spcPct val="90000"/>
+              </a:lnSpc>
+            </a:pPr>
+            <a:r>
+              <a:rPr lang="fr-FR" sz="2800"/>
+              <a:t>Publication rapide des fix de bug</a:t>
+            </a:r>
+          </a:p>
+          <a:p>
+            <a:pPr lvl="1">
+              <a:lnSpc>
+                <a:spcPct val="90000"/>
+              </a:lnSpc>
+            </a:pPr>
+            <a:r>
+              <a:rPr lang="fr-FR" sz="2800"/>
+              <a:t>Tiré de la master et repoussé sur la master et la </a:t>
+            </a:r>
+            <a:r>
+              <a:rPr lang="fr-FR" sz="2800" err="1"/>
+              <a:t>devlop</a:t>
+            </a:r>
+            <a:r>
+              <a:rPr lang="fr-FR" sz="2800"/>
+              <a:t>.</a:t>
+            </a:r>
+          </a:p>
+          <a:p>
+            <a:pPr marL="457200" lvl="1" indent="0">
+              <a:lnSpc>
+                <a:spcPct val="90000"/>
+              </a:lnSpc>
+              <a:buNone/>
+            </a:pPr>
+            <a:endParaRPr lang="fr-FR" sz="2800"/>
+          </a:p>
+          <a:p>
+            <a:pPr>
+              <a:lnSpc>
+                <a:spcPct val="90000"/>
+              </a:lnSpc>
+            </a:pPr>
+            <a:endParaRPr lang="fr-FR"/>
+          </a:p>
+          <a:p>
+            <a:pPr marL="457200" lvl="1" indent="0">
+              <a:lnSpc>
+                <a:spcPct val="90000"/>
+              </a:lnSpc>
+              <a:buNone/>
+            </a:pPr>
+            <a:r>
+              <a:rPr lang="fr-BE" sz="2800"/>
+              <a:t>	</a:t>
+            </a:r>
+          </a:p>
+        </p:txBody>
+      </p:sp>
+      <p:sp>
+        <p:nvSpPr>
+          <p:cNvPr id="4" name="Espace réservé du pied de page 3">
+            <a:extLst>
+              <a:ext uri="{FF2B5EF4-FFF2-40B4-BE49-F238E27FC236}">
+                <a16:creationId xmlns:a16="http://schemas.microsoft.com/office/drawing/2014/main" id="{41430FF4-2E45-4C1C-97B4-88B17C84491D}"/>
+              </a:ext>
+            </a:extLst>
+          </p:cNvPr>
+          <p:cNvSpPr>
+            <a:spLocks noGrp="1"/>
+          </p:cNvSpPr>
+          <p:nvPr>
+            <p:ph type="ftr" sz="quarter" idx="11"/>
+          </p:nvPr>
+        </p:nvSpPr>
+        <p:spPr>
+          <a:xfrm>
+            <a:off x="2339975" y="6426054"/>
+            <a:ext cx="4464050" cy="339725"/>
+          </a:xfrm>
+        </p:spPr>
+        <p:txBody>
+          <a:bodyPr wrap="square" anchor="t">
+            <a:normAutofit/>
+          </a:bodyPr>
+          <a:lstStyle/>
+          <a:p>
+            <a:pPr>
+              <a:spcAft>
+                <a:spcPts val="600"/>
+              </a:spcAft>
+              <a:defRPr/>
+            </a:pPr>
+            <a:r>
+              <a:rPr lang="fr-FR"/>
+              <a:t>Adrien Huygens</a:t>
+            </a:r>
+          </a:p>
+        </p:txBody>
+      </p:sp>
+      <p:sp>
+        <p:nvSpPr>
+          <p:cNvPr id="5" name="Espace réservé du numéro de diapositive 4">
+            <a:extLst>
+              <a:ext uri="{FF2B5EF4-FFF2-40B4-BE49-F238E27FC236}">
+                <a16:creationId xmlns:a16="http://schemas.microsoft.com/office/drawing/2014/main" id="{E37FBEB0-AE3B-450F-9EFF-7BAE57A68568}"/>
+              </a:ext>
+            </a:extLst>
+          </p:cNvPr>
+          <p:cNvSpPr>
+            <a:spLocks noGrp="1"/>
+          </p:cNvSpPr>
+          <p:nvPr>
+            <p:ph type="sldNum" sz="quarter" idx="12"/>
+          </p:nvPr>
+        </p:nvSpPr>
+        <p:spPr>
+          <a:xfrm>
+            <a:off x="7019925" y="6426054"/>
+            <a:ext cx="1081088" cy="339725"/>
+          </a:xfrm>
+        </p:spPr>
+        <p:txBody>
+          <a:bodyPr wrap="square" anchor="t">
+            <a:normAutofit/>
+          </a:bodyPr>
+          <a:lstStyle/>
+          <a:p>
+            <a:pPr>
+              <a:spcAft>
+                <a:spcPts val="600"/>
+              </a:spcAft>
+              <a:defRPr/>
+            </a:pPr>
+            <a:fld id="{37E4E265-2F72-DF4D-B77D-D3249BA76B9F}" type="slidenum">
+              <a:rPr lang="fr-FR" smtClean="0"/>
+              <a:pPr>
+                <a:spcAft>
+                  <a:spcPts val="600"/>
+                </a:spcAft>
+                <a:defRPr/>
+              </a:pPr>
+              <a:t>74</a:t>
+            </a:fld>
+            <a:endParaRPr lang="fr-FR"/>
+          </a:p>
+        </p:txBody>
+      </p:sp>
+    </p:spTree>
+    <p:extLst>
+      <p:ext uri="{BB962C8B-B14F-4D97-AF65-F5344CB8AC3E}">
+        <p14:creationId xmlns:p14="http://schemas.microsoft.com/office/powerpoint/2010/main" val="2847127219"/>
+      </p:ext>
+    </p:extLst>
+  </p:cSld>
+  <p:clrMapOvr>
+    <a:masterClrMapping/>
+  </p:clrMapOvr>
+  <p:transition spd="slow">
+    <p:fade/>
+  </p:transition>
+</p:sld>
+</file>
+
+<file path=ppt/slides/slide75.xml><?xml version="1.0" encoding="utf-8"?>
+<p:sld xmlns:a="http://schemas.openxmlformats.org/drawingml/2006/main" xmlns:r="http://schemas.openxmlformats.org/officeDocument/2006/relationships" xmlns:p="http://schemas.openxmlformats.org/presentationml/2006/main">
+  <p:cSld>
+    <p:spTree>
+      <p:nvGrpSpPr>
+        <p:cNvPr id="1" name=""/>
+        <p:cNvGrpSpPr/>
+        <p:nvPr/>
+      </p:nvGrpSpPr>
+      <p:grpSpPr>
+        <a:xfrm>
+          <a:off x="0" y="0"/>
+          <a:ext cx="0" cy="0"/>
+          <a:chOff x="0" y="0"/>
+          <a:chExt cx="0" cy="0"/>
+        </a:xfrm>
+      </p:grpSpPr>
+      <p:sp>
+        <p:nvSpPr>
+          <p:cNvPr id="7" name="Titre 6">
+            <a:extLst>
+              <a:ext uri="{FF2B5EF4-FFF2-40B4-BE49-F238E27FC236}">
+                <a16:creationId xmlns:a16="http://schemas.microsoft.com/office/drawing/2014/main" id="{25FD664F-AB39-4678-B3A5-CA36324ACDB3}"/>
+              </a:ext>
+            </a:extLst>
+          </p:cNvPr>
+          <p:cNvSpPr>
+            <a:spLocks noGrp="1"/>
+          </p:cNvSpPr>
+          <p:nvPr>
+            <p:ph type="title"/>
+          </p:nvPr>
+        </p:nvSpPr>
+        <p:spPr/>
+        <p:txBody>
+          <a:bodyPr/>
+          <a:lstStyle/>
+          <a:p>
+            <a:r>
+              <a:rPr lang="fr-BE" dirty="0" err="1"/>
+              <a:t>gitflow</a:t>
+            </a:r>
+            <a:endParaRPr lang="fr-BE" dirty="0"/>
+          </a:p>
+        </p:txBody>
+      </p:sp>
+      <p:sp>
+        <p:nvSpPr>
+          <p:cNvPr id="8" name="Espace réservé du contenu 7">
+            <a:extLst>
+              <a:ext uri="{FF2B5EF4-FFF2-40B4-BE49-F238E27FC236}">
+                <a16:creationId xmlns:a16="http://schemas.microsoft.com/office/drawing/2014/main" id="{4877E9A7-5E2D-49B8-8240-DE63E24BE89B}"/>
+              </a:ext>
+            </a:extLst>
+          </p:cNvPr>
+          <p:cNvSpPr>
+            <a:spLocks noGrp="1"/>
+          </p:cNvSpPr>
+          <p:nvPr>
+            <p:ph idx="1"/>
+          </p:nvPr>
+        </p:nvSpPr>
+        <p:spPr/>
+        <p:txBody>
+          <a:bodyPr/>
+          <a:lstStyle/>
+          <a:p>
+            <a:r>
+              <a:rPr lang="fr-BE" dirty="0"/>
+              <a:t>Ne résous pas tous les problème</a:t>
+            </a:r>
+          </a:p>
+          <a:p>
+            <a:pPr lvl="1"/>
+            <a:r>
+              <a:rPr lang="fr-BE" dirty="0"/>
+              <a:t>Absence de la phase de teste</a:t>
+            </a:r>
+          </a:p>
+          <a:p>
+            <a:pPr lvl="1"/>
+            <a:r>
+              <a:rPr lang="fr-BE" dirty="0"/>
+              <a:t>Comment commencer une nouvelle fonctionnalité sans embarquer des bugs</a:t>
+            </a:r>
+          </a:p>
+          <a:p>
+            <a:pPr lvl="1"/>
+            <a:r>
+              <a:rPr lang="fr-BE" dirty="0"/>
+              <a:t>Workflow complexe </a:t>
+            </a:r>
+          </a:p>
+          <a:p>
+            <a:pPr lvl="1"/>
+            <a:endParaRPr lang="fr-BE" dirty="0"/>
+          </a:p>
+        </p:txBody>
+      </p:sp>
+      <p:sp>
+        <p:nvSpPr>
+          <p:cNvPr id="5" name="Espace réservé du pied de page 4">
+            <a:extLst>
+              <a:ext uri="{FF2B5EF4-FFF2-40B4-BE49-F238E27FC236}">
+                <a16:creationId xmlns:a16="http://schemas.microsoft.com/office/drawing/2014/main" id="{413EABA1-1432-4185-8308-A25300A5A975}"/>
+              </a:ext>
+            </a:extLst>
+          </p:cNvPr>
+          <p:cNvSpPr>
+            <a:spLocks noGrp="1"/>
+          </p:cNvSpPr>
+          <p:nvPr>
+            <p:ph type="ftr" sz="quarter" idx="11"/>
+          </p:nvPr>
+        </p:nvSpPr>
+        <p:spPr/>
+        <p:txBody>
+          <a:bodyPr/>
+          <a:lstStyle/>
+          <a:p>
+            <a:pPr>
+              <a:defRPr/>
+            </a:pPr>
+            <a:r>
+              <a:rPr lang="fr-FR"/>
+              <a:t>Adrien Huygens</a:t>
+            </a:r>
+            <a:endParaRPr lang="fr-FR" dirty="0"/>
+          </a:p>
+        </p:txBody>
+      </p:sp>
+      <p:sp>
+        <p:nvSpPr>
+          <p:cNvPr id="6" name="Espace réservé du numéro de diapositive 5">
+            <a:extLst>
+              <a:ext uri="{FF2B5EF4-FFF2-40B4-BE49-F238E27FC236}">
+                <a16:creationId xmlns:a16="http://schemas.microsoft.com/office/drawing/2014/main" id="{0EBCFFC7-3E95-4B9C-B05F-E25E3CFDE769}"/>
+              </a:ext>
+            </a:extLst>
+          </p:cNvPr>
+          <p:cNvSpPr>
+            <a:spLocks noGrp="1"/>
+          </p:cNvSpPr>
+          <p:nvPr>
+            <p:ph type="sldNum" sz="quarter" idx="12"/>
+          </p:nvPr>
+        </p:nvSpPr>
+        <p:spPr/>
+        <p:txBody>
+          <a:bodyPr/>
+          <a:lstStyle/>
+          <a:p>
+            <a:pPr>
+              <a:defRPr/>
+            </a:pPr>
+            <a:fld id="{4A75AE84-FC5B-644C-B767-A4D234A13C47}" type="slidenum">
+              <a:rPr lang="fr-FR" smtClean="0"/>
+              <a:pPr>
+                <a:defRPr/>
+              </a:pPr>
+              <a:t>75</a:t>
+            </a:fld>
+            <a:endParaRPr lang="fr-FR"/>
+          </a:p>
+        </p:txBody>
+      </p:sp>
+    </p:spTree>
+    <p:extLst>
+      <p:ext uri="{BB962C8B-B14F-4D97-AF65-F5344CB8AC3E}">
+        <p14:creationId xmlns:p14="http://schemas.microsoft.com/office/powerpoint/2010/main" val="1071280359"/>
+      </p:ext>
+    </p:extLst>
+  </p:cSld>
+  <p:clrMapOvr>
+    <a:masterClrMapping/>
+  </p:clrMapOvr>
+  <p:transition spd="slow">
+    <p:fade/>
+  </p:transition>
+</p:sld>
+</file>
+
+<file path=ppt/slides/slide76.xml><?xml version="1.0" encoding="utf-8"?>
+<p:sld xmlns:a="http://schemas.openxmlformats.org/drawingml/2006/main" xmlns:r="http://schemas.openxmlformats.org/officeDocument/2006/relationships" xmlns:p="http://schemas.openxmlformats.org/presentationml/2006/main">
+  <p:cSld>
+    <p:spTree>
+      <p:nvGrpSpPr>
+        <p:cNvPr id="1" name=""/>
+        <p:cNvGrpSpPr/>
+        <p:nvPr/>
+      </p:nvGrpSpPr>
+      <p:grpSpPr>
+        <a:xfrm>
+          <a:off x="0" y="0"/>
+          <a:ext cx="0" cy="0"/>
+          <a:chOff x="0" y="0"/>
+          <a:chExt cx="0" cy="0"/>
+        </a:xfrm>
+      </p:grpSpPr>
+      <p:sp>
+        <p:nvSpPr>
+          <p:cNvPr id="2" name="Titre 1">
+            <a:extLst>
+              <a:ext uri="{FF2B5EF4-FFF2-40B4-BE49-F238E27FC236}">
+                <a16:creationId xmlns:a16="http://schemas.microsoft.com/office/drawing/2014/main" id="{AE9EE5E0-9DEB-4DD4-9BB7-6DD1BEFD4E4D}"/>
+              </a:ext>
+            </a:extLst>
+          </p:cNvPr>
+          <p:cNvSpPr>
+            <a:spLocks noGrp="1"/>
+          </p:cNvSpPr>
+          <p:nvPr>
+            <p:ph type="title"/>
+          </p:nvPr>
+        </p:nvSpPr>
+        <p:spPr/>
+        <p:txBody>
+          <a:bodyPr/>
+          <a:lstStyle/>
+          <a:p>
+            <a:r>
+              <a:rPr lang="fr-BE" dirty="0" err="1"/>
+              <a:t>Github</a:t>
+            </a:r>
+            <a:r>
+              <a:rPr lang="fr-BE" dirty="0"/>
+              <a:t> </a:t>
+            </a:r>
+            <a:r>
+              <a:rPr lang="fr-BE" dirty="0" err="1"/>
+              <a:t>FLow</a:t>
+            </a:r>
+            <a:endParaRPr lang="fr-BE" dirty="0"/>
+          </a:p>
+        </p:txBody>
+      </p:sp>
+      <p:sp>
+        <p:nvSpPr>
+          <p:cNvPr id="3" name="Espace réservé du contenu 2">
+            <a:extLst>
+              <a:ext uri="{FF2B5EF4-FFF2-40B4-BE49-F238E27FC236}">
+                <a16:creationId xmlns:a16="http://schemas.microsoft.com/office/drawing/2014/main" id="{4FCE5275-53D1-45AB-A63C-9BE2FC965D1B}"/>
+              </a:ext>
+            </a:extLst>
+          </p:cNvPr>
+          <p:cNvSpPr>
+            <a:spLocks noGrp="1"/>
+          </p:cNvSpPr>
+          <p:nvPr>
+            <p:ph idx="1"/>
+          </p:nvPr>
+        </p:nvSpPr>
+        <p:spPr/>
+        <p:txBody>
+          <a:bodyPr/>
+          <a:lstStyle/>
+          <a:p>
+            <a:r>
+              <a:rPr lang="fr-BE" dirty="0"/>
+              <a:t>6 points fondamentaux :</a:t>
+            </a:r>
+          </a:p>
+          <a:p>
+            <a:pPr lvl="1"/>
+            <a:r>
+              <a:rPr lang="fr-FR" sz="2000" dirty="0"/>
+              <a:t>Tout ce qui est sur master est stable et déployable</a:t>
+            </a:r>
+          </a:p>
+          <a:p>
+            <a:pPr lvl="1"/>
+            <a:r>
+              <a:rPr lang="fr-FR" sz="2000" dirty="0"/>
+              <a:t>Pour travailler sur quelque-chose, la branche doit avoir un nom significatif. Comme : </a:t>
+            </a:r>
+            <a:r>
+              <a:rPr lang="fr-FR" sz="2000" dirty="0" err="1"/>
+              <a:t>feature</a:t>
+            </a:r>
+            <a:r>
+              <a:rPr lang="fr-FR" sz="2000" dirty="0"/>
+              <a:t>/</a:t>
+            </a:r>
+            <a:r>
+              <a:rPr lang="fr-FR" sz="2000" dirty="0" err="1"/>
+              <a:t>add</a:t>
+            </a:r>
+            <a:r>
+              <a:rPr lang="fr-FR" sz="2000" dirty="0"/>
+              <a:t>-menu…</a:t>
+            </a:r>
+          </a:p>
+          <a:p>
+            <a:pPr lvl="1"/>
+            <a:r>
+              <a:rPr lang="fr-FR" sz="2000" dirty="0" err="1"/>
+              <a:t>ll</a:t>
+            </a:r>
+            <a:r>
+              <a:rPr lang="fr-FR" sz="2000" dirty="0"/>
+              <a:t> faut </a:t>
+            </a:r>
+            <a:r>
+              <a:rPr lang="fr-FR" sz="2000" dirty="0" err="1"/>
+              <a:t>commiter</a:t>
+            </a:r>
+            <a:r>
+              <a:rPr lang="fr-FR" sz="2000" dirty="0"/>
+              <a:t> sur cette branche localement et régulièrement pusher sur une branche du même nom sur le serveur</a:t>
+            </a:r>
+          </a:p>
+          <a:p>
+            <a:pPr lvl="1"/>
+            <a:r>
+              <a:rPr lang="fr-FR" sz="2000" dirty="0"/>
+              <a:t>Une fois le développement terminé, ouvrir une pull </a:t>
+            </a:r>
+            <a:r>
+              <a:rPr lang="fr-FR" sz="2000" dirty="0" err="1"/>
+              <a:t>request</a:t>
+            </a:r>
+            <a:r>
+              <a:rPr lang="fr-FR" sz="2000" dirty="0"/>
+              <a:t> sur master pour recueillir du feedback et des tests.</a:t>
+            </a:r>
+          </a:p>
+          <a:p>
+            <a:pPr lvl="1"/>
+            <a:r>
+              <a:rPr lang="fr-FR" sz="2000" dirty="0"/>
+              <a:t>Une fois les feux au vert, merger sur master</a:t>
+            </a:r>
+          </a:p>
+          <a:p>
+            <a:pPr lvl="1"/>
+            <a:r>
+              <a:rPr lang="fr-FR" sz="2000" dirty="0"/>
+              <a:t>Déployer directement après le merge</a:t>
+            </a:r>
+          </a:p>
+          <a:p>
+            <a:pPr lvl="1"/>
+            <a:endParaRPr lang="fr-BE" sz="2400" dirty="0"/>
+          </a:p>
+        </p:txBody>
+      </p:sp>
+      <p:sp>
+        <p:nvSpPr>
+          <p:cNvPr id="4" name="Espace réservé du pied de page 3">
+            <a:extLst>
+              <a:ext uri="{FF2B5EF4-FFF2-40B4-BE49-F238E27FC236}">
+                <a16:creationId xmlns:a16="http://schemas.microsoft.com/office/drawing/2014/main" id="{D03FF4E4-2330-4C92-8096-336E375FD385}"/>
+              </a:ext>
+            </a:extLst>
+          </p:cNvPr>
+          <p:cNvSpPr>
+            <a:spLocks noGrp="1"/>
+          </p:cNvSpPr>
+          <p:nvPr>
+            <p:ph type="ftr" sz="quarter" idx="11"/>
+          </p:nvPr>
+        </p:nvSpPr>
+        <p:spPr/>
+        <p:txBody>
+          <a:bodyPr/>
+          <a:lstStyle/>
+          <a:p>
+            <a:pPr>
+              <a:defRPr/>
+            </a:pPr>
+            <a:r>
+              <a:rPr lang="fr-FR"/>
+              <a:t>Adrien Huygens</a:t>
+            </a:r>
+            <a:endParaRPr lang="fr-FR" dirty="0"/>
+          </a:p>
+        </p:txBody>
+      </p:sp>
+      <p:sp>
+        <p:nvSpPr>
+          <p:cNvPr id="5" name="Espace réservé du numéro de diapositive 4">
+            <a:extLst>
+              <a:ext uri="{FF2B5EF4-FFF2-40B4-BE49-F238E27FC236}">
+                <a16:creationId xmlns:a16="http://schemas.microsoft.com/office/drawing/2014/main" id="{278D8ACD-CED8-48C2-9A50-D06D7434DBD2}"/>
+              </a:ext>
+            </a:extLst>
+          </p:cNvPr>
+          <p:cNvSpPr>
+            <a:spLocks noGrp="1"/>
+          </p:cNvSpPr>
+          <p:nvPr>
+            <p:ph type="sldNum" sz="quarter" idx="12"/>
+          </p:nvPr>
+        </p:nvSpPr>
+        <p:spPr/>
+        <p:txBody>
+          <a:bodyPr/>
+          <a:lstStyle/>
+          <a:p>
+            <a:pPr>
+              <a:defRPr/>
+            </a:pPr>
+            <a:fld id="{37E4E265-2F72-DF4D-B77D-D3249BA76B9F}" type="slidenum">
+              <a:rPr lang="fr-FR" smtClean="0"/>
+              <a:pPr>
+                <a:defRPr/>
+              </a:pPr>
+              <a:t>76</a:t>
+            </a:fld>
+            <a:endParaRPr lang="fr-FR"/>
+          </a:p>
+        </p:txBody>
+      </p:sp>
+    </p:spTree>
+    <p:extLst>
+      <p:ext uri="{BB962C8B-B14F-4D97-AF65-F5344CB8AC3E}">
+        <p14:creationId xmlns:p14="http://schemas.microsoft.com/office/powerpoint/2010/main" val="1200755335"/>
+      </p:ext>
+    </p:extLst>
+  </p:cSld>
+  <p:clrMapOvr>
+    <a:masterClrMapping/>
+  </p:clrMapOvr>
+  <p:transition spd="slow">
+    <p:fade/>
+  </p:transition>
+</p:sld>
+</file>
+
+<file path=ppt/slides/slide77.xml><?xml version="1.0" encoding="utf-8"?>
+<p:sld xmlns:a="http://schemas.openxmlformats.org/drawingml/2006/main" xmlns:r="http://schemas.openxmlformats.org/officeDocument/2006/relationships" xmlns:p="http://schemas.openxmlformats.org/presentationml/2006/main">
+  <p:cSld>
+    <p:spTree>
+      <p:nvGrpSpPr>
+        <p:cNvPr id="1" name=""/>
+        <p:cNvGrpSpPr/>
+        <p:nvPr/>
+      </p:nvGrpSpPr>
+      <p:grpSpPr>
+        <a:xfrm>
+          <a:off x="0" y="0"/>
+          <a:ext cx="0" cy="0"/>
+          <a:chOff x="0" y="0"/>
+          <a:chExt cx="0" cy="0"/>
+        </a:xfrm>
+      </p:grpSpPr>
+      <p:sp>
+        <p:nvSpPr>
+          <p:cNvPr id="2" name="Titre 1">
+            <a:extLst>
+              <a:ext uri="{FF2B5EF4-FFF2-40B4-BE49-F238E27FC236}">
+                <a16:creationId xmlns:a16="http://schemas.microsoft.com/office/drawing/2014/main" id="{05ECFDAF-AB28-491A-BF18-7A6EAEE9C2BD}"/>
+              </a:ext>
+            </a:extLst>
+          </p:cNvPr>
+          <p:cNvSpPr>
+            <a:spLocks noGrp="1"/>
+          </p:cNvSpPr>
+          <p:nvPr>
+            <p:ph type="title"/>
+          </p:nvPr>
+        </p:nvSpPr>
+        <p:spPr/>
+        <p:txBody>
+          <a:bodyPr/>
+          <a:lstStyle/>
+          <a:p>
+            <a:r>
+              <a:rPr lang="fr-BE" dirty="0"/>
+              <a:t>OVH UX Flow </a:t>
+            </a:r>
+          </a:p>
+        </p:txBody>
+      </p:sp>
+      <p:sp>
+        <p:nvSpPr>
+          <p:cNvPr id="4" name="Espace réservé du pied de page 3">
+            <a:extLst>
+              <a:ext uri="{FF2B5EF4-FFF2-40B4-BE49-F238E27FC236}">
+                <a16:creationId xmlns:a16="http://schemas.microsoft.com/office/drawing/2014/main" id="{721B7272-C731-46B1-B1A9-811A16F0CD64}"/>
+              </a:ext>
+            </a:extLst>
+          </p:cNvPr>
+          <p:cNvSpPr>
+            <a:spLocks noGrp="1"/>
+          </p:cNvSpPr>
+          <p:nvPr>
+            <p:ph type="ftr" sz="quarter" idx="11"/>
+          </p:nvPr>
+        </p:nvSpPr>
+        <p:spPr/>
+        <p:txBody>
+          <a:bodyPr/>
+          <a:lstStyle/>
+          <a:p>
+            <a:pPr>
+              <a:defRPr/>
+            </a:pPr>
+            <a:r>
+              <a:rPr lang="fr-FR"/>
+              <a:t>Adrien Huygens</a:t>
+            </a:r>
+            <a:endParaRPr lang="fr-FR" dirty="0"/>
+          </a:p>
+        </p:txBody>
+      </p:sp>
+      <p:sp>
+        <p:nvSpPr>
+          <p:cNvPr id="5" name="Espace réservé du numéro de diapositive 4">
+            <a:extLst>
+              <a:ext uri="{FF2B5EF4-FFF2-40B4-BE49-F238E27FC236}">
+                <a16:creationId xmlns:a16="http://schemas.microsoft.com/office/drawing/2014/main" id="{D7993777-CB8E-4945-9AF4-CCCC0C560B36}"/>
+              </a:ext>
+            </a:extLst>
+          </p:cNvPr>
+          <p:cNvSpPr>
+            <a:spLocks noGrp="1"/>
+          </p:cNvSpPr>
+          <p:nvPr>
+            <p:ph type="sldNum" sz="quarter" idx="12"/>
+          </p:nvPr>
+        </p:nvSpPr>
+        <p:spPr/>
+        <p:txBody>
+          <a:bodyPr/>
+          <a:lstStyle/>
+          <a:p>
+            <a:pPr>
+              <a:defRPr/>
+            </a:pPr>
+            <a:fld id="{37E4E265-2F72-DF4D-B77D-D3249BA76B9F}" type="slidenum">
+              <a:rPr lang="fr-FR" smtClean="0"/>
+              <a:pPr>
+                <a:defRPr/>
+              </a:pPr>
+              <a:t>77</a:t>
+            </a:fld>
+            <a:endParaRPr lang="fr-FR"/>
+          </a:p>
+        </p:txBody>
+      </p:sp>
+      <p:pic>
+        <p:nvPicPr>
+          <p:cNvPr id="9218" name="Picture 2" descr="Image for post">
+            <a:extLst>
+              <a:ext uri="{FF2B5EF4-FFF2-40B4-BE49-F238E27FC236}">
+                <a16:creationId xmlns:a16="http://schemas.microsoft.com/office/drawing/2014/main" id="{0CA9BF54-F577-45A0-876D-A73A2685AE9B}"/>
+              </a:ext>
+            </a:extLst>
+          </p:cNvPr>
+          <p:cNvPicPr>
+            <a:picLocks noGrp="1" noChangeAspect="1" noChangeArrowheads="1"/>
+          </p:cNvPicPr>
+          <p:nvPr>
+            <p:ph idx="1"/>
+          </p:nvPr>
+        </p:nvPicPr>
+        <p:blipFill>
+          <a:blip r:embed="rId2">
+            <a:extLst>
+              <a:ext uri="{28A0092B-C50C-407E-A947-70E740481C1C}">
+                <a14:useLocalDpi xmlns:a14="http://schemas.microsoft.com/office/drawing/2010/main" val="0"/>
+              </a:ext>
+            </a:extLst>
+          </a:blip>
+          <a:srcRect/>
+          <a:stretch>
+            <a:fillRect/>
+          </a:stretch>
+        </p:blipFill>
+        <p:spPr bwMode="auto">
+          <a:xfrm>
+            <a:off x="885825" y="1597025"/>
+            <a:ext cx="7372350" cy="4238625"/>
+          </a:xfrm>
+          <a:prstGeom prst="rect">
+            <a:avLst/>
+          </a:prstGeom>
+          <a:noFill/>
+          <a:extLst>
+            <a:ext uri="{909E8E84-426E-40DD-AFC4-6F175D3DCCD1}">
+              <a14:hiddenFill xmlns:a14="http://schemas.microsoft.com/office/drawing/2010/main">
+                <a:solidFill>
+                  <a:srgbClr val="FFFFFF"/>
+                </a:solidFill>
+              </a14:hiddenFill>
+            </a:ext>
+          </a:extLst>
+        </p:spPr>
+      </p:pic>
+    </p:spTree>
+    <p:extLst>
+      <p:ext uri="{BB962C8B-B14F-4D97-AF65-F5344CB8AC3E}">
+        <p14:creationId xmlns:p14="http://schemas.microsoft.com/office/powerpoint/2010/main" val="3135514252"/>
+      </p:ext>
+    </p:extLst>
+  </p:cSld>
+  <p:clrMapOvr>
+    <a:masterClrMapping/>
+  </p:clrMapOvr>
+  <p:transition spd="slow">
+    <p:fade/>
+  </p:transition>
+</p:sld>
+</file>
+
+<file path=ppt/slides/slide78.xml><?xml version="1.0" encoding="utf-8"?>
+<p:sld xmlns:a="http://schemas.openxmlformats.org/drawingml/2006/main" xmlns:r="http://schemas.openxmlformats.org/officeDocument/2006/relationships" xmlns:p="http://schemas.openxmlformats.org/presentationml/2006/main">
+  <p:cSld>
+    <p:spTree>
+      <p:nvGrpSpPr>
+        <p:cNvPr id="1" name=""/>
+        <p:cNvGrpSpPr/>
+        <p:nvPr/>
+      </p:nvGrpSpPr>
+      <p:grpSpPr>
+        <a:xfrm>
+          <a:off x="0" y="0"/>
+          <a:ext cx="0" cy="0"/>
+          <a:chOff x="0" y="0"/>
+          <a:chExt cx="0" cy="0"/>
+        </a:xfrm>
+      </p:grpSpPr>
+      <p:sp>
+        <p:nvSpPr>
+          <p:cNvPr id="2" name="Titre 1">
+            <a:extLst>
+              <a:ext uri="{FF2B5EF4-FFF2-40B4-BE49-F238E27FC236}">
+                <a16:creationId xmlns:a16="http://schemas.microsoft.com/office/drawing/2014/main" id="{D99278C0-F0AF-46F4-A900-E247D7ADEA24}"/>
+              </a:ext>
+            </a:extLst>
+          </p:cNvPr>
+          <p:cNvSpPr>
+            <a:spLocks noGrp="1"/>
+          </p:cNvSpPr>
+          <p:nvPr>
+            <p:ph type="title"/>
+          </p:nvPr>
+        </p:nvSpPr>
+        <p:spPr/>
+        <p:txBody>
+          <a:bodyPr/>
+          <a:lstStyle/>
+          <a:p>
+            <a:r>
+              <a:rPr lang="fr-BE" dirty="0"/>
+              <a:t>Git dans nos logiciels</a:t>
+            </a:r>
+          </a:p>
+        </p:txBody>
+      </p:sp>
+      <p:sp>
+        <p:nvSpPr>
+          <p:cNvPr id="3" name="Espace réservé du contenu 2">
+            <a:extLst>
+              <a:ext uri="{FF2B5EF4-FFF2-40B4-BE49-F238E27FC236}">
+                <a16:creationId xmlns:a16="http://schemas.microsoft.com/office/drawing/2014/main" id="{F77E1A33-A1EA-4B4D-9862-A4FB61FC07A8}"/>
+              </a:ext>
+            </a:extLst>
+          </p:cNvPr>
+          <p:cNvSpPr>
+            <a:spLocks noGrp="1"/>
+          </p:cNvSpPr>
+          <p:nvPr>
+            <p:ph idx="1"/>
+          </p:nvPr>
+        </p:nvSpPr>
+        <p:spPr/>
+        <p:txBody>
+          <a:bodyPr/>
+          <a:lstStyle/>
+          <a:p>
+            <a:r>
+              <a:rPr lang="fr-BE" dirty="0"/>
+              <a:t>Il est de moins en moins utiles de maitriser les commandes, le logiciel est directement intégrer à des outils de développement </a:t>
+            </a:r>
+          </a:p>
+          <a:p>
+            <a:endParaRPr lang="fr-BE" dirty="0"/>
+          </a:p>
+        </p:txBody>
+      </p:sp>
+      <p:sp>
+        <p:nvSpPr>
+          <p:cNvPr id="4" name="Espace réservé du pied de page 3">
+            <a:extLst>
+              <a:ext uri="{FF2B5EF4-FFF2-40B4-BE49-F238E27FC236}">
+                <a16:creationId xmlns:a16="http://schemas.microsoft.com/office/drawing/2014/main" id="{110FB9CB-60DF-471F-9529-974ACB5EE750}"/>
+              </a:ext>
+            </a:extLst>
+          </p:cNvPr>
+          <p:cNvSpPr>
+            <a:spLocks noGrp="1"/>
+          </p:cNvSpPr>
+          <p:nvPr>
+            <p:ph type="ftr" sz="quarter" idx="11"/>
+          </p:nvPr>
+        </p:nvSpPr>
+        <p:spPr/>
+        <p:txBody>
+          <a:bodyPr/>
+          <a:lstStyle/>
+          <a:p>
+            <a:pPr>
+              <a:defRPr/>
+            </a:pPr>
+            <a:r>
+              <a:rPr lang="fr-FR"/>
+              <a:t>Adrien Huygens</a:t>
+            </a:r>
+            <a:endParaRPr lang="fr-FR" dirty="0"/>
+          </a:p>
+        </p:txBody>
+      </p:sp>
+      <p:sp>
+        <p:nvSpPr>
+          <p:cNvPr id="5" name="Espace réservé du numéro de diapositive 4">
+            <a:extLst>
+              <a:ext uri="{FF2B5EF4-FFF2-40B4-BE49-F238E27FC236}">
+                <a16:creationId xmlns:a16="http://schemas.microsoft.com/office/drawing/2014/main" id="{CAA5E7D4-E6E2-4D48-A3EC-C442A6DC20AE}"/>
+              </a:ext>
+            </a:extLst>
+          </p:cNvPr>
+          <p:cNvSpPr>
+            <a:spLocks noGrp="1"/>
+          </p:cNvSpPr>
+          <p:nvPr>
+            <p:ph type="sldNum" sz="quarter" idx="12"/>
+          </p:nvPr>
+        </p:nvSpPr>
+        <p:spPr/>
+        <p:txBody>
+          <a:bodyPr/>
+          <a:lstStyle/>
+          <a:p>
+            <a:pPr>
+              <a:defRPr/>
+            </a:pPr>
+            <a:fld id="{37E4E265-2F72-DF4D-B77D-D3249BA76B9F}" type="slidenum">
+              <a:rPr lang="fr-FR" smtClean="0"/>
+              <a:pPr>
+                <a:defRPr/>
+              </a:pPr>
+              <a:t>78</a:t>
+            </a:fld>
+            <a:endParaRPr lang="fr-FR"/>
+          </a:p>
+        </p:txBody>
+      </p:sp>
+      <p:pic>
+        <p:nvPicPr>
+          <p:cNvPr id="6" name="Image 5">
+            <a:extLst>
+              <a:ext uri="{FF2B5EF4-FFF2-40B4-BE49-F238E27FC236}">
+                <a16:creationId xmlns:a16="http://schemas.microsoft.com/office/drawing/2014/main" id="{FBCB0755-D3AC-4092-A698-D04B2DA51B6B}"/>
+              </a:ext>
+            </a:extLst>
+          </p:cNvPr>
+          <p:cNvPicPr>
+            <a:picLocks noChangeAspect="1"/>
+          </p:cNvPicPr>
+          <p:nvPr/>
+        </p:nvPicPr>
+        <p:blipFill>
+          <a:blip r:embed="rId2"/>
+          <a:stretch>
+            <a:fillRect/>
+          </a:stretch>
+        </p:blipFill>
+        <p:spPr>
+          <a:xfrm>
+            <a:off x="2424112" y="3095625"/>
+            <a:ext cx="4295775" cy="666750"/>
+          </a:xfrm>
+          <a:prstGeom prst="rect">
+            <a:avLst/>
+          </a:prstGeom>
+        </p:spPr>
+      </p:pic>
+      <p:pic>
+        <p:nvPicPr>
+          <p:cNvPr id="7" name="Image 6">
+            <a:extLst>
+              <a:ext uri="{FF2B5EF4-FFF2-40B4-BE49-F238E27FC236}">
+                <a16:creationId xmlns:a16="http://schemas.microsoft.com/office/drawing/2014/main" id="{C222850A-33CD-41C3-A6D1-CF791A1BE7F3}"/>
+              </a:ext>
+            </a:extLst>
+          </p:cNvPr>
+          <p:cNvPicPr>
+            <a:picLocks noChangeAspect="1"/>
+          </p:cNvPicPr>
+          <p:nvPr/>
+        </p:nvPicPr>
+        <p:blipFill>
+          <a:blip r:embed="rId3"/>
+          <a:stretch>
+            <a:fillRect/>
+          </a:stretch>
+        </p:blipFill>
+        <p:spPr>
+          <a:xfrm>
+            <a:off x="331546" y="3925132"/>
+            <a:ext cx="4807105" cy="2130498"/>
+          </a:xfrm>
+          <a:prstGeom prst="rect">
+            <a:avLst/>
+          </a:prstGeom>
+        </p:spPr>
+      </p:pic>
+    </p:spTree>
+    <p:extLst>
+      <p:ext uri="{BB962C8B-B14F-4D97-AF65-F5344CB8AC3E}">
+        <p14:creationId xmlns:p14="http://schemas.microsoft.com/office/powerpoint/2010/main" val="1924658942"/>
+      </p:ext>
+    </p:extLst>
+  </p:cSld>
+  <p:clrMapOvr>
+    <a:masterClrMapping/>
+  </p:clrMapOvr>
+  <p:transition spd="slow">
+    <p:fade/>
+  </p:transition>
+</p:sld>
+</file>
+
+<file path=ppt/slides/slide79.xml><?xml version="1.0" encoding="utf-8"?>
+<p:sld xmlns:a="http://schemas.openxmlformats.org/drawingml/2006/main" xmlns:r="http://schemas.openxmlformats.org/officeDocument/2006/relationships" xmlns:p="http://schemas.openxmlformats.org/presentationml/2006/main" show="0">
+  <p:cSld>
+    <p:spTree>
+      <p:nvGrpSpPr>
+        <p:cNvPr id="1" name=""/>
+        <p:cNvGrpSpPr/>
+        <p:nvPr/>
+      </p:nvGrpSpPr>
+      <p:grpSpPr>
+        <a:xfrm>
+          <a:off x="0" y="0"/>
+          <a:ext cx="0" cy="0"/>
+          <a:chOff x="0" y="0"/>
+          <a:chExt cx="0" cy="0"/>
+        </a:xfrm>
+      </p:grpSpPr>
+      <p:sp>
+        <p:nvSpPr>
+          <p:cNvPr id="2" name="Titre 1">
+            <a:extLst>
+              <a:ext uri="{FF2B5EF4-FFF2-40B4-BE49-F238E27FC236}">
+                <a16:creationId xmlns:a16="http://schemas.microsoft.com/office/drawing/2014/main" id="{1FBE7FF3-EB45-4160-9654-A155BF5D59E1}"/>
+              </a:ext>
+            </a:extLst>
+          </p:cNvPr>
+          <p:cNvSpPr>
+            <a:spLocks noGrp="1"/>
+          </p:cNvSpPr>
+          <p:nvPr>
+            <p:ph type="title"/>
+          </p:nvPr>
+        </p:nvSpPr>
+        <p:spPr/>
+        <p:txBody>
+          <a:bodyPr/>
+          <a:lstStyle/>
+          <a:p>
+            <a:endParaRPr lang="fr-BE"/>
+          </a:p>
+        </p:txBody>
+      </p:sp>
+      <p:sp>
+        <p:nvSpPr>
+          <p:cNvPr id="3" name="Espace réservé du contenu 2">
+            <a:extLst>
+              <a:ext uri="{FF2B5EF4-FFF2-40B4-BE49-F238E27FC236}">
+                <a16:creationId xmlns:a16="http://schemas.microsoft.com/office/drawing/2014/main" id="{8C925D5A-DB5E-4E61-A781-A2394C53F727}"/>
+              </a:ext>
+            </a:extLst>
+          </p:cNvPr>
+          <p:cNvSpPr>
+            <a:spLocks noGrp="1"/>
+          </p:cNvSpPr>
+          <p:nvPr>
+            <p:ph idx="1"/>
+          </p:nvPr>
+        </p:nvSpPr>
+        <p:spPr/>
+        <p:txBody>
+          <a:bodyPr/>
+          <a:lstStyle/>
+          <a:p>
+            <a:r>
+              <a:rPr lang="fr-BE" dirty="0"/>
+              <a:t>Avantage et </a:t>
+            </a:r>
+            <a:r>
+              <a:rPr lang="fr-BE" dirty="0" err="1"/>
+              <a:t>incovenient</a:t>
+            </a:r>
+            <a:endParaRPr lang="fr-BE" dirty="0"/>
+          </a:p>
+          <a:p>
+            <a:r>
+              <a:rPr lang="fr-BE" dirty="0"/>
+              <a:t>Intégration de git dans les logiciel </a:t>
+            </a:r>
+          </a:p>
+          <a:p>
+            <a:r>
+              <a:rPr lang="fr-BE" dirty="0">
+                <a:hlinkClick r:id="rId2"/>
+              </a:rPr>
+              <a:t>https://visuresolutions.com/fr/microsoft-tfs-azure-devops/#:~:text=Microsoft%20Team%20Foundation%20Server%2C%20ou,de%20gestion%20des%20versions%20aux</a:t>
+            </a:r>
+            <a:endParaRPr lang="fr-BE" dirty="0"/>
+          </a:p>
+          <a:p>
+            <a:endParaRPr lang="fr-BE" dirty="0"/>
+          </a:p>
+          <a:p>
+            <a:endParaRPr lang="fr-BE" dirty="0"/>
+          </a:p>
+          <a:p>
+            <a:endParaRPr lang="fr-BE" dirty="0"/>
+          </a:p>
+        </p:txBody>
+      </p:sp>
+      <p:sp>
+        <p:nvSpPr>
+          <p:cNvPr id="4" name="Espace réservé du pied de page 3">
+            <a:extLst>
+              <a:ext uri="{FF2B5EF4-FFF2-40B4-BE49-F238E27FC236}">
+                <a16:creationId xmlns:a16="http://schemas.microsoft.com/office/drawing/2014/main" id="{E845F083-7238-4E7B-B6EC-DEDE90D7A247}"/>
+              </a:ext>
+            </a:extLst>
+          </p:cNvPr>
+          <p:cNvSpPr>
+            <a:spLocks noGrp="1"/>
+          </p:cNvSpPr>
+          <p:nvPr>
+            <p:ph type="ftr" sz="quarter" idx="11"/>
+          </p:nvPr>
+        </p:nvSpPr>
+        <p:spPr/>
+        <p:txBody>
+          <a:bodyPr/>
+          <a:lstStyle/>
+          <a:p>
+            <a:pPr>
+              <a:defRPr/>
+            </a:pPr>
+            <a:r>
+              <a:rPr lang="fr-FR"/>
+              <a:t>Adrien Huygens</a:t>
+            </a:r>
+            <a:endParaRPr lang="fr-FR" dirty="0"/>
+          </a:p>
+        </p:txBody>
+      </p:sp>
+      <p:sp>
+        <p:nvSpPr>
+          <p:cNvPr id="5" name="Espace réservé du numéro de diapositive 4">
+            <a:extLst>
+              <a:ext uri="{FF2B5EF4-FFF2-40B4-BE49-F238E27FC236}">
+                <a16:creationId xmlns:a16="http://schemas.microsoft.com/office/drawing/2014/main" id="{52477C2E-881D-4EE8-B415-E80037C307DA}"/>
+              </a:ext>
+            </a:extLst>
+          </p:cNvPr>
+          <p:cNvSpPr>
+            <a:spLocks noGrp="1"/>
+          </p:cNvSpPr>
+          <p:nvPr>
+            <p:ph type="sldNum" sz="quarter" idx="12"/>
+          </p:nvPr>
+        </p:nvSpPr>
+        <p:spPr/>
+        <p:txBody>
+          <a:bodyPr/>
+          <a:lstStyle/>
+          <a:p>
+            <a:pPr>
+              <a:defRPr/>
+            </a:pPr>
+            <a:fld id="{37E4E265-2F72-DF4D-B77D-D3249BA76B9F}" type="slidenum">
+              <a:rPr lang="fr-FR" smtClean="0"/>
+              <a:pPr>
+                <a:defRPr/>
+              </a:pPr>
+              <a:t>79</a:t>
+            </a:fld>
+            <a:endParaRPr lang="fr-FR"/>
+          </a:p>
+        </p:txBody>
+      </p:sp>
+    </p:spTree>
+    <p:extLst>
+      <p:ext uri="{BB962C8B-B14F-4D97-AF65-F5344CB8AC3E}">
+        <p14:creationId xmlns:p14="http://schemas.microsoft.com/office/powerpoint/2010/main" val="3648614869"/>
       </p:ext>
     </p:extLst>
   </p:cSld>
@@ -21625,6 +26880,1276 @@
     <p:extLst>
       <p:ext uri="{BB962C8B-B14F-4D97-AF65-F5344CB8AC3E}">
         <p14:creationId xmlns:p14="http://schemas.microsoft.com/office/powerpoint/2010/main" val="876746711"/>
+      </p:ext>
+    </p:extLst>
+  </p:cSld>
+  <p:clrMapOvr>
+    <a:masterClrMapping/>
+  </p:clrMapOvr>
+  <p:transition spd="slow">
+    <p:fade/>
+  </p:transition>
+</p:sld>
+</file>
+
+<file path=ppt/slides/slide80.xml><?xml version="1.0" encoding="utf-8"?>
+<p:sld xmlns:a="http://schemas.openxmlformats.org/drawingml/2006/main" xmlns:r="http://schemas.openxmlformats.org/officeDocument/2006/relationships" xmlns:p="http://schemas.openxmlformats.org/presentationml/2006/main">
+  <p:cSld>
+    <p:spTree>
+      <p:nvGrpSpPr>
+        <p:cNvPr id="1" name=""/>
+        <p:cNvGrpSpPr/>
+        <p:nvPr/>
+      </p:nvGrpSpPr>
+      <p:grpSpPr>
+        <a:xfrm>
+          <a:off x="0" y="0"/>
+          <a:ext cx="0" cy="0"/>
+          <a:chOff x="0" y="0"/>
+          <a:chExt cx="0" cy="0"/>
+        </a:xfrm>
+      </p:grpSpPr>
+      <p:sp>
+        <p:nvSpPr>
+          <p:cNvPr id="2" name="Titre 1">
+            <a:extLst>
+              <a:ext uri="{FF2B5EF4-FFF2-40B4-BE49-F238E27FC236}">
+                <a16:creationId xmlns:a16="http://schemas.microsoft.com/office/drawing/2014/main" id="{8DEB4769-F353-4FC4-BF3A-6656974BB372}"/>
+              </a:ext>
+            </a:extLst>
+          </p:cNvPr>
+          <p:cNvSpPr>
+            <a:spLocks noGrp="1"/>
+          </p:cNvSpPr>
+          <p:nvPr>
+            <p:ph type="title"/>
+          </p:nvPr>
+        </p:nvSpPr>
+        <p:spPr>
+          <a:xfrm>
+            <a:off x="685800" y="1796637"/>
+            <a:ext cx="7772400" cy="1362075"/>
+          </a:xfrm>
+        </p:spPr>
+        <p:txBody>
+          <a:bodyPr wrap="square" anchor="t">
+            <a:normAutofit/>
+          </a:bodyPr>
+          <a:lstStyle/>
+          <a:p>
+            <a:r>
+              <a:rPr lang="fr-BE" dirty="0"/>
+              <a:t>Présentation Azure </a:t>
+            </a:r>
+            <a:r>
+              <a:rPr lang="fr-BE" dirty="0" err="1"/>
+              <a:t>Devops</a:t>
+            </a:r>
+            <a:endParaRPr lang="fr-BE" dirty="0"/>
+          </a:p>
+        </p:txBody>
+      </p:sp>
+      <p:sp>
+        <p:nvSpPr>
+          <p:cNvPr id="4" name="Espace réservé du pied de page 3">
+            <a:extLst>
+              <a:ext uri="{FF2B5EF4-FFF2-40B4-BE49-F238E27FC236}">
+                <a16:creationId xmlns:a16="http://schemas.microsoft.com/office/drawing/2014/main" id="{2DC9A9E7-913B-4D7A-A7C9-CB4D9D78CE43}"/>
+              </a:ext>
+            </a:extLst>
+          </p:cNvPr>
+          <p:cNvSpPr>
+            <a:spLocks noGrp="1"/>
+          </p:cNvSpPr>
+          <p:nvPr>
+            <p:ph type="ftr" sz="quarter" idx="11"/>
+          </p:nvPr>
+        </p:nvSpPr>
+        <p:spPr>
+          <a:xfrm>
+            <a:off x="2339975" y="6426054"/>
+            <a:ext cx="4464050" cy="339725"/>
+          </a:xfrm>
+        </p:spPr>
+        <p:txBody>
+          <a:bodyPr wrap="square" anchor="t">
+            <a:normAutofit/>
+          </a:bodyPr>
+          <a:lstStyle/>
+          <a:p>
+            <a:pPr>
+              <a:spcAft>
+                <a:spcPts val="600"/>
+              </a:spcAft>
+              <a:defRPr/>
+            </a:pPr>
+            <a:r>
+              <a:rPr lang="fr-FR"/>
+              <a:t>Adrien Huygens</a:t>
+            </a:r>
+          </a:p>
+        </p:txBody>
+      </p:sp>
+      <p:sp>
+        <p:nvSpPr>
+          <p:cNvPr id="5" name="Espace réservé du numéro de diapositive 4">
+            <a:extLst>
+              <a:ext uri="{FF2B5EF4-FFF2-40B4-BE49-F238E27FC236}">
+                <a16:creationId xmlns:a16="http://schemas.microsoft.com/office/drawing/2014/main" id="{69A23A9B-A490-4ED1-93C3-6709651BAAAD}"/>
+              </a:ext>
+            </a:extLst>
+          </p:cNvPr>
+          <p:cNvSpPr>
+            <a:spLocks noGrp="1"/>
+          </p:cNvSpPr>
+          <p:nvPr>
+            <p:ph type="sldNum" sz="quarter" idx="12"/>
+          </p:nvPr>
+        </p:nvSpPr>
+        <p:spPr>
+          <a:xfrm>
+            <a:off x="7019925" y="6426054"/>
+            <a:ext cx="1081088" cy="339725"/>
+          </a:xfrm>
+        </p:spPr>
+        <p:txBody>
+          <a:bodyPr wrap="square" anchor="t">
+            <a:normAutofit/>
+          </a:bodyPr>
+          <a:lstStyle/>
+          <a:p>
+            <a:pPr>
+              <a:spcAft>
+                <a:spcPts val="600"/>
+              </a:spcAft>
+              <a:defRPr/>
+            </a:pPr>
+            <a:fld id="{37E4E265-2F72-DF4D-B77D-D3249BA76B9F}" type="slidenum">
+              <a:rPr lang="fr-FR" smtClean="0"/>
+              <a:pPr>
+                <a:spcAft>
+                  <a:spcPts val="600"/>
+                </a:spcAft>
+                <a:defRPr/>
+              </a:pPr>
+              <a:t>80</a:t>
+            </a:fld>
+            <a:endParaRPr lang="fr-FR"/>
+          </a:p>
+        </p:txBody>
+      </p:sp>
+      <p:pic>
+        <p:nvPicPr>
+          <p:cNvPr id="10242" name="Picture 2" descr="Conceptual image, Agile work item type">
+            <a:extLst>
+              <a:ext uri="{FF2B5EF4-FFF2-40B4-BE49-F238E27FC236}">
+                <a16:creationId xmlns:a16="http://schemas.microsoft.com/office/drawing/2014/main" id="{D6D04384-65C5-442A-8B0D-D4296D5BE3D5}"/>
+              </a:ext>
+            </a:extLst>
+          </p:cNvPr>
+          <p:cNvPicPr>
+            <a:picLocks noChangeAspect="1" noChangeArrowheads="1"/>
+          </p:cNvPicPr>
+          <p:nvPr/>
+        </p:nvPicPr>
+        <p:blipFill>
+          <a:blip r:embed="rId2">
+            <a:extLst>
+              <a:ext uri="{28A0092B-C50C-407E-A947-70E740481C1C}">
+                <a14:useLocalDpi xmlns:a14="http://schemas.microsoft.com/office/drawing/2010/main" val="0"/>
+              </a:ext>
+            </a:extLst>
+          </a:blip>
+          <a:srcRect/>
+          <a:stretch>
+            <a:fillRect/>
+          </a:stretch>
+        </p:blipFill>
+        <p:spPr bwMode="auto">
+          <a:xfrm>
+            <a:off x="2442471" y="3400134"/>
+            <a:ext cx="4519794" cy="2742971"/>
+          </a:xfrm>
+          <a:prstGeom prst="rect">
+            <a:avLst/>
+          </a:prstGeom>
+          <a:noFill/>
+          <a:extLst>
+            <a:ext uri="{909E8E84-426E-40DD-AFC4-6F175D3DCCD1}">
+              <a14:hiddenFill xmlns:a14="http://schemas.microsoft.com/office/drawing/2010/main">
+                <a:solidFill>
+                  <a:srgbClr val="FFFFFF"/>
+                </a:solidFill>
+              </a14:hiddenFill>
+            </a:ext>
+          </a:extLst>
+        </p:spPr>
+      </p:pic>
+    </p:spTree>
+    <p:extLst>
+      <p:ext uri="{BB962C8B-B14F-4D97-AF65-F5344CB8AC3E}">
+        <p14:creationId xmlns:p14="http://schemas.microsoft.com/office/powerpoint/2010/main" val="2097548374"/>
+      </p:ext>
+    </p:extLst>
+  </p:cSld>
+  <p:clrMapOvr>
+    <a:masterClrMapping/>
+  </p:clrMapOvr>
+  <p:transition spd="slow">
+    <p:fade/>
+  </p:transition>
+</p:sld>
+</file>
+
+<file path=ppt/slides/slide81.xml><?xml version="1.0" encoding="utf-8"?>
+<p:sld xmlns:a="http://schemas.openxmlformats.org/drawingml/2006/main" xmlns:r="http://schemas.openxmlformats.org/officeDocument/2006/relationships" xmlns:p="http://schemas.openxmlformats.org/presentationml/2006/main">
+  <p:cSld>
+    <p:spTree>
+      <p:nvGrpSpPr>
+        <p:cNvPr id="1" name=""/>
+        <p:cNvGrpSpPr/>
+        <p:nvPr/>
+      </p:nvGrpSpPr>
+      <p:grpSpPr>
+        <a:xfrm>
+          <a:off x="0" y="0"/>
+          <a:ext cx="0" cy="0"/>
+          <a:chOff x="0" y="0"/>
+          <a:chExt cx="0" cy="0"/>
+        </a:xfrm>
+      </p:grpSpPr>
+      <p:sp>
+        <p:nvSpPr>
+          <p:cNvPr id="6" name="Titre 5">
+            <a:extLst>
+              <a:ext uri="{FF2B5EF4-FFF2-40B4-BE49-F238E27FC236}">
+                <a16:creationId xmlns:a16="http://schemas.microsoft.com/office/drawing/2014/main" id="{16C1F0B3-BCF4-428E-BED2-85D819494060}"/>
+              </a:ext>
+            </a:extLst>
+          </p:cNvPr>
+          <p:cNvSpPr>
+            <a:spLocks noGrp="1"/>
+          </p:cNvSpPr>
+          <p:nvPr>
+            <p:ph type="title"/>
+          </p:nvPr>
+        </p:nvSpPr>
+        <p:spPr/>
+        <p:txBody>
+          <a:bodyPr/>
+          <a:lstStyle/>
+          <a:p>
+            <a:r>
+              <a:rPr lang="fr-BE" dirty="0"/>
+              <a:t>Présentation Azure </a:t>
+            </a:r>
+            <a:r>
+              <a:rPr lang="fr-BE" dirty="0" err="1"/>
+              <a:t>Devops</a:t>
+            </a:r>
+            <a:endParaRPr lang="fr-BE" dirty="0"/>
+          </a:p>
+        </p:txBody>
+      </p:sp>
+      <p:sp>
+        <p:nvSpPr>
+          <p:cNvPr id="4" name="Espace réservé du pied de page 3">
+            <a:extLst>
+              <a:ext uri="{FF2B5EF4-FFF2-40B4-BE49-F238E27FC236}">
+                <a16:creationId xmlns:a16="http://schemas.microsoft.com/office/drawing/2014/main" id="{617615A1-4C05-4BC0-97E5-F8EA0E2EBF1E}"/>
+              </a:ext>
+            </a:extLst>
+          </p:cNvPr>
+          <p:cNvSpPr>
+            <a:spLocks noGrp="1"/>
+          </p:cNvSpPr>
+          <p:nvPr>
+            <p:ph type="ftr" sz="quarter" idx="11"/>
+          </p:nvPr>
+        </p:nvSpPr>
+        <p:spPr/>
+        <p:txBody>
+          <a:bodyPr/>
+          <a:lstStyle/>
+          <a:p>
+            <a:pPr>
+              <a:defRPr/>
+            </a:pPr>
+            <a:endParaRPr lang="fr-FR"/>
+          </a:p>
+        </p:txBody>
+      </p:sp>
+      <p:sp>
+        <p:nvSpPr>
+          <p:cNvPr id="5" name="Espace réservé du numéro de diapositive 4">
+            <a:extLst>
+              <a:ext uri="{FF2B5EF4-FFF2-40B4-BE49-F238E27FC236}">
+                <a16:creationId xmlns:a16="http://schemas.microsoft.com/office/drawing/2014/main" id="{F310E16D-AE0E-4603-813E-6E464811BCA2}"/>
+              </a:ext>
+            </a:extLst>
+          </p:cNvPr>
+          <p:cNvSpPr>
+            <a:spLocks noGrp="1"/>
+          </p:cNvSpPr>
+          <p:nvPr>
+            <p:ph type="sldNum" sz="quarter" idx="12"/>
+          </p:nvPr>
+        </p:nvSpPr>
+        <p:spPr/>
+        <p:txBody>
+          <a:bodyPr/>
+          <a:lstStyle/>
+          <a:p>
+            <a:pPr>
+              <a:defRPr/>
+            </a:pPr>
+            <a:fld id="{B4174E2D-55EB-1646-8534-505E491D1059}" type="slidenum">
+              <a:rPr lang="fr-FR" smtClean="0"/>
+              <a:pPr>
+                <a:defRPr/>
+              </a:pPr>
+              <a:t>81</a:t>
+            </a:fld>
+            <a:endParaRPr lang="fr-FR"/>
+          </a:p>
+        </p:txBody>
+      </p:sp>
+      <p:pic>
+        <p:nvPicPr>
+          <p:cNvPr id="11266" name="Picture 2">
+            <a:extLst>
+              <a:ext uri="{FF2B5EF4-FFF2-40B4-BE49-F238E27FC236}">
+                <a16:creationId xmlns:a16="http://schemas.microsoft.com/office/drawing/2014/main" id="{6883D787-E690-49C9-9616-BF7F19925CFC}"/>
+              </a:ext>
+            </a:extLst>
+          </p:cNvPr>
+          <p:cNvPicPr>
+            <a:picLocks noGrp="1" noChangeAspect="1" noChangeArrowheads="1"/>
+          </p:cNvPicPr>
+          <p:nvPr>
+            <p:ph idx="1"/>
+          </p:nvPr>
+        </p:nvPicPr>
+        <p:blipFill>
+          <a:blip r:embed="rId2" cstate="email">
+            <a:extLst>
+              <a:ext uri="{28A0092B-C50C-407E-A947-70E740481C1C}">
+                <a14:useLocalDpi xmlns:a14="http://schemas.microsoft.com/office/drawing/2010/main" val="0"/>
+              </a:ext>
+            </a:extLst>
+          </a:blip>
+          <a:srcRect/>
+          <a:stretch>
+            <a:fillRect/>
+          </a:stretch>
+        </p:blipFill>
+        <p:spPr bwMode="auto">
+          <a:xfrm>
+            <a:off x="1698365" y="1581947"/>
+            <a:ext cx="5567361" cy="4312873"/>
+          </a:xfrm>
+          <a:prstGeom prst="rect">
+            <a:avLst/>
+          </a:prstGeom>
+          <a:noFill/>
+          <a:extLst>
+            <a:ext uri="{909E8E84-426E-40DD-AFC4-6F175D3DCCD1}">
+              <a14:hiddenFill xmlns:a14="http://schemas.microsoft.com/office/drawing/2010/main">
+                <a:solidFill>
+                  <a:srgbClr val="FFFFFF"/>
+                </a:solidFill>
+              </a14:hiddenFill>
+            </a:ext>
+          </a:extLst>
+        </p:spPr>
+      </p:pic>
+    </p:spTree>
+    <p:extLst>
+      <p:ext uri="{BB962C8B-B14F-4D97-AF65-F5344CB8AC3E}">
+        <p14:creationId xmlns:p14="http://schemas.microsoft.com/office/powerpoint/2010/main" val="3288275720"/>
+      </p:ext>
+    </p:extLst>
+  </p:cSld>
+  <p:clrMapOvr>
+    <a:masterClrMapping/>
+  </p:clrMapOvr>
+  <p:transition spd="slow">
+    <p:fade/>
+  </p:transition>
+</p:sld>
+</file>
+
+<file path=ppt/slides/slide82.xml><?xml version="1.0" encoding="utf-8"?>
+<p:sld xmlns:a="http://schemas.openxmlformats.org/drawingml/2006/main" xmlns:r="http://schemas.openxmlformats.org/officeDocument/2006/relationships" xmlns:p="http://schemas.openxmlformats.org/presentationml/2006/main">
+  <p:cSld>
+    <p:spTree>
+      <p:nvGrpSpPr>
+        <p:cNvPr id="1" name=""/>
+        <p:cNvGrpSpPr/>
+        <p:nvPr/>
+      </p:nvGrpSpPr>
+      <p:grpSpPr>
+        <a:xfrm>
+          <a:off x="0" y="0"/>
+          <a:ext cx="0" cy="0"/>
+          <a:chOff x="0" y="0"/>
+          <a:chExt cx="0" cy="0"/>
+        </a:xfrm>
+      </p:grpSpPr>
+      <p:sp>
+        <p:nvSpPr>
+          <p:cNvPr id="2" name="Titre 1">
+            <a:extLst>
+              <a:ext uri="{FF2B5EF4-FFF2-40B4-BE49-F238E27FC236}">
+                <a16:creationId xmlns:a16="http://schemas.microsoft.com/office/drawing/2014/main" id="{DD475AFE-49E7-42EB-B26B-BD143178DA89}"/>
+              </a:ext>
+            </a:extLst>
+          </p:cNvPr>
+          <p:cNvSpPr>
+            <a:spLocks noGrp="1"/>
+          </p:cNvSpPr>
+          <p:nvPr>
+            <p:ph type="title"/>
+          </p:nvPr>
+        </p:nvSpPr>
+        <p:spPr/>
+        <p:txBody>
+          <a:bodyPr/>
+          <a:lstStyle/>
+          <a:p>
+            <a:r>
+              <a:rPr lang="fr-BE" dirty="0"/>
+              <a:t>Présentation Azure </a:t>
+            </a:r>
+            <a:r>
+              <a:rPr lang="fr-BE" dirty="0" err="1"/>
+              <a:t>Devops</a:t>
+            </a:r>
+            <a:endParaRPr lang="fr-BE" dirty="0"/>
+          </a:p>
+        </p:txBody>
+      </p:sp>
+      <p:sp>
+        <p:nvSpPr>
+          <p:cNvPr id="4" name="Espace réservé du pied de page 3">
+            <a:extLst>
+              <a:ext uri="{FF2B5EF4-FFF2-40B4-BE49-F238E27FC236}">
+                <a16:creationId xmlns:a16="http://schemas.microsoft.com/office/drawing/2014/main" id="{9B968DE3-0ACA-46FD-9694-4E7048FF4BCB}"/>
+              </a:ext>
+            </a:extLst>
+          </p:cNvPr>
+          <p:cNvSpPr>
+            <a:spLocks noGrp="1"/>
+          </p:cNvSpPr>
+          <p:nvPr>
+            <p:ph type="ftr" sz="quarter" idx="11"/>
+          </p:nvPr>
+        </p:nvSpPr>
+        <p:spPr/>
+        <p:txBody>
+          <a:bodyPr/>
+          <a:lstStyle/>
+          <a:p>
+            <a:pPr>
+              <a:defRPr/>
+            </a:pPr>
+            <a:r>
+              <a:rPr lang="fr-FR"/>
+              <a:t>Adrien Huygens</a:t>
+            </a:r>
+            <a:endParaRPr lang="fr-FR" dirty="0"/>
+          </a:p>
+        </p:txBody>
+      </p:sp>
+      <p:sp>
+        <p:nvSpPr>
+          <p:cNvPr id="5" name="Espace réservé du numéro de diapositive 4">
+            <a:extLst>
+              <a:ext uri="{FF2B5EF4-FFF2-40B4-BE49-F238E27FC236}">
+                <a16:creationId xmlns:a16="http://schemas.microsoft.com/office/drawing/2014/main" id="{B4E38B9D-9B45-4CFF-8735-DF513295E868}"/>
+              </a:ext>
+            </a:extLst>
+          </p:cNvPr>
+          <p:cNvSpPr>
+            <a:spLocks noGrp="1"/>
+          </p:cNvSpPr>
+          <p:nvPr>
+            <p:ph type="sldNum" sz="quarter" idx="12"/>
+          </p:nvPr>
+        </p:nvSpPr>
+        <p:spPr/>
+        <p:txBody>
+          <a:bodyPr/>
+          <a:lstStyle/>
+          <a:p>
+            <a:pPr>
+              <a:defRPr/>
+            </a:pPr>
+            <a:fld id="{37E4E265-2F72-DF4D-B77D-D3249BA76B9F}" type="slidenum">
+              <a:rPr lang="fr-FR" smtClean="0"/>
+              <a:pPr>
+                <a:defRPr/>
+              </a:pPr>
+              <a:t>82</a:t>
+            </a:fld>
+            <a:endParaRPr lang="fr-FR"/>
+          </a:p>
+        </p:txBody>
+      </p:sp>
+      <p:pic>
+        <p:nvPicPr>
+          <p:cNvPr id="12290" name="Picture 2">
+            <a:extLst>
+              <a:ext uri="{FF2B5EF4-FFF2-40B4-BE49-F238E27FC236}">
+                <a16:creationId xmlns:a16="http://schemas.microsoft.com/office/drawing/2014/main" id="{3D7C5A13-028D-4927-A7CE-700D168EA5FA}"/>
+              </a:ext>
+            </a:extLst>
+          </p:cNvPr>
+          <p:cNvPicPr>
+            <a:picLocks noGrp="1" noChangeAspect="1" noChangeArrowheads="1"/>
+          </p:cNvPicPr>
+          <p:nvPr>
+            <p:ph idx="1"/>
+          </p:nvPr>
+        </p:nvPicPr>
+        <p:blipFill>
+          <a:blip r:embed="rId2" cstate="email">
+            <a:extLst>
+              <a:ext uri="{28A0092B-C50C-407E-A947-70E740481C1C}">
+                <a14:useLocalDpi xmlns:a14="http://schemas.microsoft.com/office/drawing/2010/main" val="0"/>
+              </a:ext>
+            </a:extLst>
+          </a:blip>
+          <a:srcRect/>
+          <a:stretch>
+            <a:fillRect/>
+          </a:stretch>
+        </p:blipFill>
+        <p:spPr bwMode="auto">
+          <a:xfrm>
+            <a:off x="795963" y="1414898"/>
+            <a:ext cx="7552074" cy="4602879"/>
+          </a:xfrm>
+          <a:prstGeom prst="rect">
+            <a:avLst/>
+          </a:prstGeom>
+          <a:noFill/>
+          <a:extLst>
+            <a:ext uri="{909E8E84-426E-40DD-AFC4-6F175D3DCCD1}">
+              <a14:hiddenFill xmlns:a14="http://schemas.microsoft.com/office/drawing/2010/main">
+                <a:solidFill>
+                  <a:srgbClr val="FFFFFF"/>
+                </a:solidFill>
+              </a14:hiddenFill>
+            </a:ext>
+          </a:extLst>
+        </p:spPr>
+      </p:pic>
+    </p:spTree>
+    <p:extLst>
+      <p:ext uri="{BB962C8B-B14F-4D97-AF65-F5344CB8AC3E}">
+        <p14:creationId xmlns:p14="http://schemas.microsoft.com/office/powerpoint/2010/main" val="1257475633"/>
+      </p:ext>
+    </p:extLst>
+  </p:cSld>
+  <p:clrMapOvr>
+    <a:masterClrMapping/>
+  </p:clrMapOvr>
+  <p:transition spd="slow">
+    <p:fade/>
+  </p:transition>
+</p:sld>
+</file>
+
+<file path=ppt/slides/slide83.xml><?xml version="1.0" encoding="utf-8"?>
+<p:sld xmlns:a="http://schemas.openxmlformats.org/drawingml/2006/main" xmlns:r="http://schemas.openxmlformats.org/officeDocument/2006/relationships" xmlns:p="http://schemas.openxmlformats.org/presentationml/2006/main">
+  <p:cSld>
+    <p:spTree>
+      <p:nvGrpSpPr>
+        <p:cNvPr id="1" name=""/>
+        <p:cNvGrpSpPr/>
+        <p:nvPr/>
+      </p:nvGrpSpPr>
+      <p:grpSpPr>
+        <a:xfrm>
+          <a:off x="0" y="0"/>
+          <a:ext cx="0" cy="0"/>
+          <a:chOff x="0" y="0"/>
+          <a:chExt cx="0" cy="0"/>
+        </a:xfrm>
+      </p:grpSpPr>
+      <p:sp>
+        <p:nvSpPr>
+          <p:cNvPr id="2" name="Titre 1">
+            <a:extLst>
+              <a:ext uri="{FF2B5EF4-FFF2-40B4-BE49-F238E27FC236}">
+                <a16:creationId xmlns:a16="http://schemas.microsoft.com/office/drawing/2014/main" id="{59920CED-F678-4614-B59A-769C429C4683}"/>
+              </a:ext>
+            </a:extLst>
+          </p:cNvPr>
+          <p:cNvSpPr>
+            <a:spLocks noGrp="1"/>
+          </p:cNvSpPr>
+          <p:nvPr>
+            <p:ph type="title"/>
+          </p:nvPr>
+        </p:nvSpPr>
+        <p:spPr/>
+        <p:txBody>
+          <a:bodyPr/>
+          <a:lstStyle/>
+          <a:p>
+            <a:r>
+              <a:rPr lang="fr-BE" dirty="0"/>
+              <a:t>Exercices 1</a:t>
+            </a:r>
+          </a:p>
+        </p:txBody>
+      </p:sp>
+      <p:sp>
+        <p:nvSpPr>
+          <p:cNvPr id="7" name="Espace réservé du contenu 6">
+            <a:extLst>
+              <a:ext uri="{FF2B5EF4-FFF2-40B4-BE49-F238E27FC236}">
+                <a16:creationId xmlns:a16="http://schemas.microsoft.com/office/drawing/2014/main" id="{32F83777-AD44-44AA-9045-43A003FDC40B}"/>
+              </a:ext>
+            </a:extLst>
+          </p:cNvPr>
+          <p:cNvSpPr>
+            <a:spLocks noGrp="1"/>
+          </p:cNvSpPr>
+          <p:nvPr>
+            <p:ph idx="1"/>
+          </p:nvPr>
+        </p:nvSpPr>
+        <p:spPr/>
+        <p:txBody>
+          <a:bodyPr/>
+          <a:lstStyle/>
+          <a:p>
+            <a:r>
+              <a:rPr lang="fr-BE" dirty="0"/>
+              <a:t>Création d’un compte sur une des 3 </a:t>
+            </a:r>
+            <a:r>
+              <a:rPr lang="fr-BE" dirty="0" err="1"/>
+              <a:t>platformes</a:t>
+            </a:r>
+            <a:r>
+              <a:rPr lang="fr-BE" dirty="0"/>
+              <a:t>.</a:t>
+            </a:r>
+          </a:p>
+          <a:p>
+            <a:r>
+              <a:rPr lang="fr-BE" dirty="0"/>
+              <a:t>Création d’un projet</a:t>
+            </a:r>
+          </a:p>
+          <a:p>
+            <a:r>
+              <a:rPr lang="fr-BE" dirty="0"/>
+              <a:t>Création d’une issue, et fermer la automatiquement avec un push </a:t>
+            </a:r>
+          </a:p>
+          <a:p>
+            <a:r>
+              <a:rPr lang="fr-BE" dirty="0"/>
+              <a:t>Créer 3 branche (Master, </a:t>
+            </a:r>
+            <a:r>
+              <a:rPr lang="fr-BE" dirty="0" err="1"/>
+              <a:t>PreProd</a:t>
+            </a:r>
+            <a:r>
+              <a:rPr lang="fr-BE" dirty="0"/>
+              <a:t>, test) qui oblige un pull </a:t>
+            </a:r>
+            <a:r>
+              <a:rPr lang="fr-BE" dirty="0" err="1"/>
+              <a:t>request</a:t>
+            </a:r>
+            <a:r>
+              <a:rPr lang="fr-BE" dirty="0"/>
+              <a:t> pour mettre de l’information dessus)</a:t>
+            </a:r>
+          </a:p>
+        </p:txBody>
+      </p:sp>
+      <p:sp>
+        <p:nvSpPr>
+          <p:cNvPr id="4" name="Espace réservé du pied de page 3">
+            <a:extLst>
+              <a:ext uri="{FF2B5EF4-FFF2-40B4-BE49-F238E27FC236}">
+                <a16:creationId xmlns:a16="http://schemas.microsoft.com/office/drawing/2014/main" id="{2006285B-EE63-472E-8C69-118C1A226FC4}"/>
+              </a:ext>
+            </a:extLst>
+          </p:cNvPr>
+          <p:cNvSpPr>
+            <a:spLocks noGrp="1"/>
+          </p:cNvSpPr>
+          <p:nvPr>
+            <p:ph type="ftr" sz="quarter" idx="11"/>
+          </p:nvPr>
+        </p:nvSpPr>
+        <p:spPr/>
+        <p:txBody>
+          <a:bodyPr/>
+          <a:lstStyle/>
+          <a:p>
+            <a:pPr>
+              <a:defRPr/>
+            </a:pPr>
+            <a:r>
+              <a:rPr lang="fr-FR"/>
+              <a:t>Adrien Huygens</a:t>
+            </a:r>
+            <a:endParaRPr lang="fr-FR" dirty="0"/>
+          </a:p>
+        </p:txBody>
+      </p:sp>
+      <p:sp>
+        <p:nvSpPr>
+          <p:cNvPr id="5" name="Espace réservé du numéro de diapositive 4">
+            <a:extLst>
+              <a:ext uri="{FF2B5EF4-FFF2-40B4-BE49-F238E27FC236}">
+                <a16:creationId xmlns:a16="http://schemas.microsoft.com/office/drawing/2014/main" id="{75D333B4-7453-4FDA-B3A4-287654E57BE6}"/>
+              </a:ext>
+            </a:extLst>
+          </p:cNvPr>
+          <p:cNvSpPr>
+            <a:spLocks noGrp="1"/>
+          </p:cNvSpPr>
+          <p:nvPr>
+            <p:ph type="sldNum" sz="quarter" idx="12"/>
+          </p:nvPr>
+        </p:nvSpPr>
+        <p:spPr/>
+        <p:txBody>
+          <a:bodyPr/>
+          <a:lstStyle/>
+          <a:p>
+            <a:pPr>
+              <a:defRPr/>
+            </a:pPr>
+            <a:fld id="{37E4E265-2F72-DF4D-B77D-D3249BA76B9F}" type="slidenum">
+              <a:rPr lang="fr-FR" smtClean="0"/>
+              <a:pPr>
+                <a:defRPr/>
+              </a:pPr>
+              <a:t>83</a:t>
+            </a:fld>
+            <a:endParaRPr lang="fr-FR"/>
+          </a:p>
+        </p:txBody>
+      </p:sp>
+    </p:spTree>
+    <p:extLst>
+      <p:ext uri="{BB962C8B-B14F-4D97-AF65-F5344CB8AC3E}">
+        <p14:creationId xmlns:p14="http://schemas.microsoft.com/office/powerpoint/2010/main" val="2406553263"/>
+      </p:ext>
+    </p:extLst>
+  </p:cSld>
+  <p:clrMapOvr>
+    <a:masterClrMapping/>
+  </p:clrMapOvr>
+  <p:transition spd="slow">
+    <p:fade/>
+  </p:transition>
+</p:sld>
+</file>
+
+<file path=ppt/slides/slide84.xml><?xml version="1.0" encoding="utf-8"?>
+<p:sld xmlns:a="http://schemas.openxmlformats.org/drawingml/2006/main" xmlns:r="http://schemas.openxmlformats.org/officeDocument/2006/relationships" xmlns:p="http://schemas.openxmlformats.org/presentationml/2006/main">
+  <p:cSld>
+    <p:spTree>
+      <p:nvGrpSpPr>
+        <p:cNvPr id="1" name=""/>
+        <p:cNvGrpSpPr/>
+        <p:nvPr/>
+      </p:nvGrpSpPr>
+      <p:grpSpPr>
+        <a:xfrm>
+          <a:off x="0" y="0"/>
+          <a:ext cx="0" cy="0"/>
+          <a:chOff x="0" y="0"/>
+          <a:chExt cx="0" cy="0"/>
+        </a:xfrm>
+      </p:grpSpPr>
+      <p:sp>
+        <p:nvSpPr>
+          <p:cNvPr id="2" name="Titre 1">
+            <a:extLst>
+              <a:ext uri="{FF2B5EF4-FFF2-40B4-BE49-F238E27FC236}">
+                <a16:creationId xmlns:a16="http://schemas.microsoft.com/office/drawing/2014/main" id="{D5ADC2A8-6A10-4316-9518-B00B93141EE6}"/>
+              </a:ext>
+            </a:extLst>
+          </p:cNvPr>
+          <p:cNvSpPr>
+            <a:spLocks noGrp="1"/>
+          </p:cNvSpPr>
+          <p:nvPr>
+            <p:ph type="title"/>
+          </p:nvPr>
+        </p:nvSpPr>
+        <p:spPr/>
+        <p:txBody>
+          <a:bodyPr/>
+          <a:lstStyle/>
+          <a:p>
+            <a:r>
+              <a:rPr lang="fr-BE" dirty="0"/>
+              <a:t>Exercice 1</a:t>
+            </a:r>
+          </a:p>
+        </p:txBody>
+      </p:sp>
+      <p:sp>
+        <p:nvSpPr>
+          <p:cNvPr id="3" name="Espace réservé du contenu 2">
+            <a:extLst>
+              <a:ext uri="{FF2B5EF4-FFF2-40B4-BE49-F238E27FC236}">
+                <a16:creationId xmlns:a16="http://schemas.microsoft.com/office/drawing/2014/main" id="{1AB68C6F-8C18-442E-8AA0-4EC9D48F5A74}"/>
+              </a:ext>
+            </a:extLst>
+          </p:cNvPr>
+          <p:cNvSpPr>
+            <a:spLocks noGrp="1"/>
+          </p:cNvSpPr>
+          <p:nvPr>
+            <p:ph idx="1"/>
+          </p:nvPr>
+        </p:nvSpPr>
+        <p:spPr/>
+        <p:txBody>
+          <a:bodyPr/>
+          <a:lstStyle/>
+          <a:p>
+            <a:r>
+              <a:rPr lang="fr-BE" dirty="0"/>
+              <a:t>Ajouter une clé SSH </a:t>
+            </a:r>
+          </a:p>
+          <a:p>
+            <a:r>
+              <a:rPr lang="fr-BE" dirty="0"/>
+              <a:t>Mise en place d’issue avec des tag qui correspond à une gestion de projet pour un site web</a:t>
+            </a:r>
+          </a:p>
+        </p:txBody>
+      </p:sp>
+      <p:sp>
+        <p:nvSpPr>
+          <p:cNvPr id="4" name="Espace réservé du pied de page 3">
+            <a:extLst>
+              <a:ext uri="{FF2B5EF4-FFF2-40B4-BE49-F238E27FC236}">
+                <a16:creationId xmlns:a16="http://schemas.microsoft.com/office/drawing/2014/main" id="{FDCA1F82-BDE6-4B6F-941C-9586C368C314}"/>
+              </a:ext>
+            </a:extLst>
+          </p:cNvPr>
+          <p:cNvSpPr>
+            <a:spLocks noGrp="1"/>
+          </p:cNvSpPr>
+          <p:nvPr>
+            <p:ph type="ftr" sz="quarter" idx="11"/>
+          </p:nvPr>
+        </p:nvSpPr>
+        <p:spPr/>
+        <p:txBody>
+          <a:bodyPr/>
+          <a:lstStyle/>
+          <a:p>
+            <a:pPr>
+              <a:defRPr/>
+            </a:pPr>
+            <a:r>
+              <a:rPr lang="fr-FR"/>
+              <a:t>Adrien Huygens</a:t>
+            </a:r>
+            <a:endParaRPr lang="fr-FR" dirty="0"/>
+          </a:p>
+        </p:txBody>
+      </p:sp>
+      <p:sp>
+        <p:nvSpPr>
+          <p:cNvPr id="5" name="Espace réservé du numéro de diapositive 4">
+            <a:extLst>
+              <a:ext uri="{FF2B5EF4-FFF2-40B4-BE49-F238E27FC236}">
+                <a16:creationId xmlns:a16="http://schemas.microsoft.com/office/drawing/2014/main" id="{1610CB72-2BA9-43B5-BAC5-52F98186B4B2}"/>
+              </a:ext>
+            </a:extLst>
+          </p:cNvPr>
+          <p:cNvSpPr>
+            <a:spLocks noGrp="1"/>
+          </p:cNvSpPr>
+          <p:nvPr>
+            <p:ph type="sldNum" sz="quarter" idx="12"/>
+          </p:nvPr>
+        </p:nvSpPr>
+        <p:spPr/>
+        <p:txBody>
+          <a:bodyPr/>
+          <a:lstStyle/>
+          <a:p>
+            <a:pPr>
+              <a:defRPr/>
+            </a:pPr>
+            <a:fld id="{37E4E265-2F72-DF4D-B77D-D3249BA76B9F}" type="slidenum">
+              <a:rPr lang="fr-FR" smtClean="0"/>
+              <a:pPr>
+                <a:defRPr/>
+              </a:pPr>
+              <a:t>84</a:t>
+            </a:fld>
+            <a:endParaRPr lang="fr-FR"/>
+          </a:p>
+        </p:txBody>
+      </p:sp>
+    </p:spTree>
+    <p:extLst>
+      <p:ext uri="{BB962C8B-B14F-4D97-AF65-F5344CB8AC3E}">
+        <p14:creationId xmlns:p14="http://schemas.microsoft.com/office/powerpoint/2010/main" val="2006977103"/>
+      </p:ext>
+    </p:extLst>
+  </p:cSld>
+  <p:clrMapOvr>
+    <a:masterClrMapping/>
+  </p:clrMapOvr>
+  <p:transition spd="slow">
+    <p:fade/>
+  </p:transition>
+</p:sld>
+</file>
+
+<file path=ppt/slides/slide85.xml><?xml version="1.0" encoding="utf-8"?>
+<p:sld xmlns:a="http://schemas.openxmlformats.org/drawingml/2006/main" xmlns:r="http://schemas.openxmlformats.org/officeDocument/2006/relationships" xmlns:p="http://schemas.openxmlformats.org/presentationml/2006/main">
+  <p:cSld>
+    <p:spTree>
+      <p:nvGrpSpPr>
+        <p:cNvPr id="1" name=""/>
+        <p:cNvGrpSpPr/>
+        <p:nvPr/>
+      </p:nvGrpSpPr>
+      <p:grpSpPr>
+        <a:xfrm>
+          <a:off x="0" y="0"/>
+          <a:ext cx="0" cy="0"/>
+          <a:chOff x="0" y="0"/>
+          <a:chExt cx="0" cy="0"/>
+        </a:xfrm>
+      </p:grpSpPr>
+      <p:sp>
+        <p:nvSpPr>
+          <p:cNvPr id="2" name="Titre 1">
+            <a:extLst>
+              <a:ext uri="{FF2B5EF4-FFF2-40B4-BE49-F238E27FC236}">
+                <a16:creationId xmlns:a16="http://schemas.microsoft.com/office/drawing/2014/main" id="{ED7F34B5-EFC4-4B5B-BE19-2E22A6D0C726}"/>
+              </a:ext>
+            </a:extLst>
+          </p:cNvPr>
+          <p:cNvSpPr>
+            <a:spLocks noGrp="1"/>
+          </p:cNvSpPr>
+          <p:nvPr>
+            <p:ph type="title"/>
+          </p:nvPr>
+        </p:nvSpPr>
+        <p:spPr/>
+        <p:txBody>
+          <a:bodyPr/>
+          <a:lstStyle/>
+          <a:p>
+            <a:r>
+              <a:rPr lang="fr-BE" dirty="0"/>
+              <a:t>Exercice 2</a:t>
+            </a:r>
+          </a:p>
+        </p:txBody>
+      </p:sp>
+      <p:sp>
+        <p:nvSpPr>
+          <p:cNvPr id="3" name="Espace réservé du contenu 2">
+            <a:extLst>
+              <a:ext uri="{FF2B5EF4-FFF2-40B4-BE49-F238E27FC236}">
+                <a16:creationId xmlns:a16="http://schemas.microsoft.com/office/drawing/2014/main" id="{17FF1649-4700-4FC2-95C7-7A22310AD0D0}"/>
+              </a:ext>
+            </a:extLst>
+          </p:cNvPr>
+          <p:cNvSpPr>
+            <a:spLocks noGrp="1"/>
+          </p:cNvSpPr>
+          <p:nvPr>
+            <p:ph idx="1"/>
+          </p:nvPr>
+        </p:nvSpPr>
+        <p:spPr/>
+        <p:txBody>
+          <a:bodyPr/>
+          <a:lstStyle/>
+          <a:p>
+            <a:r>
+              <a:rPr lang="fr-BE" dirty="0"/>
+              <a:t>Créer un projet avec les même règles que pour l’exercice 1</a:t>
+            </a:r>
+          </a:p>
+          <a:p>
+            <a:r>
+              <a:rPr lang="fr-BE" dirty="0"/>
+              <a:t>Mise en place d’un déploiement automatique en SSH sur un serveur distant.</a:t>
+            </a:r>
+          </a:p>
+          <a:p>
+            <a:r>
+              <a:rPr lang="fr-BE" dirty="0"/>
+              <a:t>Mise en place de teste automatique</a:t>
+            </a:r>
+          </a:p>
+          <a:p>
+            <a:endParaRPr lang="fr-BE" dirty="0"/>
+          </a:p>
+        </p:txBody>
+      </p:sp>
+      <p:sp>
+        <p:nvSpPr>
+          <p:cNvPr id="4" name="Espace réservé du pied de page 3">
+            <a:extLst>
+              <a:ext uri="{FF2B5EF4-FFF2-40B4-BE49-F238E27FC236}">
+                <a16:creationId xmlns:a16="http://schemas.microsoft.com/office/drawing/2014/main" id="{39ECAF84-2861-4277-8B06-AAEDB6F3B9F9}"/>
+              </a:ext>
+            </a:extLst>
+          </p:cNvPr>
+          <p:cNvSpPr>
+            <a:spLocks noGrp="1"/>
+          </p:cNvSpPr>
+          <p:nvPr>
+            <p:ph type="ftr" sz="quarter" idx="11"/>
+          </p:nvPr>
+        </p:nvSpPr>
+        <p:spPr/>
+        <p:txBody>
+          <a:bodyPr/>
+          <a:lstStyle/>
+          <a:p>
+            <a:pPr>
+              <a:defRPr/>
+            </a:pPr>
+            <a:r>
+              <a:rPr lang="fr-FR"/>
+              <a:t>Adrien Huygens</a:t>
+            </a:r>
+            <a:endParaRPr lang="fr-FR" dirty="0"/>
+          </a:p>
+        </p:txBody>
+      </p:sp>
+      <p:sp>
+        <p:nvSpPr>
+          <p:cNvPr id="5" name="Espace réservé du numéro de diapositive 4">
+            <a:extLst>
+              <a:ext uri="{FF2B5EF4-FFF2-40B4-BE49-F238E27FC236}">
+                <a16:creationId xmlns:a16="http://schemas.microsoft.com/office/drawing/2014/main" id="{2C078FA3-D386-45D8-8A58-B31F6AEFBB4D}"/>
+              </a:ext>
+            </a:extLst>
+          </p:cNvPr>
+          <p:cNvSpPr>
+            <a:spLocks noGrp="1"/>
+          </p:cNvSpPr>
+          <p:nvPr>
+            <p:ph type="sldNum" sz="quarter" idx="12"/>
+          </p:nvPr>
+        </p:nvSpPr>
+        <p:spPr/>
+        <p:txBody>
+          <a:bodyPr/>
+          <a:lstStyle/>
+          <a:p>
+            <a:pPr>
+              <a:defRPr/>
+            </a:pPr>
+            <a:fld id="{37E4E265-2F72-DF4D-B77D-D3249BA76B9F}" type="slidenum">
+              <a:rPr lang="fr-FR" smtClean="0"/>
+              <a:pPr>
+                <a:defRPr/>
+              </a:pPr>
+              <a:t>85</a:t>
+            </a:fld>
+            <a:endParaRPr lang="fr-FR"/>
+          </a:p>
+        </p:txBody>
+      </p:sp>
+    </p:spTree>
+    <p:extLst>
+      <p:ext uri="{BB962C8B-B14F-4D97-AF65-F5344CB8AC3E}">
+        <p14:creationId xmlns:p14="http://schemas.microsoft.com/office/powerpoint/2010/main" val="3643091131"/>
+      </p:ext>
+    </p:extLst>
+  </p:cSld>
+  <p:clrMapOvr>
+    <a:masterClrMapping/>
+  </p:clrMapOvr>
+  <p:transition spd="slow">
+    <p:fade/>
+  </p:transition>
+</p:sld>
+</file>
+
+<file path=ppt/slides/slide86.xml><?xml version="1.0" encoding="utf-8"?>
+<p:sld xmlns:a="http://schemas.openxmlformats.org/drawingml/2006/main" xmlns:r="http://schemas.openxmlformats.org/officeDocument/2006/relationships" xmlns:p="http://schemas.openxmlformats.org/presentationml/2006/main">
+  <p:cSld>
+    <p:spTree>
+      <p:nvGrpSpPr>
+        <p:cNvPr id="1" name=""/>
+        <p:cNvGrpSpPr/>
+        <p:nvPr/>
+      </p:nvGrpSpPr>
+      <p:grpSpPr>
+        <a:xfrm>
+          <a:off x="0" y="0"/>
+          <a:ext cx="0" cy="0"/>
+          <a:chOff x="0" y="0"/>
+          <a:chExt cx="0" cy="0"/>
+        </a:xfrm>
+      </p:grpSpPr>
+      <p:sp>
+        <p:nvSpPr>
+          <p:cNvPr id="2" name="Titre 1">
+            <a:extLst>
+              <a:ext uri="{FF2B5EF4-FFF2-40B4-BE49-F238E27FC236}">
+                <a16:creationId xmlns:a16="http://schemas.microsoft.com/office/drawing/2014/main" id="{F63DCBD7-4C0A-45BA-B8B0-5DEE25A70EA2}"/>
+              </a:ext>
+            </a:extLst>
+          </p:cNvPr>
+          <p:cNvSpPr>
+            <a:spLocks noGrp="1"/>
+          </p:cNvSpPr>
+          <p:nvPr>
+            <p:ph type="title"/>
+          </p:nvPr>
+        </p:nvSpPr>
+        <p:spPr/>
+        <p:txBody>
+          <a:bodyPr/>
+          <a:lstStyle/>
+          <a:p>
+            <a:r>
+              <a:rPr lang="fr-BE" dirty="0"/>
+              <a:t>Exercice 3</a:t>
+            </a:r>
+          </a:p>
+        </p:txBody>
+      </p:sp>
+      <p:sp>
+        <p:nvSpPr>
+          <p:cNvPr id="3" name="Espace réservé du contenu 2">
+            <a:extLst>
+              <a:ext uri="{FF2B5EF4-FFF2-40B4-BE49-F238E27FC236}">
+                <a16:creationId xmlns:a16="http://schemas.microsoft.com/office/drawing/2014/main" id="{DF35A8DA-89F5-428A-BDE3-4921CBAE67F1}"/>
+              </a:ext>
+            </a:extLst>
+          </p:cNvPr>
+          <p:cNvSpPr>
+            <a:spLocks noGrp="1"/>
+          </p:cNvSpPr>
+          <p:nvPr>
+            <p:ph idx="1"/>
+          </p:nvPr>
+        </p:nvSpPr>
+        <p:spPr/>
+        <p:txBody>
+          <a:bodyPr/>
+          <a:lstStyle/>
+          <a:p>
+            <a:r>
+              <a:rPr lang="fr-BE" dirty="0"/>
+              <a:t>Déploiement d’un </a:t>
+            </a:r>
+            <a:r>
+              <a:rPr lang="fr-BE" dirty="0" err="1"/>
+              <a:t>gitlab</a:t>
+            </a:r>
+            <a:r>
+              <a:rPr lang="fr-BE" dirty="0"/>
+              <a:t> en local sur une VM</a:t>
+            </a:r>
+          </a:p>
+          <a:p>
+            <a:r>
+              <a:rPr lang="fr-BE" dirty="0"/>
+              <a:t>Test des différentes possibilité </a:t>
+            </a:r>
+          </a:p>
+        </p:txBody>
+      </p:sp>
+      <p:sp>
+        <p:nvSpPr>
+          <p:cNvPr id="4" name="Espace réservé du pied de page 3">
+            <a:extLst>
+              <a:ext uri="{FF2B5EF4-FFF2-40B4-BE49-F238E27FC236}">
+                <a16:creationId xmlns:a16="http://schemas.microsoft.com/office/drawing/2014/main" id="{9EB99D03-F21F-4E18-B8F2-A40A36CDC183}"/>
+              </a:ext>
+            </a:extLst>
+          </p:cNvPr>
+          <p:cNvSpPr>
+            <a:spLocks noGrp="1"/>
+          </p:cNvSpPr>
+          <p:nvPr>
+            <p:ph type="ftr" sz="quarter" idx="11"/>
+          </p:nvPr>
+        </p:nvSpPr>
+        <p:spPr/>
+        <p:txBody>
+          <a:bodyPr/>
+          <a:lstStyle/>
+          <a:p>
+            <a:pPr>
+              <a:defRPr/>
+            </a:pPr>
+            <a:r>
+              <a:rPr lang="fr-FR"/>
+              <a:t>Adrien Huygens</a:t>
+            </a:r>
+            <a:endParaRPr lang="fr-FR" dirty="0"/>
+          </a:p>
+        </p:txBody>
+      </p:sp>
+      <p:sp>
+        <p:nvSpPr>
+          <p:cNvPr id="5" name="Espace réservé du numéro de diapositive 4">
+            <a:extLst>
+              <a:ext uri="{FF2B5EF4-FFF2-40B4-BE49-F238E27FC236}">
+                <a16:creationId xmlns:a16="http://schemas.microsoft.com/office/drawing/2014/main" id="{2E96A922-7205-4214-A876-7BC668ACCF01}"/>
+              </a:ext>
+            </a:extLst>
+          </p:cNvPr>
+          <p:cNvSpPr>
+            <a:spLocks noGrp="1"/>
+          </p:cNvSpPr>
+          <p:nvPr>
+            <p:ph type="sldNum" sz="quarter" idx="12"/>
+          </p:nvPr>
+        </p:nvSpPr>
+        <p:spPr/>
+        <p:txBody>
+          <a:bodyPr/>
+          <a:lstStyle/>
+          <a:p>
+            <a:pPr>
+              <a:defRPr/>
+            </a:pPr>
+            <a:fld id="{37E4E265-2F72-DF4D-B77D-D3249BA76B9F}" type="slidenum">
+              <a:rPr lang="fr-FR" smtClean="0"/>
+              <a:pPr>
+                <a:defRPr/>
+              </a:pPr>
+              <a:t>86</a:t>
+            </a:fld>
+            <a:endParaRPr lang="fr-FR"/>
+          </a:p>
+        </p:txBody>
+      </p:sp>
+    </p:spTree>
+    <p:extLst>
+      <p:ext uri="{BB962C8B-B14F-4D97-AF65-F5344CB8AC3E}">
+        <p14:creationId xmlns:p14="http://schemas.microsoft.com/office/powerpoint/2010/main" val="527788636"/>
       </p:ext>
     </p:extLst>
   </p:cSld>
@@ -23165,6 +29690,21 @@
 </file>
 
 <file path=customXml/item1.xml><?xml version="1.0" encoding="utf-8"?>
+<p:properties xmlns:p="http://schemas.microsoft.com/office/2006/metadata/properties" xmlns:xsi="http://www.w3.org/2001/XMLSchema-instance" xmlns:pc="http://schemas.microsoft.com/office/infopath/2007/PartnerControls">
+  <documentManagement/>
+</p:properties>
+</file>
+
+<file path=customXml/item2.xml><?xml version="1.0" encoding="utf-8"?>
+<?mso-contentType ?>
+<FormTemplates xmlns="http://schemas.microsoft.com/sharepoint/v3/contenttype/forms">
+  <Display>DocumentLibraryForm</Display>
+  <Edit>DocumentLibraryForm</Edit>
+  <New>DocumentLibraryForm</New>
+</FormTemplates>
+</file>
+
+<file path=customXml/item3.xml><?xml version="1.0" encoding="utf-8"?>
 <ct:contentTypeSchema xmlns:ct="http://schemas.microsoft.com/office/2006/metadata/contentType" xmlns:ma="http://schemas.microsoft.com/office/2006/metadata/properties/metaAttributes" ct:_="" ma:_="" ma:contentTypeName="Document" ma:contentTypeID="0x010100C8E517D294B50348B28689E60A124EDF" ma:contentTypeVersion="9" ma:contentTypeDescription="Crée un document." ma:contentTypeScope="" ma:versionID="0f58c72ed1b3a37eaaf136f7c54abac5">
   <xsd:schema xmlns:xsd="http://www.w3.org/2001/XMLSchema" xmlns:xs="http://www.w3.org/2001/XMLSchema" xmlns:p="http://schemas.microsoft.com/office/2006/metadata/properties" xmlns:ns2="9b3537cf-542e-40f6-b3b3-b6842536eba3" xmlns:ns3="468ad92b-140f-4156-bde7-23aa86ab1975" targetNamespace="http://schemas.microsoft.com/office/2006/metadata/properties" ma:root="true" ma:fieldsID="7f324f195a0337677a32c19e10c4d82f" ns2:_="" ns3:_="">
     <xsd:import namespace="9b3537cf-542e-40f6-b3b3-b6842536eba3"/>
@@ -23361,22 +29901,32 @@
 </ct:contentTypeSchema>
 </file>
 
-<file path=customXml/item2.xml><?xml version="1.0" encoding="utf-8"?>
-<p:properties xmlns:p="http://schemas.microsoft.com/office/2006/metadata/properties" xmlns:xsi="http://www.w3.org/2001/XMLSchema-instance" xmlns:pc="http://schemas.microsoft.com/office/infopath/2007/PartnerControls">
-  <documentManagement/>
-</p:properties>
+<file path=customXml/itemProps1.xml><?xml version="1.0" encoding="utf-8"?>
+<ds:datastoreItem xmlns:ds="http://schemas.openxmlformats.org/officeDocument/2006/customXml" ds:itemID="{7B92BAAA-D9A3-421E-89DF-069FEE15EA4B}">
+  <ds:schemaRefs>
+    <ds:schemaRef ds:uri="http://schemas.openxmlformats.org/package/2006/metadata/core-properties"/>
+    <ds:schemaRef ds:uri="http://purl.org/dc/terms/"/>
+    <ds:schemaRef ds:uri="http://purl.org/dc/dcmitype/"/>
+    <ds:schemaRef ds:uri="http://www.w3.org/XML/1998/namespace"/>
+    <ds:schemaRef ds:uri="http://schemas.microsoft.com/office/2006/metadata/properties"/>
+    <ds:schemaRef ds:uri="http://schemas.microsoft.com/office/2006/documentManagement/types"/>
+    <ds:schemaRef ds:uri="http://purl.org/dc/elements/1.1/"/>
+    <ds:schemaRef ds:uri="http://schemas.microsoft.com/office/infopath/2007/PartnerControls"/>
+    <ds:schemaRef ds:uri="468ad92b-140f-4156-bde7-23aa86ab1975"/>
+    <ds:schemaRef ds:uri="9b3537cf-542e-40f6-b3b3-b6842536eba3"/>
+  </ds:schemaRefs>
+</ds:datastoreItem>
 </file>
 
-<file path=customXml/item3.xml><?xml version="1.0" encoding="utf-8"?>
-<?mso-contentType ?>
-<FormTemplates xmlns="http://schemas.microsoft.com/sharepoint/v3/contenttype/forms">
-  <Display>DocumentLibraryForm</Display>
-  <Edit>DocumentLibraryForm</Edit>
-  <New>DocumentLibraryForm</New>
-</FormTemplates>
+<file path=customXml/itemProps2.xml><?xml version="1.0" encoding="utf-8"?>
+<ds:datastoreItem xmlns:ds="http://schemas.openxmlformats.org/officeDocument/2006/customXml" ds:itemID="{217EEC84-B868-419F-AE0F-08A67BB448F9}">
+  <ds:schemaRefs>
+    <ds:schemaRef ds:uri="http://schemas.microsoft.com/sharepoint/v3/contenttype/forms"/>
+  </ds:schemaRefs>
+</ds:datastoreItem>
 </file>
 
-<file path=customXml/itemProps1.xml><?xml version="1.0" encoding="utf-8"?>
+<file path=customXml/itemProps3.xml><?xml version="1.0" encoding="utf-8"?>
 <ds:datastoreItem xmlns:ds="http://schemas.openxmlformats.org/officeDocument/2006/customXml" ds:itemID="{C390E3C6-D122-4DB9-BFA1-1368B94B2B9B}">
   <ds:schemaRefs>
     <ds:schemaRef ds:uri="http://schemas.microsoft.com/office/2006/metadata/contentType"/>
@@ -23393,29 +29943,4 @@
     <ds:schemaRef ds:uri="http://schemas.microsoft.com/internal/obd"/>
   </ds:schemaRefs>
 </ds:datastoreItem>
-</file>
-
-<file path=customXml/itemProps2.xml><?xml version="1.0" encoding="utf-8"?>
-<ds:datastoreItem xmlns:ds="http://schemas.openxmlformats.org/officeDocument/2006/customXml" ds:itemID="{7B92BAAA-D9A3-421E-89DF-069FEE15EA4B}">
-  <ds:schemaRefs>
-    <ds:schemaRef ds:uri="http://schemas.openxmlformats.org/package/2006/metadata/core-properties"/>
-    <ds:schemaRef ds:uri="http://purl.org/dc/terms/"/>
-    <ds:schemaRef ds:uri="http://purl.org/dc/dcmitype/"/>
-    <ds:schemaRef ds:uri="http://www.w3.org/XML/1998/namespace"/>
-    <ds:schemaRef ds:uri="http://schemas.microsoft.com/office/2006/metadata/properties"/>
-    <ds:schemaRef ds:uri="http://schemas.microsoft.com/office/2006/documentManagement/types"/>
-    <ds:schemaRef ds:uri="http://purl.org/dc/elements/1.1/"/>
-    <ds:schemaRef ds:uri="http://schemas.microsoft.com/office/infopath/2007/PartnerControls"/>
-    <ds:schemaRef ds:uri="468ad92b-140f-4156-bde7-23aa86ab1975"/>
-    <ds:schemaRef ds:uri="9b3537cf-542e-40f6-b3b3-b6842536eba3"/>
-  </ds:schemaRefs>
-</ds:datastoreItem>
-</file>
-
-<file path=customXml/itemProps3.xml><?xml version="1.0" encoding="utf-8"?>
-<ds:datastoreItem xmlns:ds="http://schemas.openxmlformats.org/officeDocument/2006/customXml" ds:itemID="{217EEC84-B868-419F-AE0F-08A67BB448F9}">
-  <ds:schemaRefs>
-    <ds:schemaRef ds:uri="http://schemas.microsoft.com/sharepoint/v3/contenttype/forms"/>
-  </ds:schemaRefs>
-</ds:datastoreItem>
 </file>
--- a/Chapitre1.pptx
+++ b/Chapitre1.pptx
@@ -748,7 +748,7 @@
               <a:pPr>
                 <a:defRPr/>
               </a:pPr>
-              <a:t>28/02/2021</a:t>
+              <a:t>01/03/2021</a:t>
             </a:fld>
             <a:endParaRPr lang="fr-FR"/>
           </a:p>
@@ -783,10 +783,10 @@
           </a:ln>
           <a:extLst>
             <a:ext uri="{FAA26D3D-D897-4be2-8F04-BA451C77F1D7}">
-              <ma14:placeholderFlag xmlns:ma14="http://schemas.microsoft.com/office/mac/drawingml/2011/main" xmlns="" val="1"/>
+              <ma14:placeholderFlag xmlns="" xmlns:ma14="http://schemas.microsoft.com/office/mac/drawingml/2011/main" val="1"/>
             </a:ext>
             <a:ext uri="{909E8E84-426E-40dd-AFC4-6F175D3DCCD1}">
-              <a14:hiddenFill xmlns="" xmlns:a14="http://schemas.microsoft.com/office/drawing/2010/main">
+              <a14:hiddenFill xmlns:a14="http://schemas.microsoft.com/office/drawing/2010/main" xmlns="">
                 <a:solidFill>
                   <a:srgbClr val="FFFFFF"/>
                 </a:solidFill>
@@ -1752,7 +1752,7 @@
             </a:pPr>
             <a:fld id="{3A87B36E-C8E7-AF46-A5B5-1297ACD31EAF}" type="datetime1">
               <a:rPr lang="fr-BE" smtClean="0"/>
-              <a:t>28-02-21</a:t>
+              <a:t>01-03-21</a:t>
             </a:fld>
             <a:endParaRPr lang="fr-FR"/>
           </a:p>
@@ -1982,7 +1982,7 @@
             </a:pPr>
             <a:fld id="{C01307AE-529A-1648-A5B0-80A329F3E1E8}" type="datetime1">
               <a:rPr lang="fr-BE" smtClean="0"/>
-              <a:t>28-02-21</a:t>
+              <a:t>01-03-21</a:t>
             </a:fld>
             <a:endParaRPr lang="fr-FR"/>
           </a:p>
@@ -2179,7 +2179,7 @@
             </a:pPr>
             <a:fld id="{5E435E80-3D15-A74E-93A3-1C069E316F09}" type="datetime1">
               <a:rPr lang="fr-BE" smtClean="0"/>
-              <a:t>28-02-21</a:t>
+              <a:t>01-03-21</a:t>
             </a:fld>
             <a:endParaRPr lang="fr-FR"/>
           </a:p>
@@ -2394,7 +2394,7 @@
             </a:pPr>
             <a:fld id="{1727D33B-3A60-0545-9389-D1161C748F4F}" type="datetime1">
               <a:rPr lang="fr-BE" smtClean="0"/>
-              <a:t>28-02-21</a:t>
+              <a:t>01-03-21</a:t>
             </a:fld>
             <a:endParaRPr lang="fr-FR"/>
           </a:p>
@@ -2591,7 +2591,7 @@
             </a:pPr>
             <a:fld id="{3186FDA1-BFAD-9549-9C83-E6FB5D2CE3D3}" type="datetime1">
               <a:rPr lang="fr-BE" smtClean="0"/>
-              <a:t>28-02-21</a:t>
+              <a:t>01-03-21</a:t>
             </a:fld>
             <a:endParaRPr lang="fr-FR"/>
           </a:p>
@@ -2817,7 +2817,7 @@
             </a:pPr>
             <a:fld id="{3489D778-2599-A241-8779-6330E2CB79D5}" type="datetime1">
               <a:rPr lang="fr-BE" smtClean="0"/>
-              <a:t>28-02-21</a:t>
+              <a:t>01-03-21</a:t>
             </a:fld>
             <a:endParaRPr lang="fr-FR"/>
           </a:p>
@@ -3132,7 +3132,7 @@
             </a:pPr>
             <a:fld id="{DA9781F2-DADA-9D45-843F-5FF3CF072E26}" type="datetime1">
               <a:rPr lang="fr-BE" smtClean="0"/>
-              <a:t>28-02-21</a:t>
+              <a:t>01-03-21</a:t>
             </a:fld>
             <a:endParaRPr lang="fr-FR"/>
           </a:p>
@@ -3584,7 +3584,7 @@
             </a:pPr>
             <a:fld id="{1155E245-3E20-0549-8B83-BFC6180DFBF1}" type="datetime1">
               <a:rPr lang="fr-BE" smtClean="0"/>
-              <a:t>28-02-21</a:t>
+              <a:t>01-03-21</a:t>
             </a:fld>
             <a:endParaRPr lang="fr-FR"/>
           </a:p>
@@ -3732,7 +3732,7 @@
             </a:pPr>
             <a:fld id="{0BF9ED0A-1720-474C-A0A4-C8A5F5F632FC}" type="datetime1">
               <a:rPr lang="fr-BE" smtClean="0"/>
-              <a:t>28-02-21</a:t>
+              <a:t>01-03-21</a:t>
             </a:fld>
             <a:endParaRPr lang="fr-FR"/>
           </a:p>
@@ -3857,7 +3857,7 @@
             </a:pPr>
             <a:fld id="{E52954D7-EE73-024E-A60B-70B9669DFB2E}" type="datetime1">
               <a:rPr lang="fr-BE" smtClean="0"/>
-              <a:t>28-02-21</a:t>
+              <a:t>01-03-21</a:t>
             </a:fld>
             <a:endParaRPr lang="fr-FR"/>
           </a:p>
@@ -4024,7 +4024,7 @@
             </a:pPr>
             <a:fld id="{79990DA9-FF11-3C4B-80FE-F71BF403F38C}" type="datetime1">
               <a:rPr lang="fr-BE" smtClean="0"/>
-              <a:t>28-02-21</a:t>
+              <a:t>01-03-21</a:t>
             </a:fld>
             <a:endParaRPr lang="fr-FR"/>
           </a:p>
@@ -5040,14 +5040,14 @@
           </a:ln>
           <a:extLst>
             <a:ext uri="{909E8E84-426E-40dd-AFC4-6F175D3DCCD1}">
-              <a14:hiddenFill xmlns="" xmlns:a14="http://schemas.microsoft.com/office/drawing/2010/main">
+              <a14:hiddenFill xmlns:a14="http://schemas.microsoft.com/office/drawing/2010/main" xmlns="">
                 <a:solidFill>
                   <a:srgbClr val="FFFFFF"/>
                 </a:solidFill>
               </a14:hiddenFill>
             </a:ext>
             <a:ext uri="{91240B29-F687-4f45-9708-019B960494DF}">
-              <a14:hiddenLine xmlns="" xmlns:a14="http://schemas.microsoft.com/office/drawing/2010/main" w="9525">
+              <a14:hiddenLine xmlns:a14="http://schemas.microsoft.com/office/drawing/2010/main" xmlns="" w="9525">
                 <a:solidFill>
                   <a:srgbClr val="000000"/>
                 </a:solidFill>
@@ -5298,7 +5298,7 @@
             </a:pPr>
             <a:fld id="{CE5DF0F8-2037-3A41-89CA-C74E42CFE50C}" type="datetime1">
               <a:rPr lang="fr-BE" smtClean="0"/>
-              <a:t>28-02-21</a:t>
+              <a:t>01-03-21</a:t>
             </a:fld>
             <a:endParaRPr lang="fr-FR"/>
           </a:p>
@@ -6401,17 +6401,17 @@
           </a:ln>
           <a:extLst>
             <a:ext uri="{FAA26D3D-D897-4be2-8F04-BA451C77F1D7}">
-              <ma14:placeholderFlag xmlns:ma14="http://schemas.microsoft.com/office/mac/drawingml/2011/main" xmlns="" val="1"/>
+              <ma14:placeholderFlag xmlns="" xmlns:ma14="http://schemas.microsoft.com/office/mac/drawingml/2011/main" val="1"/>
             </a:ext>
             <a:ext uri="{909E8E84-426E-40dd-AFC4-6F175D3DCCD1}">
-              <a14:hiddenFill xmlns="" xmlns:a14="http://schemas.microsoft.com/office/drawing/2010/main">
+              <a14:hiddenFill xmlns:a14="http://schemas.microsoft.com/office/drawing/2010/main" xmlns="">
                 <a:solidFill>
                   <a:srgbClr val="FFFFFF"/>
                 </a:solidFill>
               </a14:hiddenFill>
             </a:ext>
             <a:ext uri="{91240B29-F687-4f45-9708-019B960494DF}">
-              <a14:hiddenLine xmlns="" xmlns:a14="http://schemas.microsoft.com/office/drawing/2010/main" w="9525">
+              <a14:hiddenLine xmlns:a14="http://schemas.microsoft.com/office/drawing/2010/main" xmlns="" w="9525">
                 <a:solidFill>
                   <a:srgbClr val="000000"/>
                 </a:solidFill>
@@ -6462,17 +6462,17 @@
           </a:ln>
           <a:extLst>
             <a:ext uri="{FAA26D3D-D897-4be2-8F04-BA451C77F1D7}">
-              <ma14:placeholderFlag xmlns:ma14="http://schemas.microsoft.com/office/mac/drawingml/2011/main" xmlns="" val="1"/>
+              <ma14:placeholderFlag xmlns="" xmlns:ma14="http://schemas.microsoft.com/office/mac/drawingml/2011/main" val="1"/>
             </a:ext>
             <a:ext uri="{909E8E84-426E-40dd-AFC4-6F175D3DCCD1}">
-              <a14:hiddenFill xmlns="" xmlns:a14="http://schemas.microsoft.com/office/drawing/2010/main">
+              <a14:hiddenFill xmlns:a14="http://schemas.microsoft.com/office/drawing/2010/main" xmlns="">
                 <a:solidFill>
                   <a:srgbClr val="FFFFFF"/>
                 </a:solidFill>
               </a14:hiddenFill>
             </a:ext>
             <a:ext uri="{91240B29-F687-4f45-9708-019B960494DF}">
-              <a14:hiddenLine xmlns="" xmlns:a14="http://schemas.microsoft.com/office/drawing/2010/main" w="9525">
+              <a14:hiddenLine xmlns:a14="http://schemas.microsoft.com/office/drawing/2010/main" xmlns="" w="9525">
                 <a:solidFill>
                   <a:srgbClr val="000000"/>
                 </a:solidFill>
@@ -6578,7 +6578,7 @@
             </a:pPr>
             <a:fld id="{0686F793-5C58-FD4B-966B-76597F7D4510}" type="datetime1">
               <a:rPr lang="fr-BE" smtClean="0"/>
-              <a:t>28-02-21</a:t>
+              <a:t>01-03-21</a:t>
             </a:fld>
             <a:endParaRPr lang="fr-FR"/>
           </a:p>
@@ -6730,14 +6730,14 @@
           </a:ln>
           <a:extLst>
             <a:ext uri="{909E8E84-426E-40dd-AFC4-6F175D3DCCD1}">
-              <a14:hiddenFill xmlns="" xmlns:a14="http://schemas.microsoft.com/office/drawing/2010/main">
+              <a14:hiddenFill xmlns:a14="http://schemas.microsoft.com/office/drawing/2010/main" xmlns="">
                 <a:solidFill>
                   <a:srgbClr val="FFFFFF"/>
                 </a:solidFill>
               </a14:hiddenFill>
             </a:ext>
             <a:ext uri="{91240B29-F687-4f45-9708-019B960494DF}">
-              <a14:hiddenLine xmlns="" xmlns:a14="http://schemas.microsoft.com/office/drawing/2010/main" w="9525">
+              <a14:hiddenLine xmlns:a14="http://schemas.microsoft.com/office/drawing/2010/main" xmlns="" w="9525">
                 <a:solidFill>
                   <a:srgbClr val="000000"/>
                 </a:solidFill>
@@ -10825,7 +10825,7 @@
                 </a:solidFill>
                 <a:latin typeface="+mn-lt"/>
               </a:rPr>
-              <a:t>A’’</a:t>
+              <a:t>A’</a:t>
             </a:r>
             <a:endParaRPr lang="fr-BE" sz="1600" dirty="0">
               <a:solidFill>
@@ -15405,7 +15405,7 @@
             <a:pPr lvl="1"/>
             <a:r>
               <a:rPr lang="fr-BE" dirty="0"/>
-              <a:t>git --</a:t>
+              <a:t>Git init --</a:t>
             </a:r>
             <a:r>
               <a:rPr lang="fr-BE" dirty="0" err="1"/>
@@ -15512,55 +15512,6 @@
               <a:t>32</a:t>
             </a:fld>
             <a:endParaRPr lang="fr-FR"/>
-          </a:p>
-        </p:txBody>
-      </p:sp>
-      <p:sp>
-        <p:nvSpPr>
-          <p:cNvPr id="6" name="Rectangle 5">
-            <a:extLst>
-              <a:ext uri="{FF2B5EF4-FFF2-40B4-BE49-F238E27FC236}">
-                <a16:creationId xmlns:a16="http://schemas.microsoft.com/office/drawing/2014/main" id="{95EA4539-8682-46E2-952A-EA938016C6D7}"/>
-              </a:ext>
-            </a:extLst>
-          </p:cNvPr>
-          <p:cNvSpPr/>
-          <p:nvPr/>
-        </p:nvSpPr>
-        <p:spPr>
-          <a:xfrm>
-            <a:off x="4037238" y="3244334"/>
-            <a:ext cx="1069524" cy="369332"/>
-          </a:xfrm>
-          <a:prstGeom prst="rect">
-            <a:avLst/>
-          </a:prstGeom>
-        </p:spPr>
-        <p:txBody>
-          <a:bodyPr wrap="none">
-            <a:spAutoFit/>
-          </a:bodyPr>
-          <a:lstStyle/>
-          <a:p>
-            <a:r>
-              <a:rPr lang="fr-BE" dirty="0">
-                <a:solidFill>
-                  <a:srgbClr val="202122"/>
-                </a:solidFill>
-                <a:latin typeface="Arial" panose="020B0604020202020204" pitchFamily="34" charset="0"/>
-              </a:rPr>
-              <a:t> </a:t>
-            </a:r>
-            <a:r>
-              <a:rPr lang="fr-BE" b="1" dirty="0">
-                <a:solidFill>
-                  <a:srgbClr val="202122"/>
-                </a:solidFill>
-                <a:latin typeface="Arial" panose="020B0604020202020204" pitchFamily="34" charset="0"/>
-              </a:rPr>
-              <a:t>commit</a:t>
-            </a:r>
-            <a:endParaRPr lang="fr-BE" dirty="0"/>
           </a:p>
         </p:txBody>
       </p:sp>
@@ -25292,15 +25243,6 @@
           <a:solidFill>
             <a:srgbClr val="FFFFFF"/>
           </a:solidFill>
-          <a:extLst>
-            <a:ext uri="{909E8E84-426E-40DD-AFC4-6F175D3DCCD1}">
-              <a14:hiddenFill xmlns:a14="http://schemas.microsoft.com/office/drawing/2010/main">
-                <a:solidFill>
-                  <a:srgbClr val="FFFFFF"/>
-                </a:solidFill>
-              </a14:hiddenFill>
-            </a:ext>
-          </a:extLst>
         </p:spPr>
       </p:pic>
       <p:sp>
@@ -25497,15 +25439,6 @@
           <a:solidFill>
             <a:srgbClr val="FFFFFF"/>
           </a:solidFill>
-          <a:extLst>
-            <a:ext uri="{909E8E84-426E-40DD-AFC4-6F175D3DCCD1}">
-              <a14:hiddenFill xmlns:a14="http://schemas.microsoft.com/office/drawing/2010/main">
-                <a:solidFill>
-                  <a:srgbClr val="FFFFFF"/>
-                </a:solidFill>
-              </a14:hiddenFill>
-            </a:ext>
-          </a:extLst>
         </p:spPr>
       </p:pic>
       <p:sp>
@@ -29690,21 +29623,6 @@
 </file>
 
 <file path=customXml/item1.xml><?xml version="1.0" encoding="utf-8"?>
-<p:properties xmlns:p="http://schemas.microsoft.com/office/2006/metadata/properties" xmlns:xsi="http://www.w3.org/2001/XMLSchema-instance" xmlns:pc="http://schemas.microsoft.com/office/infopath/2007/PartnerControls">
-  <documentManagement/>
-</p:properties>
-</file>
-
-<file path=customXml/item2.xml><?xml version="1.0" encoding="utf-8"?>
-<?mso-contentType ?>
-<FormTemplates xmlns="http://schemas.microsoft.com/sharepoint/v3/contenttype/forms">
-  <Display>DocumentLibraryForm</Display>
-  <Edit>DocumentLibraryForm</Edit>
-  <New>DocumentLibraryForm</New>
-</FormTemplates>
-</file>
-
-<file path=customXml/item3.xml><?xml version="1.0" encoding="utf-8"?>
 <ct:contentTypeSchema xmlns:ct="http://schemas.microsoft.com/office/2006/metadata/contentType" xmlns:ma="http://schemas.microsoft.com/office/2006/metadata/properties/metaAttributes" ct:_="" ma:_="" ma:contentTypeName="Document" ma:contentTypeID="0x010100C8E517D294B50348B28689E60A124EDF" ma:contentTypeVersion="9" ma:contentTypeDescription="Crée un document." ma:contentTypeScope="" ma:versionID="0f58c72ed1b3a37eaaf136f7c54abac5">
   <xsd:schema xmlns:xsd="http://www.w3.org/2001/XMLSchema" xmlns:xs="http://www.w3.org/2001/XMLSchema" xmlns:p="http://schemas.microsoft.com/office/2006/metadata/properties" xmlns:ns2="9b3537cf-542e-40f6-b3b3-b6842536eba3" xmlns:ns3="468ad92b-140f-4156-bde7-23aa86ab1975" targetNamespace="http://schemas.microsoft.com/office/2006/metadata/properties" ma:root="true" ma:fieldsID="7f324f195a0337677a32c19e10c4d82f" ns2:_="" ns3:_="">
     <xsd:import namespace="9b3537cf-542e-40f6-b3b3-b6842536eba3"/>
@@ -29901,7 +29819,41 @@
 </ct:contentTypeSchema>
 </file>
 
+<file path=customXml/item2.xml><?xml version="1.0" encoding="utf-8"?>
+<p:properties xmlns:p="http://schemas.microsoft.com/office/2006/metadata/properties" xmlns:xsi="http://www.w3.org/2001/XMLSchema-instance" xmlns:pc="http://schemas.microsoft.com/office/infopath/2007/PartnerControls">
+  <documentManagement/>
+</p:properties>
+</file>
+
+<file path=customXml/item3.xml><?xml version="1.0" encoding="utf-8"?>
+<?mso-contentType ?>
+<FormTemplates xmlns="http://schemas.microsoft.com/sharepoint/v3/contenttype/forms">
+  <Display>DocumentLibraryForm</Display>
+  <Edit>DocumentLibraryForm</Edit>
+  <New>DocumentLibraryForm</New>
+</FormTemplates>
+</file>
+
 <file path=customXml/itemProps1.xml><?xml version="1.0" encoding="utf-8"?>
+<ds:datastoreItem xmlns:ds="http://schemas.openxmlformats.org/officeDocument/2006/customXml" ds:itemID="{C390E3C6-D122-4DB9-BFA1-1368B94B2B9B}">
+  <ds:schemaRefs>
+    <ds:schemaRef ds:uri="http://schemas.microsoft.com/office/2006/metadata/contentType"/>
+    <ds:schemaRef ds:uri="http://schemas.microsoft.com/office/2006/metadata/properties/metaAttributes"/>
+    <ds:schemaRef ds:uri="http://www.w3.org/2001/XMLSchema"/>
+    <ds:schemaRef ds:uri="http://schemas.microsoft.com/office/2006/metadata/properties"/>
+    <ds:schemaRef ds:uri="9b3537cf-542e-40f6-b3b3-b6842536eba3"/>
+    <ds:schemaRef ds:uri="468ad92b-140f-4156-bde7-23aa86ab1975"/>
+    <ds:schemaRef ds:uri="http://schemas.microsoft.com/office/2006/documentManagement/types"/>
+    <ds:schemaRef ds:uri="http://schemas.microsoft.com/office/infopath/2007/PartnerControls"/>
+    <ds:schemaRef ds:uri="http://schemas.openxmlformats.org/package/2006/metadata/core-properties"/>
+    <ds:schemaRef ds:uri="http://purl.org/dc/elements/1.1/"/>
+    <ds:schemaRef ds:uri="http://purl.org/dc/terms/"/>
+    <ds:schemaRef ds:uri="http://schemas.microsoft.com/internal/obd"/>
+  </ds:schemaRefs>
+</ds:datastoreItem>
+</file>
+
+<file path=customXml/itemProps2.xml><?xml version="1.0" encoding="utf-8"?>
 <ds:datastoreItem xmlns:ds="http://schemas.openxmlformats.org/officeDocument/2006/customXml" ds:itemID="{7B92BAAA-D9A3-421E-89DF-069FEE15EA4B}">
   <ds:schemaRefs>
     <ds:schemaRef ds:uri="http://schemas.openxmlformats.org/package/2006/metadata/core-properties"/>
@@ -29918,29 +29870,10 @@
 </ds:datastoreItem>
 </file>
 
-<file path=customXml/itemProps2.xml><?xml version="1.0" encoding="utf-8"?>
+<file path=customXml/itemProps3.xml><?xml version="1.0" encoding="utf-8"?>
 <ds:datastoreItem xmlns:ds="http://schemas.openxmlformats.org/officeDocument/2006/customXml" ds:itemID="{217EEC84-B868-419F-AE0F-08A67BB448F9}">
   <ds:schemaRefs>
     <ds:schemaRef ds:uri="http://schemas.microsoft.com/sharepoint/v3/contenttype/forms"/>
   </ds:schemaRefs>
 </ds:datastoreItem>
-</file>
-
-<file path=customXml/itemProps3.xml><?xml version="1.0" encoding="utf-8"?>
-<ds:datastoreItem xmlns:ds="http://schemas.openxmlformats.org/officeDocument/2006/customXml" ds:itemID="{C390E3C6-D122-4DB9-BFA1-1368B94B2B9B}">
-  <ds:schemaRefs>
-    <ds:schemaRef ds:uri="http://schemas.microsoft.com/office/2006/metadata/contentType"/>
-    <ds:schemaRef ds:uri="http://schemas.microsoft.com/office/2006/metadata/properties/metaAttributes"/>
-    <ds:schemaRef ds:uri="http://www.w3.org/2001/XMLSchema"/>
-    <ds:schemaRef ds:uri="http://schemas.microsoft.com/office/2006/metadata/properties"/>
-    <ds:schemaRef ds:uri="9b3537cf-542e-40f6-b3b3-b6842536eba3"/>
-    <ds:schemaRef ds:uri="468ad92b-140f-4156-bde7-23aa86ab1975"/>
-    <ds:schemaRef ds:uri="http://schemas.microsoft.com/office/2006/documentManagement/types"/>
-    <ds:schemaRef ds:uri="http://schemas.microsoft.com/office/infopath/2007/PartnerControls"/>
-    <ds:schemaRef ds:uri="http://schemas.openxmlformats.org/package/2006/metadata/core-properties"/>
-    <ds:schemaRef ds:uri="http://purl.org/dc/elements/1.1/"/>
-    <ds:schemaRef ds:uri="http://purl.org/dc/terms/"/>
-    <ds:schemaRef ds:uri="http://schemas.microsoft.com/internal/obd"/>
-  </ds:schemaRefs>
-</ds:datastoreItem>
 </file>
--- a/Chapitre1.pptx
+++ b/Chapitre1.pptx
@@ -783,10 +783,10 @@
           </a:ln>
           <a:extLst>
             <a:ext uri="{FAA26D3D-D897-4be2-8F04-BA451C77F1D7}">
-              <ma14:placeholderFlag xmlns="" xmlns:ma14="http://schemas.microsoft.com/office/mac/drawingml/2011/main" val="1"/>
+              <ma14:placeholderFlag xmlns:ma14="http://schemas.microsoft.com/office/mac/drawingml/2011/main" xmlns="" val="1"/>
             </a:ext>
             <a:ext uri="{909E8E84-426E-40dd-AFC4-6F175D3DCCD1}">
-              <a14:hiddenFill xmlns:a14="http://schemas.microsoft.com/office/drawing/2010/main" xmlns="">
+              <a14:hiddenFill xmlns="" xmlns:a14="http://schemas.microsoft.com/office/drawing/2010/main">
                 <a:solidFill>
                   <a:srgbClr val="FFFFFF"/>
                 </a:solidFill>
@@ -5040,14 +5040,14 @@
           </a:ln>
           <a:extLst>
             <a:ext uri="{909E8E84-426E-40dd-AFC4-6F175D3DCCD1}">
-              <a14:hiddenFill xmlns:a14="http://schemas.microsoft.com/office/drawing/2010/main" xmlns="">
+              <a14:hiddenFill xmlns="" xmlns:a14="http://schemas.microsoft.com/office/drawing/2010/main">
                 <a:solidFill>
                   <a:srgbClr val="FFFFFF"/>
                 </a:solidFill>
               </a14:hiddenFill>
             </a:ext>
             <a:ext uri="{91240B29-F687-4f45-9708-019B960494DF}">
-              <a14:hiddenLine xmlns:a14="http://schemas.microsoft.com/office/drawing/2010/main" xmlns="" w="9525">
+              <a14:hiddenLine xmlns="" xmlns:a14="http://schemas.microsoft.com/office/drawing/2010/main" w="9525">
                 <a:solidFill>
                   <a:srgbClr val="000000"/>
                 </a:solidFill>
@@ -6401,17 +6401,17 @@
           </a:ln>
           <a:extLst>
             <a:ext uri="{FAA26D3D-D897-4be2-8F04-BA451C77F1D7}">
-              <ma14:placeholderFlag xmlns="" xmlns:ma14="http://schemas.microsoft.com/office/mac/drawingml/2011/main" val="1"/>
+              <ma14:placeholderFlag xmlns:ma14="http://schemas.microsoft.com/office/mac/drawingml/2011/main" xmlns="" val="1"/>
             </a:ext>
             <a:ext uri="{909E8E84-426E-40dd-AFC4-6F175D3DCCD1}">
-              <a14:hiddenFill xmlns:a14="http://schemas.microsoft.com/office/drawing/2010/main" xmlns="">
+              <a14:hiddenFill xmlns="" xmlns:a14="http://schemas.microsoft.com/office/drawing/2010/main">
                 <a:solidFill>
                   <a:srgbClr val="FFFFFF"/>
                 </a:solidFill>
               </a14:hiddenFill>
             </a:ext>
             <a:ext uri="{91240B29-F687-4f45-9708-019B960494DF}">
-              <a14:hiddenLine xmlns:a14="http://schemas.microsoft.com/office/drawing/2010/main" xmlns="" w="9525">
+              <a14:hiddenLine xmlns="" xmlns:a14="http://schemas.microsoft.com/office/drawing/2010/main" w="9525">
                 <a:solidFill>
                   <a:srgbClr val="000000"/>
                 </a:solidFill>
@@ -6462,17 +6462,17 @@
           </a:ln>
           <a:extLst>
             <a:ext uri="{FAA26D3D-D897-4be2-8F04-BA451C77F1D7}">
-              <ma14:placeholderFlag xmlns="" xmlns:ma14="http://schemas.microsoft.com/office/mac/drawingml/2011/main" val="1"/>
+              <ma14:placeholderFlag xmlns:ma14="http://schemas.microsoft.com/office/mac/drawingml/2011/main" xmlns="" val="1"/>
             </a:ext>
             <a:ext uri="{909E8E84-426E-40dd-AFC4-6F175D3DCCD1}">
-              <a14:hiddenFill xmlns:a14="http://schemas.microsoft.com/office/drawing/2010/main" xmlns="">
+              <a14:hiddenFill xmlns="" xmlns:a14="http://schemas.microsoft.com/office/drawing/2010/main">
                 <a:solidFill>
                   <a:srgbClr val="FFFFFF"/>
                 </a:solidFill>
               </a14:hiddenFill>
             </a:ext>
             <a:ext uri="{91240B29-F687-4f45-9708-019B960494DF}">
-              <a14:hiddenLine xmlns:a14="http://schemas.microsoft.com/office/drawing/2010/main" xmlns="" w="9525">
+              <a14:hiddenLine xmlns="" xmlns:a14="http://schemas.microsoft.com/office/drawing/2010/main" w="9525">
                 <a:solidFill>
                   <a:srgbClr val="000000"/>
                 </a:solidFill>
@@ -6730,14 +6730,14 @@
           </a:ln>
           <a:extLst>
             <a:ext uri="{909E8E84-426E-40dd-AFC4-6F175D3DCCD1}">
-              <a14:hiddenFill xmlns:a14="http://schemas.microsoft.com/office/drawing/2010/main" xmlns="">
+              <a14:hiddenFill xmlns="" xmlns:a14="http://schemas.microsoft.com/office/drawing/2010/main">
                 <a:solidFill>
                   <a:srgbClr val="FFFFFF"/>
                 </a:solidFill>
               </a14:hiddenFill>
             </a:ext>
             <a:ext uri="{91240B29-F687-4f45-9708-019B960494DF}">
-              <a14:hiddenLine xmlns:a14="http://schemas.microsoft.com/office/drawing/2010/main" xmlns="" w="9525">
+              <a14:hiddenLine xmlns="" xmlns:a14="http://schemas.microsoft.com/office/drawing/2010/main" w="9525">
                 <a:solidFill>
                   <a:srgbClr val="000000"/>
                 </a:solidFill>
@@ -8928,15 +8928,12 @@
               </a:rPr>
               <a:t>A</a:t>
             </a:r>
-            <a:r>
-              <a:rPr lang="fr-BE" sz="1600" dirty="0">
-                <a:solidFill>
-                  <a:srgbClr val="FF0000"/>
-                </a:solidFill>
-                <a:latin typeface="+mn-lt"/>
-              </a:rPr>
-              <a:t>’</a:t>
-            </a:r>
+            <a:endParaRPr lang="fr-BE" sz="1600" dirty="0">
+              <a:solidFill>
+                <a:srgbClr val="FF0000"/>
+              </a:solidFill>
+              <a:latin typeface="+mn-lt"/>
+            </a:endParaRPr>
           </a:p>
         </p:txBody>
       </p:sp>
@@ -29623,6 +29620,15 @@
 </file>
 
 <file path=customXml/item1.xml><?xml version="1.0" encoding="utf-8"?>
+<?mso-contentType ?>
+<FormTemplates xmlns="http://schemas.microsoft.com/sharepoint/v3/contenttype/forms">
+  <Display>DocumentLibraryForm</Display>
+  <Edit>DocumentLibraryForm</Edit>
+  <New>DocumentLibraryForm</New>
+</FormTemplates>
+</file>
+
+<file path=customXml/item2.xml><?xml version="1.0" encoding="utf-8"?>
 <ct:contentTypeSchema xmlns:ct="http://schemas.microsoft.com/office/2006/metadata/contentType" xmlns:ma="http://schemas.microsoft.com/office/2006/metadata/properties/metaAttributes" ct:_="" ma:_="" ma:contentTypeName="Document" ma:contentTypeID="0x010100C8E517D294B50348B28689E60A124EDF" ma:contentTypeVersion="9" ma:contentTypeDescription="Crée un document." ma:contentTypeScope="" ma:versionID="0f58c72ed1b3a37eaaf136f7c54abac5">
   <xsd:schema xmlns:xsd="http://www.w3.org/2001/XMLSchema" xmlns:xs="http://www.w3.org/2001/XMLSchema" xmlns:p="http://schemas.microsoft.com/office/2006/metadata/properties" xmlns:ns2="9b3537cf-542e-40f6-b3b3-b6842536eba3" xmlns:ns3="468ad92b-140f-4156-bde7-23aa86ab1975" targetNamespace="http://schemas.microsoft.com/office/2006/metadata/properties" ma:root="true" ma:fieldsID="7f324f195a0337677a32c19e10c4d82f" ns2:_="" ns3:_="">
     <xsd:import namespace="9b3537cf-542e-40f6-b3b3-b6842536eba3"/>
@@ -29819,22 +29825,21 @@
 </ct:contentTypeSchema>
 </file>
 
-<file path=customXml/item2.xml><?xml version="1.0" encoding="utf-8"?>
+<file path=customXml/item3.xml><?xml version="1.0" encoding="utf-8"?>
 <p:properties xmlns:p="http://schemas.microsoft.com/office/2006/metadata/properties" xmlns:xsi="http://www.w3.org/2001/XMLSchema-instance" xmlns:pc="http://schemas.microsoft.com/office/infopath/2007/PartnerControls">
   <documentManagement/>
 </p:properties>
 </file>
 
-<file path=customXml/item3.xml><?xml version="1.0" encoding="utf-8"?>
-<?mso-contentType ?>
-<FormTemplates xmlns="http://schemas.microsoft.com/sharepoint/v3/contenttype/forms">
-  <Display>DocumentLibraryForm</Display>
-  <Edit>DocumentLibraryForm</Edit>
-  <New>DocumentLibraryForm</New>
-</FormTemplates>
+<file path=customXml/itemProps1.xml><?xml version="1.0" encoding="utf-8"?>
+<ds:datastoreItem xmlns:ds="http://schemas.openxmlformats.org/officeDocument/2006/customXml" ds:itemID="{217EEC84-B868-419F-AE0F-08A67BB448F9}">
+  <ds:schemaRefs>
+    <ds:schemaRef ds:uri="http://schemas.microsoft.com/sharepoint/v3/contenttype/forms"/>
+  </ds:schemaRefs>
+</ds:datastoreItem>
 </file>
 
-<file path=customXml/itemProps1.xml><?xml version="1.0" encoding="utf-8"?>
+<file path=customXml/itemProps2.xml><?xml version="1.0" encoding="utf-8"?>
 <ds:datastoreItem xmlns:ds="http://schemas.openxmlformats.org/officeDocument/2006/customXml" ds:itemID="{C390E3C6-D122-4DB9-BFA1-1368B94B2B9B}">
   <ds:schemaRefs>
     <ds:schemaRef ds:uri="http://schemas.microsoft.com/office/2006/metadata/contentType"/>
@@ -29853,7 +29858,7 @@
 </ds:datastoreItem>
 </file>
 
-<file path=customXml/itemProps2.xml><?xml version="1.0" encoding="utf-8"?>
+<file path=customXml/itemProps3.xml><?xml version="1.0" encoding="utf-8"?>
 <ds:datastoreItem xmlns:ds="http://schemas.openxmlformats.org/officeDocument/2006/customXml" ds:itemID="{7B92BAAA-D9A3-421E-89DF-069FEE15EA4B}">
   <ds:schemaRefs>
     <ds:schemaRef ds:uri="http://schemas.openxmlformats.org/package/2006/metadata/core-properties"/>
@@ -29868,12 +29873,4 @@
     <ds:schemaRef ds:uri="9b3537cf-542e-40f6-b3b3-b6842536eba3"/>
   </ds:schemaRefs>
 </ds:datastoreItem>
-</file>
-
-<file path=customXml/itemProps3.xml><?xml version="1.0" encoding="utf-8"?>
-<ds:datastoreItem xmlns:ds="http://schemas.openxmlformats.org/officeDocument/2006/customXml" ds:itemID="{217EEC84-B868-419F-AE0F-08A67BB448F9}">
-  <ds:schemaRefs>
-    <ds:schemaRef ds:uri="http://schemas.microsoft.com/sharepoint/v3/contenttype/forms"/>
-  </ds:schemaRefs>
-</ds:datastoreItem>
 </file>